--- a/03-tutorial/ddd-basic/README.pptx
+++ b/03-tutorial/ddd-basic/README.pptx
@@ -264,7 +264,7 @@
           <a:p>
             <a:fld id="{7C942374-54D0-46CC-9FD3-64DEB9F3020F}" type="datetimeFigureOut">
               <a:rPr lang="ko-KR" altLang="en-US" smtClean="0"/>
-              <a:t>2025-02-18</a:t>
+              <a:t>2025-02-23</a:t>
             </a:fld>
             <a:endParaRPr lang="ko-KR" altLang="en-US"/>
           </a:p>
@@ -432,7 +432,7 @@
           <a:p>
             <a:fld id="{7C942374-54D0-46CC-9FD3-64DEB9F3020F}" type="datetimeFigureOut">
               <a:rPr lang="ko-KR" altLang="en-US" smtClean="0"/>
-              <a:t>2025-02-18</a:t>
+              <a:t>2025-02-23</a:t>
             </a:fld>
             <a:endParaRPr lang="ko-KR" altLang="en-US"/>
           </a:p>
@@ -610,7 +610,7 @@
           <a:p>
             <a:fld id="{7C942374-54D0-46CC-9FD3-64DEB9F3020F}" type="datetimeFigureOut">
               <a:rPr lang="ko-KR" altLang="en-US" smtClean="0"/>
-              <a:t>2025-02-18</a:t>
+              <a:t>2025-02-23</a:t>
             </a:fld>
             <a:endParaRPr lang="ko-KR" altLang="en-US"/>
           </a:p>
@@ -778,7 +778,7 @@
           <a:p>
             <a:fld id="{7C942374-54D0-46CC-9FD3-64DEB9F3020F}" type="datetimeFigureOut">
               <a:rPr lang="ko-KR" altLang="en-US" smtClean="0"/>
-              <a:t>2025-02-18</a:t>
+              <a:t>2025-02-23</a:t>
             </a:fld>
             <a:endParaRPr lang="ko-KR" altLang="en-US"/>
           </a:p>
@@ -1023,7 +1023,7 @@
           <a:p>
             <a:fld id="{7C942374-54D0-46CC-9FD3-64DEB9F3020F}" type="datetimeFigureOut">
               <a:rPr lang="ko-KR" altLang="en-US" smtClean="0"/>
-              <a:t>2025-02-18</a:t>
+              <a:t>2025-02-23</a:t>
             </a:fld>
             <a:endParaRPr lang="ko-KR" altLang="en-US"/>
           </a:p>
@@ -1252,7 +1252,7 @@
           <a:p>
             <a:fld id="{7C942374-54D0-46CC-9FD3-64DEB9F3020F}" type="datetimeFigureOut">
               <a:rPr lang="ko-KR" altLang="en-US" smtClean="0"/>
-              <a:t>2025-02-18</a:t>
+              <a:t>2025-02-23</a:t>
             </a:fld>
             <a:endParaRPr lang="ko-KR" altLang="en-US"/>
           </a:p>
@@ -1616,7 +1616,7 @@
           <a:p>
             <a:fld id="{7C942374-54D0-46CC-9FD3-64DEB9F3020F}" type="datetimeFigureOut">
               <a:rPr lang="ko-KR" altLang="en-US" smtClean="0"/>
-              <a:t>2025-02-18</a:t>
+              <a:t>2025-02-23</a:t>
             </a:fld>
             <a:endParaRPr lang="ko-KR" altLang="en-US"/>
           </a:p>
@@ -1733,7 +1733,7 @@
           <a:p>
             <a:fld id="{7C942374-54D0-46CC-9FD3-64DEB9F3020F}" type="datetimeFigureOut">
               <a:rPr lang="ko-KR" altLang="en-US" smtClean="0"/>
-              <a:t>2025-02-18</a:t>
+              <a:t>2025-02-23</a:t>
             </a:fld>
             <a:endParaRPr lang="ko-KR" altLang="en-US"/>
           </a:p>
@@ -1828,7 +1828,7 @@
           <a:p>
             <a:fld id="{7C942374-54D0-46CC-9FD3-64DEB9F3020F}" type="datetimeFigureOut">
               <a:rPr lang="ko-KR" altLang="en-US" smtClean="0"/>
-              <a:t>2025-02-18</a:t>
+              <a:t>2025-02-23</a:t>
             </a:fld>
             <a:endParaRPr lang="ko-KR" altLang="en-US"/>
           </a:p>
@@ -2103,7 +2103,7 @@
           <a:p>
             <a:fld id="{7C942374-54D0-46CC-9FD3-64DEB9F3020F}" type="datetimeFigureOut">
               <a:rPr lang="ko-KR" altLang="en-US" smtClean="0"/>
-              <a:t>2025-02-18</a:t>
+              <a:t>2025-02-23</a:t>
             </a:fld>
             <a:endParaRPr lang="ko-KR" altLang="en-US"/>
           </a:p>
@@ -2355,7 +2355,7 @@
           <a:p>
             <a:fld id="{7C942374-54D0-46CC-9FD3-64DEB9F3020F}" type="datetimeFigureOut">
               <a:rPr lang="ko-KR" altLang="en-US" smtClean="0"/>
-              <a:t>2025-02-18</a:t>
+              <a:t>2025-02-23</a:t>
             </a:fld>
             <a:endParaRPr lang="ko-KR" altLang="en-US"/>
           </a:p>
@@ -2566,7 +2566,7 @@
           <a:p>
             <a:fld id="{7C942374-54D0-46CC-9FD3-64DEB9F3020F}" type="datetimeFigureOut">
               <a:rPr lang="ko-KR" altLang="en-US" smtClean="0"/>
-              <a:t>2025-02-18</a:t>
+              <a:t>2025-02-23</a:t>
             </a:fld>
             <a:endParaRPr lang="ko-KR" altLang="en-US"/>
           </a:p>
@@ -2990,7 +2990,7 @@
             <p:cNvPr id="7" name="그림 6">
               <a:extLst>
                 <a:ext uri="{FF2B5EF4-FFF2-40B4-BE49-F238E27FC236}">
-                  <a16:creationId xmlns:a16="http://schemas.microsoft.com/office/drawing/2014/main" xmlns="" id="{D2A7AB12-7F35-61A6-504A-F50EF9B95A81}"/>
+                  <a16:creationId xmlns:a16="http://schemas.microsoft.com/office/drawing/2014/main" id="{D2A7AB12-7F35-61A6-504A-F50EF9B95A81}"/>
                 </a:ext>
               </a:extLst>
             </p:cNvPr>
@@ -3020,7 +3020,7 @@
             <p:cNvPr id="30" name="직사각형 29">
               <a:extLst>
                 <a:ext uri="{FF2B5EF4-FFF2-40B4-BE49-F238E27FC236}">
-                  <a16:creationId xmlns:a16="http://schemas.microsoft.com/office/drawing/2014/main" xmlns="" id="{55ED66F5-1478-EFE2-D13E-60C1DCAADACC}"/>
+                  <a16:creationId xmlns:a16="http://schemas.microsoft.com/office/drawing/2014/main" id="{55ED66F5-1478-EFE2-D13E-60C1DCAADACC}"/>
                 </a:ext>
               </a:extLst>
             </p:cNvPr>
@@ -3073,7 +3073,7 @@
             <p:cNvPr id="31" name="직선 연결선 30">
               <a:extLst>
                 <a:ext uri="{FF2B5EF4-FFF2-40B4-BE49-F238E27FC236}">
-                  <a16:creationId xmlns:a16="http://schemas.microsoft.com/office/drawing/2014/main" xmlns="" id="{F3BE8123-4994-926A-BEBD-D4FCEE053DF5}"/>
+                  <a16:creationId xmlns:a16="http://schemas.microsoft.com/office/drawing/2014/main" id="{F3BE8123-4994-926A-BEBD-D4FCEE053DF5}"/>
                 </a:ext>
               </a:extLst>
             </p:cNvPr>
@@ -3116,7 +3116,7 @@
             <p:cNvPr id="34" name="그림 33">
               <a:extLst>
                 <a:ext uri="{FF2B5EF4-FFF2-40B4-BE49-F238E27FC236}">
-                  <a16:creationId xmlns:a16="http://schemas.microsoft.com/office/drawing/2014/main" xmlns="" id="{76BFD087-1464-697E-3C36-8578E74FE30C}"/>
+                  <a16:creationId xmlns:a16="http://schemas.microsoft.com/office/drawing/2014/main" id="{76BFD087-1464-697E-3C36-8578E74FE30C}"/>
                 </a:ext>
               </a:extLst>
             </p:cNvPr>
@@ -3151,7 +3151,7 @@
             <p:cNvPr id="42" name="연결선: 꺾임 41">
               <a:extLst>
                 <a:ext uri="{FF2B5EF4-FFF2-40B4-BE49-F238E27FC236}">
-                  <a16:creationId xmlns:a16="http://schemas.microsoft.com/office/drawing/2014/main" xmlns="" id="{74F507FB-9E49-E4EE-ED10-DCDC4C41B089}"/>
+                  <a16:creationId xmlns:a16="http://schemas.microsoft.com/office/drawing/2014/main" id="{74F507FB-9E49-E4EE-ED10-DCDC4C41B089}"/>
                 </a:ext>
               </a:extLst>
             </p:cNvPr>
@@ -3197,7 +3197,7 @@
             <p:cNvPr id="49" name="직사각형 48">
               <a:extLst>
                 <a:ext uri="{FF2B5EF4-FFF2-40B4-BE49-F238E27FC236}">
-                  <a16:creationId xmlns:a16="http://schemas.microsoft.com/office/drawing/2014/main" xmlns="" id="{F07CCA64-B34C-9731-7082-801539A20B90}"/>
+                  <a16:creationId xmlns:a16="http://schemas.microsoft.com/office/drawing/2014/main" id="{F07CCA64-B34C-9731-7082-801539A20B90}"/>
                 </a:ext>
               </a:extLst>
             </p:cNvPr>
@@ -3247,7 +3247,7 @@
             <p:cNvPr id="54" name="TextBox 53">
               <a:extLst>
                 <a:ext uri="{FF2B5EF4-FFF2-40B4-BE49-F238E27FC236}">
-                  <a16:creationId xmlns:a16="http://schemas.microsoft.com/office/drawing/2014/main" xmlns="" id="{968600CA-6562-FDDF-0699-E17F13B97103}"/>
+                  <a16:creationId xmlns:a16="http://schemas.microsoft.com/office/drawing/2014/main" id="{968600CA-6562-FDDF-0699-E17F13B97103}"/>
                 </a:ext>
               </a:extLst>
             </p:cNvPr>
@@ -3310,7 +3310,7 @@
             <p:cNvPr id="8" name="그림 7">
               <a:extLst>
                 <a:ext uri="{FF2B5EF4-FFF2-40B4-BE49-F238E27FC236}">
-                  <a16:creationId xmlns:a16="http://schemas.microsoft.com/office/drawing/2014/main" xmlns="" id="{D95B96F7-5DE9-CCE7-29CD-A15F2AF14744}"/>
+                  <a16:creationId xmlns:a16="http://schemas.microsoft.com/office/drawing/2014/main" id="{D95B96F7-5DE9-CCE7-29CD-A15F2AF14744}"/>
                 </a:ext>
               </a:extLst>
             </p:cNvPr>
@@ -3340,7 +3340,7 @@
             <p:cNvPr id="15" name="직사각형 14">
               <a:extLst>
                 <a:ext uri="{FF2B5EF4-FFF2-40B4-BE49-F238E27FC236}">
-                  <a16:creationId xmlns:a16="http://schemas.microsoft.com/office/drawing/2014/main" xmlns="" id="{44A00350-2EED-1207-B975-A1B249C9C2CE}"/>
+                  <a16:creationId xmlns:a16="http://schemas.microsoft.com/office/drawing/2014/main" id="{44A00350-2EED-1207-B975-A1B249C9C2CE}"/>
                 </a:ext>
               </a:extLst>
             </p:cNvPr>
@@ -3393,7 +3393,7 @@
             <p:cNvPr id="16" name="직사각형 15">
               <a:extLst>
                 <a:ext uri="{FF2B5EF4-FFF2-40B4-BE49-F238E27FC236}">
-                  <a16:creationId xmlns:a16="http://schemas.microsoft.com/office/drawing/2014/main" xmlns="" id="{0D27BA77-0988-DFA7-2B8B-4CA6CD9258DE}"/>
+                  <a16:creationId xmlns:a16="http://schemas.microsoft.com/office/drawing/2014/main" id="{0D27BA77-0988-DFA7-2B8B-4CA6CD9258DE}"/>
                 </a:ext>
               </a:extLst>
             </p:cNvPr>
@@ -3446,7 +3446,7 @@
             <p:cNvPr id="17" name="직사각형 16">
               <a:extLst>
                 <a:ext uri="{FF2B5EF4-FFF2-40B4-BE49-F238E27FC236}">
-                  <a16:creationId xmlns:a16="http://schemas.microsoft.com/office/drawing/2014/main" xmlns="" id="{47E35CB8-DB93-0F6A-3BFF-29C6417B32FB}"/>
+                  <a16:creationId xmlns:a16="http://schemas.microsoft.com/office/drawing/2014/main" id="{47E35CB8-DB93-0F6A-3BFF-29C6417B32FB}"/>
                 </a:ext>
               </a:extLst>
             </p:cNvPr>
@@ -3499,7 +3499,7 @@
             <p:cNvPr id="18" name="직선 연결선 17">
               <a:extLst>
                 <a:ext uri="{FF2B5EF4-FFF2-40B4-BE49-F238E27FC236}">
-                  <a16:creationId xmlns:a16="http://schemas.microsoft.com/office/drawing/2014/main" xmlns="" id="{DF0B02D2-5A7A-F6A2-C0AC-5A07E3886225}"/>
+                  <a16:creationId xmlns:a16="http://schemas.microsoft.com/office/drawing/2014/main" id="{DF0B02D2-5A7A-F6A2-C0AC-5A07E3886225}"/>
                 </a:ext>
               </a:extLst>
             </p:cNvPr>
@@ -3542,7 +3542,7 @@
             <p:cNvPr id="19" name="직선 연결선 18">
               <a:extLst>
                 <a:ext uri="{FF2B5EF4-FFF2-40B4-BE49-F238E27FC236}">
-                  <a16:creationId xmlns:a16="http://schemas.microsoft.com/office/drawing/2014/main" xmlns="" id="{8A292E93-B87A-394D-8A2D-88BB0751ACE5}"/>
+                  <a16:creationId xmlns:a16="http://schemas.microsoft.com/office/drawing/2014/main" id="{8A292E93-B87A-394D-8A2D-88BB0751ACE5}"/>
                 </a:ext>
               </a:extLst>
             </p:cNvPr>
@@ -3585,7 +3585,7 @@
             <p:cNvPr id="20" name="직선 연결선 19">
               <a:extLst>
                 <a:ext uri="{FF2B5EF4-FFF2-40B4-BE49-F238E27FC236}">
-                  <a16:creationId xmlns:a16="http://schemas.microsoft.com/office/drawing/2014/main" xmlns="" id="{F742C95F-18A5-7283-63BC-679B0AEE841E}"/>
+                  <a16:creationId xmlns:a16="http://schemas.microsoft.com/office/drawing/2014/main" id="{F742C95F-18A5-7283-63BC-679B0AEE841E}"/>
                 </a:ext>
               </a:extLst>
             </p:cNvPr>
@@ -3628,7 +3628,7 @@
             <p:cNvPr id="21" name="직선 연결선 20">
               <a:extLst>
                 <a:ext uri="{FF2B5EF4-FFF2-40B4-BE49-F238E27FC236}">
-                  <a16:creationId xmlns:a16="http://schemas.microsoft.com/office/drawing/2014/main" xmlns="" id="{A6ECB332-533F-48E5-6326-D3E9320AB113}"/>
+                  <a16:creationId xmlns:a16="http://schemas.microsoft.com/office/drawing/2014/main" id="{A6ECB332-533F-48E5-6326-D3E9320AB113}"/>
                 </a:ext>
               </a:extLst>
             </p:cNvPr>
@@ -3671,7 +3671,7 @@
             <p:cNvPr id="22" name="직선 연결선 21">
               <a:extLst>
                 <a:ext uri="{FF2B5EF4-FFF2-40B4-BE49-F238E27FC236}">
-                  <a16:creationId xmlns:a16="http://schemas.microsoft.com/office/drawing/2014/main" xmlns="" id="{1B998782-92A1-07A0-6EE9-D793B1868EA4}"/>
+                  <a16:creationId xmlns:a16="http://schemas.microsoft.com/office/drawing/2014/main" id="{1B998782-92A1-07A0-6EE9-D793B1868EA4}"/>
                 </a:ext>
               </a:extLst>
             </p:cNvPr>
@@ -3714,7 +3714,7 @@
             <p:cNvPr id="23" name="직선 연결선 22">
               <a:extLst>
                 <a:ext uri="{FF2B5EF4-FFF2-40B4-BE49-F238E27FC236}">
-                  <a16:creationId xmlns:a16="http://schemas.microsoft.com/office/drawing/2014/main" xmlns="" id="{BDA37005-DB76-E005-7BB3-1DE19155A8C3}"/>
+                  <a16:creationId xmlns:a16="http://schemas.microsoft.com/office/drawing/2014/main" id="{BDA37005-DB76-E005-7BB3-1DE19155A8C3}"/>
                 </a:ext>
               </a:extLst>
             </p:cNvPr>
@@ -3757,7 +3757,7 @@
             <p:cNvPr id="26" name="직선 화살표 연결선 25">
               <a:extLst>
                 <a:ext uri="{FF2B5EF4-FFF2-40B4-BE49-F238E27FC236}">
-                  <a16:creationId xmlns:a16="http://schemas.microsoft.com/office/drawing/2014/main" xmlns="" id="{DF33ABDE-CBC2-07A2-183E-C976053162D1}"/>
+                  <a16:creationId xmlns:a16="http://schemas.microsoft.com/office/drawing/2014/main" id="{DF33ABDE-CBC2-07A2-183E-C976053162D1}"/>
                 </a:ext>
               </a:extLst>
             </p:cNvPr>
@@ -3808,7 +3808,7 @@
             <p:cNvPr id="27" name="직선 화살표 연결선 26">
               <a:extLst>
                 <a:ext uri="{FF2B5EF4-FFF2-40B4-BE49-F238E27FC236}">
-                  <a16:creationId xmlns:a16="http://schemas.microsoft.com/office/drawing/2014/main" xmlns="" id="{B5C1BC1E-1E17-61A4-3A8E-44E3A1540BF4}"/>
+                  <a16:creationId xmlns:a16="http://schemas.microsoft.com/office/drawing/2014/main" id="{B5C1BC1E-1E17-61A4-3A8E-44E3A1540BF4}"/>
                 </a:ext>
               </a:extLst>
             </p:cNvPr>
@@ -3859,7 +3859,7 @@
             <p:cNvPr id="35" name="TextBox 34">
               <a:extLst>
                 <a:ext uri="{FF2B5EF4-FFF2-40B4-BE49-F238E27FC236}">
-                  <a16:creationId xmlns:a16="http://schemas.microsoft.com/office/drawing/2014/main" xmlns="" id="{D8830B79-09BC-8CDB-9727-E5943BB6FE89}"/>
+                  <a16:creationId xmlns:a16="http://schemas.microsoft.com/office/drawing/2014/main" id="{D8830B79-09BC-8CDB-9727-E5943BB6FE89}"/>
                 </a:ext>
               </a:extLst>
             </p:cNvPr>
@@ -3899,7 +3899,7 @@
             <p:cNvPr id="36" name="TextBox 35">
               <a:extLst>
                 <a:ext uri="{FF2B5EF4-FFF2-40B4-BE49-F238E27FC236}">
-                  <a16:creationId xmlns:a16="http://schemas.microsoft.com/office/drawing/2014/main" xmlns="" id="{7498B629-74C3-E041-3949-937534EA26C5}"/>
+                  <a16:creationId xmlns:a16="http://schemas.microsoft.com/office/drawing/2014/main" id="{7498B629-74C3-E041-3949-937534EA26C5}"/>
                 </a:ext>
               </a:extLst>
             </p:cNvPr>
@@ -3939,7 +3939,7 @@
             <p:cNvPr id="37" name="TextBox 36">
               <a:extLst>
                 <a:ext uri="{FF2B5EF4-FFF2-40B4-BE49-F238E27FC236}">
-                  <a16:creationId xmlns:a16="http://schemas.microsoft.com/office/drawing/2014/main" xmlns="" id="{9FDE914C-5FA3-AFA6-259A-04E5A8F34950}"/>
+                  <a16:creationId xmlns:a16="http://schemas.microsoft.com/office/drawing/2014/main" id="{9FDE914C-5FA3-AFA6-259A-04E5A8F34950}"/>
                 </a:ext>
               </a:extLst>
             </p:cNvPr>
@@ -3979,7 +3979,7 @@
             <p:cNvPr id="38" name="TextBox 37">
               <a:extLst>
                 <a:ext uri="{FF2B5EF4-FFF2-40B4-BE49-F238E27FC236}">
-                  <a16:creationId xmlns:a16="http://schemas.microsoft.com/office/drawing/2014/main" xmlns="" id="{113F581A-0233-2534-6D93-86E29AEDE4CC}"/>
+                  <a16:creationId xmlns:a16="http://schemas.microsoft.com/office/drawing/2014/main" id="{113F581A-0233-2534-6D93-86E29AEDE4CC}"/>
                 </a:ext>
               </a:extLst>
             </p:cNvPr>
@@ -4019,7 +4019,7 @@
             <p:cNvPr id="39" name="TextBox 38">
               <a:extLst>
                 <a:ext uri="{FF2B5EF4-FFF2-40B4-BE49-F238E27FC236}">
-                  <a16:creationId xmlns:a16="http://schemas.microsoft.com/office/drawing/2014/main" xmlns="" id="{F25C8F7E-30D4-B9FE-AEB9-A77ADB4D298F}"/>
+                  <a16:creationId xmlns:a16="http://schemas.microsoft.com/office/drawing/2014/main" id="{F25C8F7E-30D4-B9FE-AEB9-A77ADB4D298F}"/>
                 </a:ext>
               </a:extLst>
             </p:cNvPr>
@@ -4059,7 +4059,7 @@
             <p:cNvPr id="40" name="TextBox 39">
               <a:extLst>
                 <a:ext uri="{FF2B5EF4-FFF2-40B4-BE49-F238E27FC236}">
-                  <a16:creationId xmlns:a16="http://schemas.microsoft.com/office/drawing/2014/main" xmlns="" id="{4B4EE0E5-4F34-6D6E-9AFA-A99ACF0C4844}"/>
+                  <a16:creationId xmlns:a16="http://schemas.microsoft.com/office/drawing/2014/main" id="{4B4EE0E5-4F34-6D6E-9AFA-A99ACF0C4844}"/>
                 </a:ext>
               </a:extLst>
             </p:cNvPr>
@@ -4099,7 +4099,7 @@
             <p:cNvPr id="44" name="직사각형 43">
               <a:extLst>
                 <a:ext uri="{FF2B5EF4-FFF2-40B4-BE49-F238E27FC236}">
-                  <a16:creationId xmlns:a16="http://schemas.microsoft.com/office/drawing/2014/main" xmlns="" id="{C0FDBE82-B2E2-7FD9-EC54-A0E99099BEA6}"/>
+                  <a16:creationId xmlns:a16="http://schemas.microsoft.com/office/drawing/2014/main" id="{C0FDBE82-B2E2-7FD9-EC54-A0E99099BEA6}"/>
                 </a:ext>
               </a:extLst>
             </p:cNvPr>
@@ -4149,7 +4149,7 @@
             <p:cNvPr id="53" name="TextBox 52">
               <a:extLst>
                 <a:ext uri="{FF2B5EF4-FFF2-40B4-BE49-F238E27FC236}">
-                  <a16:creationId xmlns:a16="http://schemas.microsoft.com/office/drawing/2014/main" xmlns="" id="{90CE65EC-1C12-738C-BF13-925A288D2CDE}"/>
+                  <a16:creationId xmlns:a16="http://schemas.microsoft.com/office/drawing/2014/main" id="{90CE65EC-1C12-738C-BF13-925A288D2CDE}"/>
                 </a:ext>
               </a:extLst>
             </p:cNvPr>
@@ -4188,7 +4188,7 @@
             <p:cNvPr id="41" name="TextBox 40">
               <a:extLst>
                 <a:ext uri="{FF2B5EF4-FFF2-40B4-BE49-F238E27FC236}">
-                  <a16:creationId xmlns:a16="http://schemas.microsoft.com/office/drawing/2014/main" xmlns="" id="{90CE65EC-1C12-738C-BF13-925A288D2CDE}"/>
+                  <a16:creationId xmlns:a16="http://schemas.microsoft.com/office/drawing/2014/main" id="{90CE65EC-1C12-738C-BF13-925A288D2CDE}"/>
                 </a:ext>
               </a:extLst>
             </p:cNvPr>
@@ -4212,18 +4212,13 @@
             <a:lstStyle/>
             <a:p>
               <a:r>
-                <a:rPr lang="en-GB" b="1" smtClean="0">
+                <a:rPr lang="en-GB" b="1">
                   <a:solidFill>
                     <a:srgbClr val="C00000"/>
                   </a:solidFill>
                 </a:rPr>
                 <a:t>AggregateRoots</a:t>
               </a:r>
-              <a:endParaRPr lang="en-GB" b="1">
-                <a:solidFill>
-                  <a:srgbClr val="C00000"/>
-                </a:solidFill>
-              </a:endParaRPr>
             </a:p>
           </p:txBody>
         </p:sp>
@@ -4277,7 +4272,7 @@
             <p:cNvPr id="3" name="직사각형 2">
               <a:extLst>
                 <a:ext uri="{FF2B5EF4-FFF2-40B4-BE49-F238E27FC236}">
-                  <a16:creationId xmlns:a16="http://schemas.microsoft.com/office/drawing/2014/main" xmlns="" id="{765F1C10-826E-D67B-D033-A0A4E56C4DF4}"/>
+                  <a16:creationId xmlns:a16="http://schemas.microsoft.com/office/drawing/2014/main" id="{765F1C10-826E-D67B-D033-A0A4E56C4DF4}"/>
                 </a:ext>
               </a:extLst>
             </p:cNvPr>
@@ -5154,7 +5149,7 @@
                 </a:lnSpc>
               </a:pPr>
               <a:r>
-                <a:rPr lang="ko-KR" altLang="en-US" sz="1000" smtClean="0">
+                <a:rPr lang="ko-KR" altLang="en-US" sz="1000">
                   <a:solidFill>
                     <a:schemeClr val="bg1">
                       <a:lumMod val="50000"/>
@@ -5163,7 +5158,7 @@
                 </a:rPr>
                 <a:t>스케줄</a:t>
               </a:r>
-              <a:endParaRPr lang="en-US" altLang="ko-KR" sz="1000" smtClean="0">
+              <a:endParaRPr lang="en-US" altLang="ko-KR" sz="1000">
                 <a:solidFill>
                   <a:schemeClr val="bg1">
                     <a:lumMod val="50000"/>
@@ -5178,7 +5173,7 @@
                 </a:lnSpc>
               </a:pPr>
               <a:r>
-                <a:rPr lang="en-US" altLang="ko-KR" sz="1000" smtClean="0">
+                <a:rPr lang="en-US" altLang="ko-KR" sz="1000">
                   <a:solidFill>
                     <a:schemeClr val="bg1">
                       <a:lumMod val="50000"/>
@@ -5225,7 +5220,7 @@
                 </a:lnSpc>
               </a:pPr>
               <a:r>
-                <a:rPr lang="ko-KR" altLang="en-US" sz="1000" smtClean="0">
+                <a:rPr lang="ko-KR" altLang="en-US" sz="1000">
                   <a:solidFill>
                     <a:schemeClr val="bg1">
                       <a:lumMod val="50000"/>
@@ -5234,7 +5229,7 @@
                 </a:rPr>
                 <a:t>스케줄</a:t>
               </a:r>
-              <a:endParaRPr lang="en-US" altLang="ko-KR" sz="1000" smtClean="0">
+              <a:endParaRPr lang="en-US" altLang="ko-KR" sz="1000">
                 <a:solidFill>
                   <a:schemeClr val="bg1">
                     <a:lumMod val="50000"/>
@@ -5249,7 +5244,7 @@
                 </a:lnSpc>
               </a:pPr>
               <a:r>
-                <a:rPr lang="en-US" altLang="ko-KR" sz="1000" smtClean="0">
+                <a:rPr lang="en-US" altLang="ko-KR" sz="1000">
                   <a:solidFill>
                     <a:schemeClr val="bg1">
                       <a:lumMod val="50000"/>
@@ -5296,7 +5291,7 @@
                 </a:lnSpc>
               </a:pPr>
               <a:r>
-                <a:rPr lang="ko-KR" altLang="en-US" sz="1000" smtClean="0">
+                <a:rPr lang="ko-KR" altLang="en-US" sz="1000">
                   <a:solidFill>
                     <a:schemeClr val="bg1">
                       <a:lumMod val="50000"/>
@@ -5305,7 +5300,7 @@
                 </a:rPr>
                 <a:t>사용자</a:t>
               </a:r>
-              <a:endParaRPr lang="en-US" altLang="ko-KR" sz="1000" smtClean="0">
+              <a:endParaRPr lang="en-US" altLang="ko-KR" sz="1000">
                 <a:solidFill>
                   <a:schemeClr val="bg1">
                     <a:lumMod val="50000"/>
@@ -5320,7 +5315,7 @@
                 </a:lnSpc>
               </a:pPr>
               <a:r>
-                <a:rPr lang="en-US" altLang="ko-KR" sz="1000" smtClean="0">
+                <a:rPr lang="en-US" altLang="ko-KR" sz="1000">
                   <a:solidFill>
                     <a:schemeClr val="bg1">
                       <a:lumMod val="50000"/>
@@ -5575,7 +5570,7 @@
                 </a:lnSpc>
               </a:pPr>
               <a:r>
-                <a:rPr lang="ko-KR" altLang="en-US" sz="1000" smtClean="0">
+                <a:rPr lang="ko-KR" altLang="en-US" sz="1000">
                   <a:solidFill>
                     <a:schemeClr val="bg1">
                       <a:lumMod val="50000"/>
@@ -5584,7 +5579,7 @@
                 </a:rPr>
                 <a:t>사용자</a:t>
               </a:r>
-              <a:endParaRPr lang="en-US" altLang="ko-KR" sz="1000" smtClean="0">
+              <a:endParaRPr lang="en-US" altLang="ko-KR" sz="1000">
                 <a:solidFill>
                   <a:schemeClr val="bg1">
                     <a:lumMod val="50000"/>
@@ -5599,7 +5594,7 @@
                 </a:lnSpc>
               </a:pPr>
               <a:r>
-                <a:rPr lang="en-US" altLang="ko-KR" sz="1000" smtClean="0">
+                <a:rPr lang="en-US" altLang="ko-KR" sz="1000">
                   <a:solidFill>
                     <a:schemeClr val="bg1">
                       <a:lumMod val="50000"/>
@@ -5646,7 +5641,7 @@
                 </a:lnSpc>
               </a:pPr>
               <a:r>
-                <a:rPr lang="ko-KR" altLang="en-US" sz="1000" smtClean="0">
+                <a:rPr lang="ko-KR" altLang="en-US" sz="1000">
                   <a:solidFill>
                     <a:schemeClr val="bg1">
                       <a:lumMod val="50000"/>
@@ -5655,7 +5650,7 @@
                 </a:rPr>
                 <a:t>스케줄</a:t>
               </a:r>
-              <a:endParaRPr lang="en-US" altLang="ko-KR" sz="1000" smtClean="0">
+              <a:endParaRPr lang="en-US" altLang="ko-KR" sz="1000">
                 <a:solidFill>
                   <a:schemeClr val="bg1">
                     <a:lumMod val="50000"/>
@@ -5670,7 +5665,7 @@
                 </a:lnSpc>
               </a:pPr>
               <a:r>
-                <a:rPr lang="en-US" altLang="ko-KR" sz="1000" smtClean="0">
+                <a:rPr lang="en-US" altLang="ko-KR" sz="1000">
                   <a:solidFill>
                     <a:schemeClr val="bg1">
                       <a:lumMod val="50000"/>
@@ -5801,7 +5796,7 @@
                 </a:lnSpc>
               </a:pPr>
               <a:r>
-                <a:rPr lang="ko-KR" altLang="en-US" sz="1000" smtClean="0">
+                <a:rPr lang="ko-KR" altLang="en-US" sz="1000">
                   <a:solidFill>
                     <a:schemeClr val="bg1">
                       <a:lumMod val="50000"/>
@@ -5810,7 +5805,7 @@
                 </a:rPr>
                 <a:t>날짜</a:t>
               </a:r>
-              <a:endParaRPr lang="en-US" altLang="ko-KR" sz="1000" smtClean="0">
+              <a:endParaRPr lang="en-US" altLang="ko-KR" sz="1000">
                 <a:solidFill>
                   <a:schemeClr val="bg1">
                     <a:lumMod val="50000"/>
@@ -5825,7 +5820,7 @@
                 </a:lnSpc>
               </a:pPr>
               <a:r>
-                <a:rPr lang="en-US" altLang="ko-KR" sz="1000" smtClean="0">
+                <a:rPr lang="en-US" altLang="ko-KR" sz="1000">
                   <a:solidFill>
                     <a:schemeClr val="bg1">
                       <a:lumMod val="50000"/>
@@ -5872,7 +5867,7 @@
                 </a:lnSpc>
               </a:pPr>
               <a:r>
-                <a:rPr lang="ko-KR" altLang="en-US" sz="1000" smtClean="0">
+                <a:rPr lang="ko-KR" altLang="en-US" sz="1000">
                   <a:solidFill>
                     <a:schemeClr val="bg1">
                       <a:lumMod val="50000"/>
@@ -5881,7 +5876,7 @@
                 </a:rPr>
                 <a:t>시간</a:t>
               </a:r>
-              <a:endParaRPr lang="en-US" altLang="ko-KR" sz="1000" smtClean="0">
+              <a:endParaRPr lang="en-US" altLang="ko-KR" sz="1000">
                 <a:solidFill>
                   <a:schemeClr val="bg1">
                     <a:lumMod val="50000"/>
@@ -5896,7 +5891,7 @@
                 </a:lnSpc>
               </a:pPr>
               <a:r>
-                <a:rPr lang="en-US" altLang="ko-KR" sz="1000" smtClean="0">
+                <a:rPr lang="en-US" altLang="ko-KR" sz="1000">
                   <a:solidFill>
                     <a:schemeClr val="bg1">
                       <a:lumMod val="50000"/>
@@ -6589,7 +6584,7 @@
             <p:cNvPr id="208" name="직사각형 207">
               <a:extLst>
                 <a:ext uri="{FF2B5EF4-FFF2-40B4-BE49-F238E27FC236}">
-                  <a16:creationId xmlns:a16="http://schemas.microsoft.com/office/drawing/2014/main" xmlns="" id="{C85E4C1E-170A-830C-AB71-2FE39E4CE0F7}"/>
+                  <a16:creationId xmlns:a16="http://schemas.microsoft.com/office/drawing/2014/main" id="{C85E4C1E-170A-830C-AB71-2FE39E4CE0F7}"/>
                 </a:ext>
               </a:extLst>
             </p:cNvPr>
@@ -6772,7 +6767,7 @@
             <p:cNvPr id="224" name="직사각형 223">
               <a:extLst>
                 <a:ext uri="{FF2B5EF4-FFF2-40B4-BE49-F238E27FC236}">
-                  <a16:creationId xmlns:a16="http://schemas.microsoft.com/office/drawing/2014/main" xmlns="" id="{7CD09966-B5C1-6685-DFF3-1F73C09587D9}"/>
+                  <a16:creationId xmlns:a16="http://schemas.microsoft.com/office/drawing/2014/main" id="{7CD09966-B5C1-6685-DFF3-1F73C09587D9}"/>
                 </a:ext>
               </a:extLst>
             </p:cNvPr>
@@ -6977,7 +6972,7 @@
             <p:cNvPr id="240" name="직사각형 239">
               <a:extLst>
                 <a:ext uri="{FF2B5EF4-FFF2-40B4-BE49-F238E27FC236}">
-                  <a16:creationId xmlns:a16="http://schemas.microsoft.com/office/drawing/2014/main" xmlns="" id="{A6DD402E-F073-4E41-CE4D-B1B06F7C1A97}"/>
+                  <a16:creationId xmlns:a16="http://schemas.microsoft.com/office/drawing/2014/main" id="{A6DD402E-F073-4E41-CE4D-B1B06F7C1A97}"/>
                 </a:ext>
               </a:extLst>
             </p:cNvPr>
@@ -7454,7 +7449,7 @@
             <p:cNvPr id="221" name="직사각형 220">
               <a:extLst>
                 <a:ext uri="{FF2B5EF4-FFF2-40B4-BE49-F238E27FC236}">
-                  <a16:creationId xmlns:a16="http://schemas.microsoft.com/office/drawing/2014/main" xmlns="" id="{3348934F-A19D-0CE3-D10C-939ED42C410D}"/>
+                  <a16:creationId xmlns:a16="http://schemas.microsoft.com/office/drawing/2014/main" id="{3348934F-A19D-0CE3-D10C-939ED42C410D}"/>
                 </a:ext>
               </a:extLst>
             </p:cNvPr>
@@ -8227,7 +8222,7 @@
                 </a:lnSpc>
               </a:pPr>
               <a:r>
-                <a:rPr lang="ko-KR" altLang="en-US" sz="1000" smtClean="0">
+                <a:rPr lang="ko-KR" altLang="en-US" sz="1000">
                   <a:solidFill>
                     <a:schemeClr val="bg1">
                       <a:lumMod val="50000"/>
@@ -8236,7 +8231,7 @@
                 </a:rPr>
                 <a:t>관리자</a:t>
               </a:r>
-              <a:endParaRPr lang="en-US" altLang="ko-KR" sz="1000" smtClean="0">
+              <a:endParaRPr lang="en-US" altLang="ko-KR" sz="1000">
                 <a:solidFill>
                   <a:schemeClr val="bg1">
                     <a:lumMod val="50000"/>
@@ -8251,7 +8246,7 @@
                 </a:lnSpc>
               </a:pPr>
               <a:r>
-                <a:rPr lang="en-US" altLang="ko-KR" sz="1000" smtClean="0">
+                <a:rPr lang="en-US" altLang="ko-KR" sz="1000">
                   <a:solidFill>
                     <a:schemeClr val="bg1">
                       <a:lumMod val="50000"/>
@@ -8306,7 +8301,7 @@
           <p:cNvPr id="3" name="직사각형 2">
             <a:extLst>
               <a:ext uri="{FF2B5EF4-FFF2-40B4-BE49-F238E27FC236}">
-                <a16:creationId xmlns:a16="http://schemas.microsoft.com/office/drawing/2014/main" xmlns="" id="{765F1C10-826E-D67B-D033-A0A4E56C4DF4}"/>
+                <a16:creationId xmlns:a16="http://schemas.microsoft.com/office/drawing/2014/main" id="{765F1C10-826E-D67B-D033-A0A4E56C4DF4}"/>
               </a:ext>
             </a:extLst>
           </p:cNvPr>
@@ -8800,7 +8795,7 @@
               <a:buChar char="-"/>
             </a:pPr>
             <a:r>
-              <a:rPr lang="en-US" altLang="ko-KR" sz="900" smtClean="0">
+              <a:rPr lang="en-US" altLang="ko-KR" sz="900">
                 <a:solidFill>
                   <a:schemeClr val="bg1">
                     <a:lumMod val="50000"/>
@@ -8816,7 +8811,7 @@
               <a:buChar char="-"/>
             </a:pPr>
             <a:r>
-              <a:rPr lang="en-US" altLang="ko-KR" sz="900" smtClean="0">
+              <a:rPr lang="en-US" altLang="ko-KR" sz="900">
                 <a:solidFill>
                   <a:schemeClr val="bg1">
                     <a:lumMod val="50000"/>
@@ -8832,7 +8827,7 @@
               <a:buChar char="-"/>
             </a:pPr>
             <a:r>
-              <a:rPr lang="en-US" altLang="ko-KR" sz="900" smtClean="0">
+              <a:rPr lang="en-US" altLang="ko-KR" sz="900">
                 <a:solidFill>
                   <a:schemeClr val="bg1">
                     <a:lumMod val="50000"/>
@@ -8848,7 +8843,7 @@
               <a:buChar char="-"/>
             </a:pPr>
             <a:r>
-              <a:rPr lang="en-US" altLang="ko-KR" sz="900" smtClean="0">
+              <a:rPr lang="en-US" altLang="ko-KR" sz="900">
                 <a:solidFill>
                   <a:schemeClr val="bg1">
                     <a:lumMod val="50000"/>
@@ -8864,7 +8859,7 @@
               <a:buChar char="-"/>
             </a:pPr>
             <a:r>
-              <a:rPr lang="en-US" altLang="ko-KR" sz="900" smtClean="0">
+              <a:rPr lang="en-US" altLang="ko-KR" sz="900">
                 <a:solidFill>
                   <a:schemeClr val="bg1">
                     <a:lumMod val="50000"/>
@@ -9041,48 +9036,6 @@
       </p:cxnSp>
       <p:cxnSp>
         <p:nvCxnSpPr>
-          <p:cNvPr id="98" name="직선 화살표 연결선 97"/>
-          <p:cNvCxnSpPr>
-            <a:stCxn id="75" idx="2"/>
-            <a:endCxn id="160" idx="0"/>
-          </p:cNvCxnSpPr>
-          <p:nvPr/>
-        </p:nvCxnSpPr>
-        <p:spPr>
-          <a:xfrm>
-            <a:off x="5709376" y="5053022"/>
-            <a:ext cx="2407199" cy="635764"/>
-          </a:xfrm>
-          <a:prstGeom prst="straightConnector1">
-            <a:avLst/>
-          </a:prstGeom>
-          <a:ln>
-            <a:solidFill>
-              <a:schemeClr val="bg1">
-                <a:lumMod val="65000"/>
-              </a:schemeClr>
-            </a:solidFill>
-            <a:prstDash val="dash"/>
-            <a:tailEnd type="triangle"/>
-          </a:ln>
-        </p:spPr>
-        <p:style>
-          <a:lnRef idx="1">
-            <a:schemeClr val="accent1"/>
-          </a:lnRef>
-          <a:fillRef idx="0">
-            <a:schemeClr val="accent1"/>
-          </a:fillRef>
-          <a:effectRef idx="0">
-            <a:schemeClr val="accent1"/>
-          </a:effectRef>
-          <a:fontRef idx="minor">
-            <a:schemeClr val="tx1"/>
-          </a:fontRef>
-        </p:style>
-      </p:cxnSp>
-      <p:cxnSp>
-        <p:nvCxnSpPr>
           <p:cNvPr id="105" name="직선 화살표 연결선 104"/>
           <p:cNvCxnSpPr>
             <a:stCxn id="274" idx="3"/>
@@ -9163,48 +9116,6 @@
       </p:cxnSp>
       <p:cxnSp>
         <p:nvCxnSpPr>
-          <p:cNvPr id="114" name="직선 화살표 연결선 113"/>
-          <p:cNvCxnSpPr>
-            <a:stCxn id="75" idx="2"/>
-            <a:endCxn id="94" idx="0"/>
-          </p:cNvCxnSpPr>
-          <p:nvPr/>
-        </p:nvCxnSpPr>
-        <p:spPr>
-          <a:xfrm flipH="1">
-            <a:off x="5627055" y="5053022"/>
-            <a:ext cx="82321" cy="278151"/>
-          </a:xfrm>
-          <a:prstGeom prst="straightConnector1">
-            <a:avLst/>
-          </a:prstGeom>
-          <a:ln>
-            <a:solidFill>
-              <a:schemeClr val="bg1">
-                <a:lumMod val="65000"/>
-              </a:schemeClr>
-            </a:solidFill>
-            <a:prstDash val="dash"/>
-            <a:tailEnd type="triangle"/>
-          </a:ln>
-        </p:spPr>
-        <p:style>
-          <a:lnRef idx="1">
-            <a:schemeClr val="accent1"/>
-          </a:lnRef>
-          <a:fillRef idx="0">
-            <a:schemeClr val="accent1"/>
-          </a:fillRef>
-          <a:effectRef idx="0">
-            <a:schemeClr val="accent1"/>
-          </a:effectRef>
-          <a:fontRef idx="minor">
-            <a:schemeClr val="tx1"/>
-          </a:fontRef>
-        </p:style>
-      </p:cxnSp>
-      <p:cxnSp>
-        <p:nvCxnSpPr>
           <p:cNvPr id="118" name="직선 화살표 연결선 117"/>
           <p:cNvCxnSpPr>
             <a:stCxn id="188" idx="3"/>
@@ -9224,92 +9135,6 @@
             <a:solidFill>
               <a:schemeClr val="tx1"/>
             </a:solidFill>
-            <a:headEnd type="triangle" w="med" len="med"/>
-            <a:tailEnd type="none" w="med" len="med"/>
-          </a:ln>
-        </p:spPr>
-        <p:style>
-          <a:lnRef idx="1">
-            <a:schemeClr val="accent1"/>
-          </a:lnRef>
-          <a:fillRef idx="0">
-            <a:schemeClr val="accent1"/>
-          </a:fillRef>
-          <a:effectRef idx="0">
-            <a:schemeClr val="accent1"/>
-          </a:effectRef>
-          <a:fontRef idx="minor">
-            <a:schemeClr val="tx1"/>
-          </a:fontRef>
-        </p:style>
-      </p:cxnSp>
-      <p:cxnSp>
-        <p:nvCxnSpPr>
-          <p:cNvPr id="122" name="직선 화살표 연결선 121"/>
-          <p:cNvCxnSpPr>
-            <a:stCxn id="304" idx="1"/>
-            <a:endCxn id="301" idx="3"/>
-          </p:cNvCxnSpPr>
-          <p:nvPr/>
-        </p:nvCxnSpPr>
-        <p:spPr>
-          <a:xfrm flipH="1">
-            <a:off x="1077164" y="1044512"/>
-            <a:ext cx="5695003" cy="17857"/>
-          </a:xfrm>
-          <a:prstGeom prst="straightConnector1">
-            <a:avLst/>
-          </a:prstGeom>
-          <a:ln>
-            <a:solidFill>
-              <a:schemeClr val="bg1">
-                <a:lumMod val="65000"/>
-              </a:schemeClr>
-            </a:solidFill>
-            <a:prstDash val="dash"/>
-            <a:headEnd type="triangle" w="med" len="med"/>
-            <a:tailEnd type="none" w="med" len="med"/>
-          </a:ln>
-        </p:spPr>
-        <p:style>
-          <a:lnRef idx="1">
-            <a:schemeClr val="accent1"/>
-          </a:lnRef>
-          <a:fillRef idx="0">
-            <a:schemeClr val="accent1"/>
-          </a:fillRef>
-          <a:effectRef idx="0">
-            <a:schemeClr val="accent1"/>
-          </a:effectRef>
-          <a:fontRef idx="minor">
-            <a:schemeClr val="tx1"/>
-          </a:fontRef>
-        </p:style>
-      </p:cxnSp>
-      <p:cxnSp>
-        <p:nvCxnSpPr>
-          <p:cNvPr id="123" name="직선 화살표 연결선 122"/>
-          <p:cNvCxnSpPr>
-            <a:stCxn id="293" idx="1"/>
-            <a:endCxn id="288" idx="3"/>
-          </p:cNvCxnSpPr>
-          <p:nvPr/>
-        </p:nvCxnSpPr>
-        <p:spPr>
-          <a:xfrm flipH="1">
-            <a:off x="601047" y="1337838"/>
-            <a:ext cx="1" cy="3031718"/>
-          </a:xfrm>
-          <a:prstGeom prst="straightConnector1">
-            <a:avLst/>
-          </a:prstGeom>
-          <a:ln>
-            <a:solidFill>
-              <a:schemeClr val="bg1">
-                <a:lumMod val="65000"/>
-              </a:schemeClr>
-            </a:solidFill>
-            <a:prstDash val="dash"/>
             <a:headEnd type="triangle" w="med" len="med"/>
             <a:tailEnd type="none" w="med" len="med"/>
           </a:ln>
@@ -9400,7 +9225,7 @@
               </a:lnSpc>
             </a:pPr>
             <a:r>
-              <a:rPr lang="ko-KR" altLang="en-US" sz="1000" smtClean="0">
+              <a:rPr lang="ko-KR" altLang="en-US" sz="1000">
                 <a:solidFill>
                   <a:schemeClr val="bg1">
                     <a:lumMod val="50000"/>
@@ -9409,7 +9234,7 @@
               </a:rPr>
               <a:t>스케줄</a:t>
             </a:r>
-            <a:endParaRPr lang="en-US" altLang="ko-KR" sz="1000" smtClean="0">
+            <a:endParaRPr lang="en-US" altLang="ko-KR" sz="1000">
               <a:solidFill>
                 <a:schemeClr val="bg1">
                   <a:lumMod val="50000"/>
@@ -9424,7 +9249,7 @@
               </a:lnSpc>
             </a:pPr>
             <a:r>
-              <a:rPr lang="en-US" altLang="ko-KR" sz="1000" smtClean="0">
+              <a:rPr lang="en-US" altLang="ko-KR" sz="1000">
                 <a:solidFill>
                   <a:schemeClr val="bg1">
                     <a:lumMod val="50000"/>
@@ -9471,7 +9296,7 @@
               </a:lnSpc>
             </a:pPr>
             <a:r>
-              <a:rPr lang="ko-KR" altLang="en-US" sz="1000" smtClean="0">
+              <a:rPr lang="ko-KR" altLang="en-US" sz="1000">
                 <a:solidFill>
                   <a:schemeClr val="bg1">
                     <a:lumMod val="50000"/>
@@ -9480,7 +9305,7 @@
               </a:rPr>
               <a:t>스케줄</a:t>
             </a:r>
-            <a:endParaRPr lang="en-US" altLang="ko-KR" sz="1000" smtClean="0">
+            <a:endParaRPr lang="en-US" altLang="ko-KR" sz="1000">
               <a:solidFill>
                 <a:schemeClr val="bg1">
                   <a:lumMod val="50000"/>
@@ -9495,7 +9320,7 @@
               </a:lnSpc>
             </a:pPr>
             <a:r>
-              <a:rPr lang="en-US" altLang="ko-KR" sz="1000" smtClean="0">
+              <a:rPr lang="en-US" altLang="ko-KR" sz="1000">
                 <a:solidFill>
                   <a:schemeClr val="bg1">
                     <a:lumMod val="50000"/>
@@ -9553,86 +9378,6 @@
           </a:fontRef>
         </p:style>
       </p:cxnSp>
-      <p:cxnSp>
-        <p:nvCxnSpPr>
-          <p:cNvPr id="154" name="직선 화살표 연결선 153"/>
-          <p:cNvCxnSpPr>
-            <a:stCxn id="253" idx="3"/>
-            <a:endCxn id="132" idx="1"/>
-          </p:cNvCxnSpPr>
-          <p:nvPr/>
-        </p:nvCxnSpPr>
-        <p:spPr>
-          <a:xfrm>
-            <a:off x="5709376" y="2776934"/>
-            <a:ext cx="0" cy="1535537"/>
-          </a:xfrm>
-          <a:prstGeom prst="straightConnector1">
-            <a:avLst/>
-          </a:prstGeom>
-          <a:ln>
-            <a:prstDash val="dash"/>
-            <a:headEnd type="triangle" w="med" len="med"/>
-            <a:tailEnd type="none" w="med" len="med"/>
-          </a:ln>
-        </p:spPr>
-        <p:style>
-          <a:lnRef idx="1">
-            <a:schemeClr val="accent1"/>
-          </a:lnRef>
-          <a:fillRef idx="0">
-            <a:schemeClr val="accent1"/>
-          </a:fillRef>
-          <a:effectRef idx="0">
-            <a:schemeClr val="accent1"/>
-          </a:effectRef>
-          <a:fontRef idx="minor">
-            <a:schemeClr val="tx1"/>
-          </a:fontRef>
-        </p:style>
-      </p:cxnSp>
-      <p:cxnSp>
-        <p:nvCxnSpPr>
-          <p:cNvPr id="155" name="직선 화살표 연결선 154"/>
-          <p:cNvCxnSpPr>
-            <a:stCxn id="89" idx="2"/>
-            <a:endCxn id="125" idx="0"/>
-          </p:cNvCxnSpPr>
-          <p:nvPr/>
-        </p:nvCxnSpPr>
-        <p:spPr>
-          <a:xfrm flipH="1">
-            <a:off x="677053" y="5108220"/>
-            <a:ext cx="1" cy="458905"/>
-          </a:xfrm>
-          <a:prstGeom prst="straightConnector1">
-            <a:avLst/>
-          </a:prstGeom>
-          <a:ln>
-            <a:solidFill>
-              <a:schemeClr val="bg1">
-                <a:lumMod val="65000"/>
-              </a:schemeClr>
-            </a:solidFill>
-            <a:prstDash val="dash"/>
-            <a:tailEnd type="triangle"/>
-          </a:ln>
-        </p:spPr>
-        <p:style>
-          <a:lnRef idx="1">
-            <a:schemeClr val="accent1"/>
-          </a:lnRef>
-          <a:fillRef idx="0">
-            <a:schemeClr val="accent1"/>
-          </a:fillRef>
-          <a:effectRef idx="0">
-            <a:schemeClr val="accent1"/>
-          </a:effectRef>
-          <a:fontRef idx="minor">
-            <a:schemeClr val="tx1"/>
-          </a:fontRef>
-        </p:style>
-      </p:cxnSp>
       <p:sp>
         <p:nvSpPr>
           <p:cNvPr id="160" name="TextBox 159"/>
@@ -9661,7 +9406,7 @@
               </a:lnSpc>
             </a:pPr>
             <a:r>
-              <a:rPr lang="ko-KR" altLang="en-US" sz="1000" smtClean="0">
+              <a:rPr lang="ko-KR" altLang="en-US" sz="1000">
                 <a:solidFill>
                   <a:schemeClr val="bg1">
                     <a:lumMod val="50000"/>
@@ -9670,7 +9415,7 @@
               </a:rPr>
               <a:t>예약</a:t>
             </a:r>
-            <a:endParaRPr lang="en-US" altLang="ko-KR" sz="1000" smtClean="0">
+            <a:endParaRPr lang="en-US" altLang="ko-KR" sz="1000">
               <a:solidFill>
                 <a:schemeClr val="bg1">
                   <a:lumMod val="50000"/>
@@ -9685,7 +9430,7 @@
               </a:lnSpc>
             </a:pPr>
             <a:r>
-              <a:rPr lang="en-US" altLang="ko-KR" sz="1000" smtClean="0">
+              <a:rPr lang="en-US" altLang="ko-KR" sz="1000">
                 <a:solidFill>
                   <a:schemeClr val="bg1">
                     <a:lumMod val="50000"/>
@@ -9732,7 +9477,7 @@
               </a:lnSpc>
             </a:pPr>
             <a:r>
-              <a:rPr lang="ko-KR" altLang="en-US" sz="1000" smtClean="0">
+              <a:rPr lang="ko-KR" altLang="en-US" sz="1000">
                 <a:solidFill>
                   <a:schemeClr val="bg1">
                     <a:lumMod val="50000"/>
@@ -9741,7 +9486,7 @@
               </a:rPr>
               <a:t>스케줄</a:t>
             </a:r>
-            <a:endParaRPr lang="en-US" altLang="ko-KR" sz="1000" smtClean="0">
+            <a:endParaRPr lang="en-US" altLang="ko-KR" sz="1000">
               <a:solidFill>
                 <a:schemeClr val="bg1">
                   <a:lumMod val="50000"/>
@@ -9756,7 +9501,7 @@
               </a:lnSpc>
             </a:pPr>
             <a:r>
-              <a:rPr lang="en-US" altLang="ko-KR" sz="1000" smtClean="0">
+              <a:rPr lang="en-US" altLang="ko-KR" sz="1000">
                 <a:solidFill>
                   <a:schemeClr val="bg1">
                     <a:lumMod val="50000"/>
@@ -9803,7 +9548,7 @@
               </a:lnSpc>
             </a:pPr>
             <a:r>
-              <a:rPr lang="ko-KR" altLang="en-US" sz="1000" smtClean="0">
+              <a:rPr lang="ko-KR" altLang="en-US" sz="1000">
                 <a:solidFill>
                   <a:schemeClr val="bg1">
                     <a:lumMod val="50000"/>
@@ -9812,7 +9557,7 @@
               </a:rPr>
               <a:t>날짜</a:t>
             </a:r>
-            <a:endParaRPr lang="en-US" altLang="ko-KR" sz="1000" smtClean="0">
+            <a:endParaRPr lang="en-US" altLang="ko-KR" sz="1000">
               <a:solidFill>
                 <a:schemeClr val="bg1">
                   <a:lumMod val="50000"/>
@@ -9827,7 +9572,7 @@
               </a:lnSpc>
             </a:pPr>
             <a:r>
-              <a:rPr lang="en-US" altLang="ko-KR" sz="1000" smtClean="0">
+              <a:rPr lang="en-US" altLang="ko-KR" sz="1000">
                 <a:solidFill>
                   <a:schemeClr val="bg1">
                     <a:lumMod val="50000"/>
@@ -9874,7 +9619,7 @@
               </a:lnSpc>
             </a:pPr>
             <a:r>
-              <a:rPr lang="ko-KR" altLang="en-US" sz="1000" smtClean="0">
+              <a:rPr lang="ko-KR" altLang="en-US" sz="1000">
                 <a:solidFill>
                   <a:schemeClr val="bg1">
                     <a:lumMod val="50000"/>
@@ -9883,7 +9628,7 @@
               </a:rPr>
               <a:t>시간</a:t>
             </a:r>
-            <a:endParaRPr lang="en-US" altLang="ko-KR" sz="1000" smtClean="0">
+            <a:endParaRPr lang="en-US" altLang="ko-KR" sz="1000">
               <a:solidFill>
                 <a:schemeClr val="bg1">
                   <a:lumMod val="50000"/>
@@ -9898,7 +9643,7 @@
               </a:lnSpc>
             </a:pPr>
             <a:r>
-              <a:rPr lang="en-US" altLang="ko-KR" sz="1000" smtClean="0">
+              <a:rPr lang="en-US" altLang="ko-KR" sz="1000">
                 <a:solidFill>
                   <a:schemeClr val="bg1">
                     <a:lumMod val="50000"/>
@@ -9917,132 +9662,6 @@
           </a:p>
         </p:txBody>
       </p:sp>
-      <p:cxnSp>
-        <p:nvCxnSpPr>
-          <p:cNvPr id="182" name="직선 화살표 연결선 181"/>
-          <p:cNvCxnSpPr>
-            <a:stCxn id="75" idx="2"/>
-            <a:endCxn id="181" idx="0"/>
-          </p:cNvCxnSpPr>
-          <p:nvPr/>
-        </p:nvCxnSpPr>
-        <p:spPr>
-          <a:xfrm>
-            <a:off x="5709376" y="5053022"/>
-            <a:ext cx="1547704" cy="635764"/>
-          </a:xfrm>
-          <a:prstGeom prst="straightConnector1">
-            <a:avLst/>
-          </a:prstGeom>
-          <a:ln>
-            <a:solidFill>
-              <a:schemeClr val="bg1">
-                <a:lumMod val="65000"/>
-              </a:schemeClr>
-            </a:solidFill>
-            <a:prstDash val="dash"/>
-            <a:tailEnd type="triangle"/>
-          </a:ln>
-        </p:spPr>
-        <p:style>
-          <a:lnRef idx="1">
-            <a:schemeClr val="accent1"/>
-          </a:lnRef>
-          <a:fillRef idx="0">
-            <a:schemeClr val="accent1"/>
-          </a:fillRef>
-          <a:effectRef idx="0">
-            <a:schemeClr val="accent1"/>
-          </a:effectRef>
-          <a:fontRef idx="minor">
-            <a:schemeClr val="tx1"/>
-          </a:fontRef>
-        </p:style>
-      </p:cxnSp>
-      <p:cxnSp>
-        <p:nvCxnSpPr>
-          <p:cNvPr id="185" name="직선 화살표 연결선 184"/>
-          <p:cNvCxnSpPr>
-            <a:stCxn id="75" idx="2"/>
-            <a:endCxn id="180" idx="0"/>
-          </p:cNvCxnSpPr>
-          <p:nvPr/>
-        </p:nvCxnSpPr>
-        <p:spPr>
-          <a:xfrm>
-            <a:off x="5709376" y="5053022"/>
-            <a:ext cx="755534" cy="635764"/>
-          </a:xfrm>
-          <a:prstGeom prst="straightConnector1">
-            <a:avLst/>
-          </a:prstGeom>
-          <a:ln>
-            <a:solidFill>
-              <a:schemeClr val="bg1">
-                <a:lumMod val="65000"/>
-              </a:schemeClr>
-            </a:solidFill>
-            <a:prstDash val="dash"/>
-            <a:tailEnd type="triangle"/>
-          </a:ln>
-        </p:spPr>
-        <p:style>
-          <a:lnRef idx="1">
-            <a:schemeClr val="accent1"/>
-          </a:lnRef>
-          <a:fillRef idx="0">
-            <a:schemeClr val="accent1"/>
-          </a:fillRef>
-          <a:effectRef idx="0">
-            <a:schemeClr val="accent1"/>
-          </a:effectRef>
-          <a:fontRef idx="minor">
-            <a:schemeClr val="tx1"/>
-          </a:fontRef>
-        </p:style>
-      </p:cxnSp>
-      <p:cxnSp>
-        <p:nvCxnSpPr>
-          <p:cNvPr id="194" name="꺾인 연결선 193"/>
-          <p:cNvCxnSpPr>
-            <a:stCxn id="160" idx="3"/>
-            <a:endCxn id="145" idx="1"/>
-          </p:cNvCxnSpPr>
-          <p:nvPr/>
-        </p:nvCxnSpPr>
-        <p:spPr>
-          <a:xfrm flipV="1">
-            <a:off x="8546340" y="5024201"/>
-            <a:ext cx="2806712" cy="941584"/>
-          </a:xfrm>
-          <a:prstGeom prst="bentConnector2">
-            <a:avLst/>
-          </a:prstGeom>
-          <a:ln>
-            <a:solidFill>
-              <a:schemeClr val="bg1">
-                <a:lumMod val="65000"/>
-              </a:schemeClr>
-            </a:solidFill>
-            <a:prstDash val="dash"/>
-            <a:tailEnd type="triangle"/>
-          </a:ln>
-        </p:spPr>
-        <p:style>
-          <a:lnRef idx="1">
-            <a:schemeClr val="accent1"/>
-          </a:lnRef>
-          <a:fillRef idx="0">
-            <a:schemeClr val="accent1"/>
-          </a:fillRef>
-          <a:effectRef idx="0">
-            <a:schemeClr val="accent1"/>
-          </a:effectRef>
-          <a:fontRef idx="minor">
-            <a:schemeClr val="tx1"/>
-          </a:fontRef>
-        </p:style>
-      </p:cxnSp>
       <p:sp>
         <p:nvSpPr>
           <p:cNvPr id="200" name="직사각형 199"/>
@@ -10633,7 +10252,7 @@
           <p:cNvPr id="208" name="직사각형 207">
             <a:extLst>
               <a:ext uri="{FF2B5EF4-FFF2-40B4-BE49-F238E27FC236}">
-                <a16:creationId xmlns:a16="http://schemas.microsoft.com/office/drawing/2014/main" xmlns="" id="{C85E4C1E-170A-830C-AB71-2FE39E4CE0F7}"/>
+                <a16:creationId xmlns:a16="http://schemas.microsoft.com/office/drawing/2014/main" id="{C85E4C1E-170A-830C-AB71-2FE39E4CE0F7}"/>
               </a:ext>
             </a:extLst>
           </p:cNvPr>
@@ -10816,7 +10435,7 @@
           <p:cNvPr id="224" name="직사각형 223">
             <a:extLst>
               <a:ext uri="{FF2B5EF4-FFF2-40B4-BE49-F238E27FC236}">
-                <a16:creationId xmlns:a16="http://schemas.microsoft.com/office/drawing/2014/main" xmlns="" id="{7CD09966-B5C1-6685-DFF3-1F73C09587D9}"/>
+                <a16:creationId xmlns:a16="http://schemas.microsoft.com/office/drawing/2014/main" id="{7CD09966-B5C1-6685-DFF3-1F73C09587D9}"/>
               </a:ext>
             </a:extLst>
           </p:cNvPr>
@@ -10874,7 +10493,7 @@
           <a:lstStyle/>
           <a:p>
             <a:r>
-              <a:rPr lang="en-US" altLang="ko-KR" sz="1050" b="1" smtClean="0"/>
+              <a:rPr lang="en-US" altLang="ko-KR" sz="1050" b="1"/>
               <a:t>AddTrainer</a:t>
             </a:r>
             <a:endParaRPr lang="ko-KR" altLang="en-US" sz="1050" b="1"/>
@@ -11053,7 +10672,7 @@
           <p:cNvPr id="240" name="직사각형 239">
             <a:extLst>
               <a:ext uri="{FF2B5EF4-FFF2-40B4-BE49-F238E27FC236}">
-                <a16:creationId xmlns:a16="http://schemas.microsoft.com/office/drawing/2014/main" xmlns="" id="{A6DD402E-F073-4E41-CE4D-B1B06F7C1A97}"/>
+                <a16:creationId xmlns:a16="http://schemas.microsoft.com/office/drawing/2014/main" id="{A6DD402E-F073-4E41-CE4D-B1B06F7C1A97}"/>
               </a:ext>
             </a:extLst>
           </p:cNvPr>
@@ -11530,7 +11149,7 @@
           <p:cNvPr id="221" name="직사각형 220">
             <a:extLst>
               <a:ext uri="{FF2B5EF4-FFF2-40B4-BE49-F238E27FC236}">
-                <a16:creationId xmlns:a16="http://schemas.microsoft.com/office/drawing/2014/main" xmlns="" id="{3348934F-A19D-0CE3-D10C-939ED42C410D}"/>
+                <a16:creationId xmlns:a16="http://schemas.microsoft.com/office/drawing/2014/main" id="{3348934F-A19D-0CE3-D10C-939ED42C410D}"/>
               </a:ext>
             </a:extLst>
           </p:cNvPr>
@@ -12007,7 +11626,7 @@
           <a:lstStyle/>
           <a:p>
             <a:r>
-              <a:rPr lang="en-US" altLang="ko-KR" sz="1200" smtClean="0"/>
+              <a:rPr lang="en-US" altLang="ko-KR" sz="1200"/>
               <a:t>               </a:t>
             </a:r>
             <a:endParaRPr lang="ko-KR" altLang="en-US" sz="1200"/>
@@ -12347,10 +11966,9 @@
               <a:t>지난 예약은 취소할 수 없다</a:t>
             </a:r>
             <a:r>
-              <a:rPr lang="en-US" altLang="ko-KR" sz="900" smtClean="0"/>
+              <a:rPr lang="en-US" altLang="ko-KR" sz="900"/>
               <a:t>.</a:t>
             </a:r>
-            <a:endParaRPr lang="en-US" altLang="ko-KR" sz="900"/>
           </a:p>
           <a:p>
             <a:pPr>
@@ -12360,59 +11978,12 @@
             </a:pPr>
             <a:r>
               <a:rPr lang="en-US" altLang="ko-KR" sz="900"/>
-              <a:t>Past reservations cannot be </a:t>
-            </a:r>
-            <a:r>
-              <a:rPr lang="en-US" altLang="ko-KR" sz="900" smtClean="0"/>
-              <a:t>canceled</a:t>
+              <a:t>Past reservations cannot be canceled</a:t>
             </a:r>
             <a:endParaRPr lang="ko-KR" altLang="en-US" sz="900"/>
           </a:p>
         </p:txBody>
       </p:sp>
-      <p:cxnSp>
-        <p:nvCxnSpPr>
-          <p:cNvPr id="121" name="꺾인 연결선 120"/>
-          <p:cNvCxnSpPr>
-            <a:stCxn id="129" idx="3"/>
-            <a:endCxn id="133" idx="3"/>
-          </p:cNvCxnSpPr>
-          <p:nvPr/>
-        </p:nvCxnSpPr>
-        <p:spPr>
-          <a:xfrm>
-            <a:off x="11037563" y="1044512"/>
-            <a:ext cx="315489" cy="3241025"/>
-          </a:xfrm>
-          <a:prstGeom prst="bentConnector2">
-            <a:avLst/>
-          </a:prstGeom>
-          <a:ln>
-            <a:solidFill>
-              <a:schemeClr val="bg1">
-                <a:lumMod val="65000"/>
-              </a:schemeClr>
-            </a:solidFill>
-            <a:prstDash val="dash"/>
-            <a:headEnd type="triangle" w="med" len="med"/>
-            <a:tailEnd type="none" w="med" len="med"/>
-          </a:ln>
-        </p:spPr>
-        <p:style>
-          <a:lnRef idx="1">
-            <a:schemeClr val="accent1"/>
-          </a:lnRef>
-          <a:fillRef idx="0">
-            <a:schemeClr val="accent1"/>
-          </a:fillRef>
-          <a:effectRef idx="0">
-            <a:schemeClr val="accent1"/>
-          </a:effectRef>
-          <a:fontRef idx="minor">
-            <a:schemeClr val="tx1"/>
-          </a:fontRef>
-        </p:style>
-      </p:cxnSp>
       <p:grpSp>
         <p:nvGrpSpPr>
           <p:cNvPr id="130" name="그룹 129"/>
@@ -12517,49 +12088,6 @@
           </p:txBody>
         </p:sp>
       </p:grpSp>
-      <p:cxnSp>
-        <p:nvCxnSpPr>
-          <p:cNvPr id="137" name="꺾인 연결선 136"/>
-          <p:cNvCxnSpPr>
-            <a:stCxn id="134" idx="3"/>
-            <a:endCxn id="128" idx="3"/>
-          </p:cNvCxnSpPr>
-          <p:nvPr/>
-        </p:nvCxnSpPr>
-        <p:spPr>
-          <a:xfrm rot="16200000" flipV="1">
-            <a:off x="9574796" y="2355268"/>
-            <a:ext cx="3393037" cy="467501"/>
-          </a:xfrm>
-          <a:prstGeom prst="bentConnector2">
-            <a:avLst/>
-          </a:prstGeom>
-          <a:ln>
-            <a:solidFill>
-              <a:schemeClr val="bg1">
-                <a:lumMod val="65000"/>
-              </a:schemeClr>
-            </a:solidFill>
-            <a:prstDash val="dash"/>
-            <a:headEnd type="triangle" w="med" len="med"/>
-            <a:tailEnd type="none" w="med" len="med"/>
-          </a:ln>
-        </p:spPr>
-        <p:style>
-          <a:lnRef idx="1">
-            <a:schemeClr val="accent1"/>
-          </a:lnRef>
-          <a:fillRef idx="0">
-            <a:schemeClr val="accent1"/>
-          </a:fillRef>
-          <a:effectRef idx="0">
-            <a:schemeClr val="accent1"/>
-          </a:effectRef>
-          <a:fontRef idx="minor">
-            <a:schemeClr val="tx1"/>
-          </a:fontRef>
-        </p:style>
-      </p:cxnSp>
       <p:grpSp>
         <p:nvGrpSpPr>
           <p:cNvPr id="144" name="그룹 143"/>
@@ -12664,48 +12192,6 @@
           </p:txBody>
         </p:sp>
       </p:grpSp>
-      <p:cxnSp>
-        <p:nvCxnSpPr>
-          <p:cNvPr id="149" name="직선 화살표 연결선 148"/>
-          <p:cNvCxnSpPr>
-            <a:stCxn id="146" idx="1"/>
-            <a:endCxn id="167" idx="0"/>
-          </p:cNvCxnSpPr>
-          <p:nvPr/>
-        </p:nvCxnSpPr>
-        <p:spPr>
-          <a:xfrm>
-            <a:off x="11505064" y="5024201"/>
-            <a:ext cx="0" cy="1097981"/>
-          </a:xfrm>
-          <a:prstGeom prst="straightConnector1">
-            <a:avLst/>
-          </a:prstGeom>
-          <a:ln>
-            <a:solidFill>
-              <a:schemeClr val="bg1">
-                <a:lumMod val="65000"/>
-              </a:schemeClr>
-            </a:solidFill>
-            <a:prstDash val="dash"/>
-            <a:tailEnd type="triangle"/>
-          </a:ln>
-        </p:spPr>
-        <p:style>
-          <a:lnRef idx="1">
-            <a:schemeClr val="accent1"/>
-          </a:lnRef>
-          <a:fillRef idx="0">
-            <a:schemeClr val="accent1"/>
-          </a:fillRef>
-          <a:effectRef idx="0">
-            <a:schemeClr val="accent1"/>
-          </a:effectRef>
-          <a:fontRef idx="minor">
-            <a:schemeClr val="tx1"/>
-          </a:fontRef>
-        </p:style>
-      </p:cxnSp>
       <p:sp>
         <p:nvSpPr>
           <p:cNvPr id="102" name="TextBox 101"/>
@@ -12734,7 +12220,7 @@
               </a:lnSpc>
             </a:pPr>
             <a:r>
-              <a:rPr lang="ko-KR" altLang="en-US" sz="1600" b="1" smtClean="0"/>
+              <a:rPr lang="ko-KR" altLang="en-US" sz="1600" b="1"/>
               <a:t>사용자</a:t>
             </a:r>
             <a:endParaRPr lang="en-US" altLang="ko-KR" sz="1600" b="1"/>
@@ -12746,7 +12232,7 @@
               </a:lnSpc>
             </a:pPr>
             <a:r>
-              <a:rPr lang="en-US" altLang="ko-KR" sz="1200" b="1" smtClean="0"/>
+              <a:rPr lang="en-US" altLang="ko-KR" sz="1200" b="1"/>
               <a:t>User</a:t>
             </a:r>
             <a:endParaRPr lang="ko-KR" altLang="en-US" sz="1200" b="1"/>
@@ -12781,7 +12267,7 @@
               </a:lnSpc>
             </a:pPr>
             <a:r>
-              <a:rPr lang="ko-KR" altLang="en-US" sz="1600" b="1" smtClean="0"/>
+              <a:rPr lang="ko-KR" altLang="en-US" sz="1600" b="1"/>
               <a:t>관리자</a:t>
             </a:r>
             <a:endParaRPr lang="en-US" altLang="ko-KR" sz="1600" b="1"/>
@@ -12793,56 +12279,13 @@
               </a:lnSpc>
             </a:pPr>
             <a:r>
-              <a:rPr lang="en-US" altLang="ko-KR" sz="1200" b="1" smtClean="0"/>
+              <a:rPr lang="en-US" altLang="ko-KR" sz="1200" b="1"/>
               <a:t>Admin</a:t>
             </a:r>
             <a:endParaRPr lang="ko-KR" altLang="en-US" sz="1200" b="1"/>
           </a:p>
         </p:txBody>
       </p:sp>
-      <p:cxnSp>
-        <p:nvCxnSpPr>
-          <p:cNvPr id="104" name="직선 화살표 연결선 103"/>
-          <p:cNvCxnSpPr>
-            <a:stCxn id="107" idx="3"/>
-            <a:endCxn id="111" idx="1"/>
-          </p:cNvCxnSpPr>
-          <p:nvPr/>
-        </p:nvCxnSpPr>
-        <p:spPr>
-          <a:xfrm>
-            <a:off x="9544086" y="892500"/>
-            <a:ext cx="693258" cy="0"/>
-          </a:xfrm>
-          <a:prstGeom prst="straightConnector1">
-            <a:avLst/>
-          </a:prstGeom>
-          <a:ln>
-            <a:solidFill>
-              <a:schemeClr val="bg1">
-                <a:lumMod val="65000"/>
-              </a:schemeClr>
-            </a:solidFill>
-            <a:prstDash val="dash"/>
-            <a:headEnd type="triangle" w="med" len="med"/>
-            <a:tailEnd type="none" w="med" len="med"/>
-          </a:ln>
-        </p:spPr>
-        <p:style>
-          <a:lnRef idx="1">
-            <a:schemeClr val="accent1"/>
-          </a:lnRef>
-          <a:fillRef idx="0">
-            <a:schemeClr val="accent1"/>
-          </a:fillRef>
-          <a:effectRef idx="0">
-            <a:schemeClr val="accent1"/>
-          </a:effectRef>
-          <a:fontRef idx="minor">
-            <a:schemeClr val="tx1"/>
-          </a:fontRef>
-        </p:style>
-      </p:cxnSp>
       <p:grpSp>
         <p:nvGrpSpPr>
           <p:cNvPr id="106" name="그룹 105"/>
@@ -12947,49 +12390,6 @@
           </p:txBody>
         </p:sp>
       </p:grpSp>
-      <p:cxnSp>
-        <p:nvCxnSpPr>
-          <p:cNvPr id="115" name="직선 화살표 연결선 114"/>
-          <p:cNvCxnSpPr>
-            <a:stCxn id="112" idx="1"/>
-            <a:endCxn id="109" idx="3"/>
-          </p:cNvCxnSpPr>
-          <p:nvPr/>
-        </p:nvCxnSpPr>
-        <p:spPr>
-          <a:xfrm flipH="1">
-            <a:off x="9544086" y="1044512"/>
-            <a:ext cx="693258" cy="0"/>
-          </a:xfrm>
-          <a:prstGeom prst="straightConnector1">
-            <a:avLst/>
-          </a:prstGeom>
-          <a:ln>
-            <a:solidFill>
-              <a:schemeClr val="bg1">
-                <a:lumMod val="65000"/>
-              </a:schemeClr>
-            </a:solidFill>
-            <a:prstDash val="dash"/>
-            <a:headEnd type="triangle" w="med" len="med"/>
-            <a:tailEnd type="none" w="med" len="med"/>
-          </a:ln>
-        </p:spPr>
-        <p:style>
-          <a:lnRef idx="1">
-            <a:schemeClr val="accent1"/>
-          </a:lnRef>
-          <a:fillRef idx="0">
-            <a:schemeClr val="accent1"/>
-          </a:fillRef>
-          <a:effectRef idx="0">
-            <a:schemeClr val="accent1"/>
-          </a:effectRef>
-          <a:fontRef idx="minor">
-            <a:schemeClr val="tx1"/>
-          </a:fontRef>
-        </p:style>
-      </p:cxnSp>
       <p:grpSp>
         <p:nvGrpSpPr>
           <p:cNvPr id="110" name="그룹 109"/>
@@ -13406,90 +12806,6 @@
           </p:txBody>
         </p:sp>
       </p:grpSp>
-      <p:cxnSp>
-        <p:nvCxnSpPr>
-          <p:cNvPr id="164" name="꺾인 연결선 163"/>
-          <p:cNvCxnSpPr>
-            <a:stCxn id="157" idx="1"/>
-            <a:endCxn id="162" idx="3"/>
-          </p:cNvCxnSpPr>
-          <p:nvPr/>
-        </p:nvCxnSpPr>
-        <p:spPr>
-          <a:xfrm rot="5400000">
-            <a:off x="7889883" y="-339968"/>
-            <a:ext cx="993758" cy="4349370"/>
-          </a:xfrm>
-          <a:prstGeom prst="bentConnector2">
-            <a:avLst/>
-          </a:prstGeom>
-          <a:ln>
-            <a:solidFill>
-              <a:schemeClr val="bg1">
-                <a:lumMod val="65000"/>
-              </a:schemeClr>
-            </a:solidFill>
-            <a:prstDash val="dash"/>
-            <a:tailEnd type="triangle"/>
-          </a:ln>
-        </p:spPr>
-        <p:style>
-          <a:lnRef idx="1">
-            <a:schemeClr val="accent1"/>
-          </a:lnRef>
-          <a:fillRef idx="0">
-            <a:schemeClr val="accent1"/>
-          </a:fillRef>
-          <a:effectRef idx="0">
-            <a:schemeClr val="accent1"/>
-          </a:effectRef>
-          <a:fontRef idx="minor">
-            <a:schemeClr val="tx1"/>
-          </a:fontRef>
-        </p:style>
-      </p:cxnSp>
-      <p:cxnSp>
-        <p:nvCxnSpPr>
-          <p:cNvPr id="168" name="꺾인 연결선 167"/>
-          <p:cNvCxnSpPr>
-            <a:stCxn id="163" idx="3"/>
-            <a:endCxn id="158" idx="1"/>
-          </p:cNvCxnSpPr>
-          <p:nvPr/>
-        </p:nvCxnSpPr>
-        <p:spPr>
-          <a:xfrm flipV="1">
-            <a:off x="6212077" y="1337838"/>
-            <a:ext cx="4501382" cy="1145770"/>
-          </a:xfrm>
-          <a:prstGeom prst="bentConnector2">
-            <a:avLst/>
-          </a:prstGeom>
-          <a:ln>
-            <a:solidFill>
-              <a:schemeClr val="bg1">
-                <a:lumMod val="65000"/>
-              </a:schemeClr>
-            </a:solidFill>
-            <a:prstDash val="dash"/>
-            <a:tailEnd type="triangle"/>
-          </a:ln>
-        </p:spPr>
-        <p:style>
-          <a:lnRef idx="1">
-            <a:schemeClr val="accent1"/>
-          </a:lnRef>
-          <a:fillRef idx="0">
-            <a:schemeClr val="accent1"/>
-          </a:fillRef>
-          <a:effectRef idx="0">
-            <a:schemeClr val="accent1"/>
-          </a:effectRef>
-          <a:fontRef idx="minor">
-            <a:schemeClr val="tx1"/>
-          </a:fontRef>
-        </p:style>
-      </p:cxnSp>
       <p:grpSp>
         <p:nvGrpSpPr>
           <p:cNvPr id="183" name="그룹 182"/>
@@ -13698,133 +13014,833 @@
           </p:txBody>
         </p:sp>
       </p:grpSp>
-      <p:cxnSp>
-        <p:nvCxnSpPr>
-          <p:cNvPr id="190" name="직선 화살표 연결선 189"/>
-          <p:cNvCxnSpPr>
-            <a:stCxn id="186" idx="1"/>
-            <a:endCxn id="189" idx="3"/>
-          </p:cNvCxnSpPr>
+      <p:grpSp>
+        <p:nvGrpSpPr>
+          <p:cNvPr id="2" name="그룹 1">
+            <a:extLst>
+              <a:ext uri="{FF2B5EF4-FFF2-40B4-BE49-F238E27FC236}">
+                <a16:creationId xmlns:a16="http://schemas.microsoft.com/office/drawing/2014/main" id="{3C8420F1-9EA7-9B12-4585-7148F2BBEBA8}"/>
+              </a:ext>
+            </a:extLst>
+          </p:cNvPr>
+          <p:cNvGrpSpPr/>
           <p:nvPr/>
-        </p:nvCxnSpPr>
-        <p:spPr>
-          <a:xfrm flipH="1">
-            <a:off x="7866249" y="1044512"/>
-            <a:ext cx="877618" cy="0"/>
+        </p:nvGrpSpPr>
+        <p:grpSpPr>
+          <a:xfrm>
+            <a:off x="601047" y="892500"/>
+            <a:ext cx="10904018" cy="5229682"/>
+            <a:chOff x="601047" y="892500"/>
+            <a:chExt cx="10904018" cy="5229682"/>
           </a:xfrm>
-          <a:prstGeom prst="straightConnector1">
-            <a:avLst/>
-          </a:prstGeom>
-          <a:ln>
-            <a:solidFill>
-              <a:schemeClr val="bg1">
-                <a:lumMod val="65000"/>
-              </a:schemeClr>
-            </a:solidFill>
-            <a:prstDash val="dash"/>
-            <a:headEnd type="triangle" w="med" len="med"/>
-            <a:tailEnd type="none" w="med" len="med"/>
-          </a:ln>
-        </p:spPr>
-        <p:style>
-          <a:lnRef idx="1">
-            <a:schemeClr val="accent1"/>
-          </a:lnRef>
-          <a:fillRef idx="0">
-            <a:schemeClr val="accent1"/>
-          </a:fillRef>
-          <a:effectRef idx="0">
-            <a:schemeClr val="accent1"/>
-          </a:effectRef>
-          <a:fontRef idx="minor">
-            <a:schemeClr val="tx1"/>
-          </a:fontRef>
-        </p:style>
-      </p:cxnSp>
-      <p:cxnSp>
-        <p:nvCxnSpPr>
-          <p:cNvPr id="195" name="직선 화살표 연결선 194"/>
-          <p:cNvCxnSpPr>
-            <a:stCxn id="88" idx="0"/>
-            <a:endCxn id="126" idx="2"/>
-          </p:cNvCxnSpPr>
-          <p:nvPr/>
-        </p:nvCxnSpPr>
-        <p:spPr>
-          <a:xfrm flipH="1" flipV="1">
-            <a:off x="5709375" y="1763271"/>
-            <a:ext cx="1" cy="274999"/>
-          </a:xfrm>
-          <a:prstGeom prst="straightConnector1">
-            <a:avLst/>
-          </a:prstGeom>
-          <a:ln>
-            <a:solidFill>
-              <a:schemeClr val="bg1">
-                <a:lumMod val="65000"/>
-              </a:schemeClr>
-            </a:solidFill>
-            <a:prstDash val="dash"/>
-            <a:tailEnd type="triangle"/>
-          </a:ln>
-        </p:spPr>
-        <p:style>
-          <a:lnRef idx="1">
-            <a:schemeClr val="accent1"/>
-          </a:lnRef>
-          <a:fillRef idx="0">
-            <a:schemeClr val="accent1"/>
-          </a:fillRef>
-          <a:effectRef idx="0">
-            <a:schemeClr val="accent1"/>
-          </a:effectRef>
-          <a:fontRef idx="minor">
-            <a:schemeClr val="tx1"/>
-          </a:fontRef>
-        </p:style>
-      </p:cxnSp>
-      <p:cxnSp>
-        <p:nvCxnSpPr>
-          <p:cNvPr id="209" name="꺾인 연결선 208"/>
-          <p:cNvCxnSpPr>
-            <a:stCxn id="91" idx="2"/>
-            <a:endCxn id="93" idx="1"/>
-          </p:cNvCxnSpPr>
-          <p:nvPr/>
-        </p:nvCxnSpPr>
-        <p:spPr>
-          <a:xfrm rot="16200000" flipH="1">
-            <a:off x="7195673" y="1461372"/>
-            <a:ext cx="422854" cy="175785"/>
-          </a:xfrm>
-          <a:prstGeom prst="bentConnector2">
-            <a:avLst/>
-          </a:prstGeom>
-          <a:ln>
-            <a:solidFill>
-              <a:schemeClr val="bg1">
-                <a:lumMod val="65000"/>
-              </a:schemeClr>
-            </a:solidFill>
-            <a:prstDash val="dash"/>
-            <a:tailEnd type="triangle"/>
-          </a:ln>
-        </p:spPr>
-        <p:style>
-          <a:lnRef idx="1">
-            <a:schemeClr val="accent1"/>
-          </a:lnRef>
-          <a:fillRef idx="0">
-            <a:schemeClr val="accent1"/>
-          </a:fillRef>
-          <a:effectRef idx="0">
-            <a:schemeClr val="accent1"/>
-          </a:effectRef>
-          <a:fontRef idx="minor">
-            <a:schemeClr val="tx1"/>
-          </a:fontRef>
-        </p:style>
-      </p:cxnSp>
+        </p:grpSpPr>
+        <p:cxnSp>
+          <p:nvCxnSpPr>
+            <p:cNvPr id="98" name="직선 화살표 연결선 97"/>
+            <p:cNvCxnSpPr>
+              <a:stCxn id="75" idx="2"/>
+              <a:endCxn id="160" idx="0"/>
+            </p:cNvCxnSpPr>
+            <p:nvPr/>
+          </p:nvCxnSpPr>
+          <p:spPr>
+            <a:xfrm>
+              <a:off x="5709376" y="5053022"/>
+              <a:ext cx="2407199" cy="635764"/>
+            </a:xfrm>
+            <a:prstGeom prst="straightConnector1">
+              <a:avLst/>
+            </a:prstGeom>
+            <a:ln w="9525">
+              <a:solidFill>
+                <a:schemeClr val="bg2">
+                  <a:lumMod val="25000"/>
+                </a:schemeClr>
+              </a:solidFill>
+              <a:prstDash val="dash"/>
+              <a:tailEnd type="triangle"/>
+            </a:ln>
+          </p:spPr>
+          <p:style>
+            <a:lnRef idx="1">
+              <a:schemeClr val="accent1"/>
+            </a:lnRef>
+            <a:fillRef idx="0">
+              <a:schemeClr val="accent1"/>
+            </a:fillRef>
+            <a:effectRef idx="0">
+              <a:schemeClr val="accent1"/>
+            </a:effectRef>
+            <a:fontRef idx="minor">
+              <a:schemeClr val="tx1"/>
+            </a:fontRef>
+          </p:style>
+        </p:cxnSp>
+        <p:cxnSp>
+          <p:nvCxnSpPr>
+            <p:cNvPr id="114" name="직선 화살표 연결선 113"/>
+            <p:cNvCxnSpPr>
+              <a:stCxn id="75" idx="2"/>
+              <a:endCxn id="94" idx="0"/>
+            </p:cNvCxnSpPr>
+            <p:nvPr/>
+          </p:nvCxnSpPr>
+          <p:spPr>
+            <a:xfrm flipH="1">
+              <a:off x="5627055" y="5053022"/>
+              <a:ext cx="82321" cy="278151"/>
+            </a:xfrm>
+            <a:prstGeom prst="straightConnector1">
+              <a:avLst/>
+            </a:prstGeom>
+            <a:ln w="9525">
+              <a:solidFill>
+                <a:schemeClr val="bg2">
+                  <a:lumMod val="25000"/>
+                </a:schemeClr>
+              </a:solidFill>
+              <a:prstDash val="dash"/>
+              <a:tailEnd type="triangle"/>
+            </a:ln>
+          </p:spPr>
+          <p:style>
+            <a:lnRef idx="1">
+              <a:schemeClr val="accent1"/>
+            </a:lnRef>
+            <a:fillRef idx="0">
+              <a:schemeClr val="accent1"/>
+            </a:fillRef>
+            <a:effectRef idx="0">
+              <a:schemeClr val="accent1"/>
+            </a:effectRef>
+            <a:fontRef idx="minor">
+              <a:schemeClr val="tx1"/>
+            </a:fontRef>
+          </p:style>
+        </p:cxnSp>
+        <p:cxnSp>
+          <p:nvCxnSpPr>
+            <p:cNvPr id="122" name="직선 화살표 연결선 121"/>
+            <p:cNvCxnSpPr>
+              <a:stCxn id="304" idx="1"/>
+              <a:endCxn id="301" idx="3"/>
+            </p:cNvCxnSpPr>
+            <p:nvPr/>
+          </p:nvCxnSpPr>
+          <p:spPr>
+            <a:xfrm flipH="1">
+              <a:off x="1077164" y="1044512"/>
+              <a:ext cx="5695003" cy="17857"/>
+            </a:xfrm>
+            <a:prstGeom prst="straightConnector1">
+              <a:avLst/>
+            </a:prstGeom>
+            <a:ln w="9525">
+              <a:solidFill>
+                <a:schemeClr val="bg2">
+                  <a:lumMod val="25000"/>
+                </a:schemeClr>
+              </a:solidFill>
+              <a:prstDash val="dash"/>
+              <a:headEnd type="triangle" w="med" len="med"/>
+              <a:tailEnd type="none" w="med" len="med"/>
+            </a:ln>
+          </p:spPr>
+          <p:style>
+            <a:lnRef idx="1">
+              <a:schemeClr val="accent1"/>
+            </a:lnRef>
+            <a:fillRef idx="0">
+              <a:schemeClr val="accent1"/>
+            </a:fillRef>
+            <a:effectRef idx="0">
+              <a:schemeClr val="accent1"/>
+            </a:effectRef>
+            <a:fontRef idx="minor">
+              <a:schemeClr val="tx1"/>
+            </a:fontRef>
+          </p:style>
+        </p:cxnSp>
+        <p:cxnSp>
+          <p:nvCxnSpPr>
+            <p:cNvPr id="123" name="직선 화살표 연결선 122"/>
+            <p:cNvCxnSpPr>
+              <a:stCxn id="293" idx="1"/>
+              <a:endCxn id="288" idx="3"/>
+            </p:cNvCxnSpPr>
+            <p:nvPr/>
+          </p:nvCxnSpPr>
+          <p:spPr>
+            <a:xfrm flipH="1">
+              <a:off x="601047" y="1337838"/>
+              <a:ext cx="1" cy="3031718"/>
+            </a:xfrm>
+            <a:prstGeom prst="straightConnector1">
+              <a:avLst/>
+            </a:prstGeom>
+            <a:ln w="9525">
+              <a:solidFill>
+                <a:schemeClr val="bg2">
+                  <a:lumMod val="25000"/>
+                </a:schemeClr>
+              </a:solidFill>
+              <a:prstDash val="dash"/>
+              <a:headEnd type="triangle" w="med" len="med"/>
+              <a:tailEnd type="none" w="med" len="med"/>
+            </a:ln>
+          </p:spPr>
+          <p:style>
+            <a:lnRef idx="1">
+              <a:schemeClr val="accent1"/>
+            </a:lnRef>
+            <a:fillRef idx="0">
+              <a:schemeClr val="accent1"/>
+            </a:fillRef>
+            <a:effectRef idx="0">
+              <a:schemeClr val="accent1"/>
+            </a:effectRef>
+            <a:fontRef idx="minor">
+              <a:schemeClr val="tx1"/>
+            </a:fontRef>
+          </p:style>
+        </p:cxnSp>
+        <p:cxnSp>
+          <p:nvCxnSpPr>
+            <p:cNvPr id="154" name="직선 화살표 연결선 153"/>
+            <p:cNvCxnSpPr>
+              <a:stCxn id="253" idx="3"/>
+              <a:endCxn id="132" idx="1"/>
+            </p:cNvCxnSpPr>
+            <p:nvPr/>
+          </p:nvCxnSpPr>
+          <p:spPr>
+            <a:xfrm>
+              <a:off x="5709376" y="2776934"/>
+              <a:ext cx="0" cy="1535537"/>
+            </a:xfrm>
+            <a:prstGeom prst="straightConnector1">
+              <a:avLst/>
+            </a:prstGeom>
+            <a:ln w="9525">
+              <a:solidFill>
+                <a:schemeClr val="bg2">
+                  <a:lumMod val="25000"/>
+                </a:schemeClr>
+              </a:solidFill>
+              <a:prstDash val="dash"/>
+              <a:headEnd type="triangle" w="med" len="med"/>
+              <a:tailEnd type="none" w="med" len="med"/>
+            </a:ln>
+          </p:spPr>
+          <p:style>
+            <a:lnRef idx="1">
+              <a:schemeClr val="accent1"/>
+            </a:lnRef>
+            <a:fillRef idx="0">
+              <a:schemeClr val="accent1"/>
+            </a:fillRef>
+            <a:effectRef idx="0">
+              <a:schemeClr val="accent1"/>
+            </a:effectRef>
+            <a:fontRef idx="minor">
+              <a:schemeClr val="tx1"/>
+            </a:fontRef>
+          </p:style>
+        </p:cxnSp>
+        <p:cxnSp>
+          <p:nvCxnSpPr>
+            <p:cNvPr id="155" name="직선 화살표 연결선 154"/>
+            <p:cNvCxnSpPr>
+              <a:stCxn id="89" idx="2"/>
+              <a:endCxn id="125" idx="0"/>
+            </p:cNvCxnSpPr>
+            <p:nvPr/>
+          </p:nvCxnSpPr>
+          <p:spPr>
+            <a:xfrm flipH="1">
+              <a:off x="677053" y="5108220"/>
+              <a:ext cx="1" cy="458905"/>
+            </a:xfrm>
+            <a:prstGeom prst="straightConnector1">
+              <a:avLst/>
+            </a:prstGeom>
+            <a:ln w="9525">
+              <a:solidFill>
+                <a:schemeClr val="bg2">
+                  <a:lumMod val="25000"/>
+                </a:schemeClr>
+              </a:solidFill>
+              <a:prstDash val="dash"/>
+              <a:tailEnd type="triangle"/>
+            </a:ln>
+          </p:spPr>
+          <p:style>
+            <a:lnRef idx="1">
+              <a:schemeClr val="accent1"/>
+            </a:lnRef>
+            <a:fillRef idx="0">
+              <a:schemeClr val="accent1"/>
+            </a:fillRef>
+            <a:effectRef idx="0">
+              <a:schemeClr val="accent1"/>
+            </a:effectRef>
+            <a:fontRef idx="minor">
+              <a:schemeClr val="tx1"/>
+            </a:fontRef>
+          </p:style>
+        </p:cxnSp>
+        <p:cxnSp>
+          <p:nvCxnSpPr>
+            <p:cNvPr id="182" name="직선 화살표 연결선 181"/>
+            <p:cNvCxnSpPr>
+              <a:stCxn id="75" idx="2"/>
+              <a:endCxn id="181" idx="0"/>
+            </p:cNvCxnSpPr>
+            <p:nvPr/>
+          </p:nvCxnSpPr>
+          <p:spPr>
+            <a:xfrm>
+              <a:off x="5709376" y="5053022"/>
+              <a:ext cx="1547704" cy="635764"/>
+            </a:xfrm>
+            <a:prstGeom prst="straightConnector1">
+              <a:avLst/>
+            </a:prstGeom>
+            <a:ln w="9525">
+              <a:solidFill>
+                <a:schemeClr val="bg2">
+                  <a:lumMod val="25000"/>
+                </a:schemeClr>
+              </a:solidFill>
+              <a:prstDash val="dash"/>
+              <a:tailEnd type="triangle"/>
+            </a:ln>
+          </p:spPr>
+          <p:style>
+            <a:lnRef idx="1">
+              <a:schemeClr val="accent1"/>
+            </a:lnRef>
+            <a:fillRef idx="0">
+              <a:schemeClr val="accent1"/>
+            </a:fillRef>
+            <a:effectRef idx="0">
+              <a:schemeClr val="accent1"/>
+            </a:effectRef>
+            <a:fontRef idx="minor">
+              <a:schemeClr val="tx1"/>
+            </a:fontRef>
+          </p:style>
+        </p:cxnSp>
+        <p:cxnSp>
+          <p:nvCxnSpPr>
+            <p:cNvPr id="185" name="직선 화살표 연결선 184"/>
+            <p:cNvCxnSpPr>
+              <a:stCxn id="75" idx="2"/>
+              <a:endCxn id="180" idx="0"/>
+            </p:cNvCxnSpPr>
+            <p:nvPr/>
+          </p:nvCxnSpPr>
+          <p:spPr>
+            <a:xfrm>
+              <a:off x="5709376" y="5053022"/>
+              <a:ext cx="755534" cy="635764"/>
+            </a:xfrm>
+            <a:prstGeom prst="straightConnector1">
+              <a:avLst/>
+            </a:prstGeom>
+            <a:ln w="9525">
+              <a:solidFill>
+                <a:schemeClr val="bg2">
+                  <a:lumMod val="25000"/>
+                </a:schemeClr>
+              </a:solidFill>
+              <a:prstDash val="dash"/>
+              <a:tailEnd type="triangle"/>
+            </a:ln>
+          </p:spPr>
+          <p:style>
+            <a:lnRef idx="1">
+              <a:schemeClr val="accent1"/>
+            </a:lnRef>
+            <a:fillRef idx="0">
+              <a:schemeClr val="accent1"/>
+            </a:fillRef>
+            <a:effectRef idx="0">
+              <a:schemeClr val="accent1"/>
+            </a:effectRef>
+            <a:fontRef idx="minor">
+              <a:schemeClr val="tx1"/>
+            </a:fontRef>
+          </p:style>
+        </p:cxnSp>
+        <p:cxnSp>
+          <p:nvCxnSpPr>
+            <p:cNvPr id="194" name="꺾인 연결선 193"/>
+            <p:cNvCxnSpPr>
+              <a:stCxn id="160" idx="3"/>
+              <a:endCxn id="145" idx="1"/>
+            </p:cNvCxnSpPr>
+            <p:nvPr/>
+          </p:nvCxnSpPr>
+          <p:spPr>
+            <a:xfrm flipV="1">
+              <a:off x="8546340" y="5024201"/>
+              <a:ext cx="2806712" cy="941584"/>
+            </a:xfrm>
+            <a:prstGeom prst="bentConnector2">
+              <a:avLst/>
+            </a:prstGeom>
+            <a:ln w="9525">
+              <a:solidFill>
+                <a:schemeClr val="bg2">
+                  <a:lumMod val="25000"/>
+                </a:schemeClr>
+              </a:solidFill>
+              <a:prstDash val="dash"/>
+              <a:tailEnd type="triangle"/>
+            </a:ln>
+          </p:spPr>
+          <p:style>
+            <a:lnRef idx="1">
+              <a:schemeClr val="accent1"/>
+            </a:lnRef>
+            <a:fillRef idx="0">
+              <a:schemeClr val="accent1"/>
+            </a:fillRef>
+            <a:effectRef idx="0">
+              <a:schemeClr val="accent1"/>
+            </a:effectRef>
+            <a:fontRef idx="minor">
+              <a:schemeClr val="tx1"/>
+            </a:fontRef>
+          </p:style>
+        </p:cxnSp>
+        <p:cxnSp>
+          <p:nvCxnSpPr>
+            <p:cNvPr id="121" name="꺾인 연결선 120"/>
+            <p:cNvCxnSpPr>
+              <a:stCxn id="129" idx="3"/>
+              <a:endCxn id="133" idx="3"/>
+            </p:cNvCxnSpPr>
+            <p:nvPr/>
+          </p:nvCxnSpPr>
+          <p:spPr>
+            <a:xfrm>
+              <a:off x="11037563" y="1044512"/>
+              <a:ext cx="315489" cy="3241025"/>
+            </a:xfrm>
+            <a:prstGeom prst="bentConnector2">
+              <a:avLst/>
+            </a:prstGeom>
+            <a:ln w="9525">
+              <a:solidFill>
+                <a:schemeClr val="bg2">
+                  <a:lumMod val="25000"/>
+                </a:schemeClr>
+              </a:solidFill>
+              <a:prstDash val="dash"/>
+              <a:headEnd type="triangle" w="med" len="med"/>
+              <a:tailEnd type="none" w="med" len="med"/>
+            </a:ln>
+          </p:spPr>
+          <p:style>
+            <a:lnRef idx="1">
+              <a:schemeClr val="accent1"/>
+            </a:lnRef>
+            <a:fillRef idx="0">
+              <a:schemeClr val="accent1"/>
+            </a:fillRef>
+            <a:effectRef idx="0">
+              <a:schemeClr val="accent1"/>
+            </a:effectRef>
+            <a:fontRef idx="minor">
+              <a:schemeClr val="tx1"/>
+            </a:fontRef>
+          </p:style>
+        </p:cxnSp>
+        <p:cxnSp>
+          <p:nvCxnSpPr>
+            <p:cNvPr id="137" name="꺾인 연결선 136"/>
+            <p:cNvCxnSpPr>
+              <a:stCxn id="134" idx="3"/>
+              <a:endCxn id="128" idx="3"/>
+            </p:cNvCxnSpPr>
+            <p:nvPr/>
+          </p:nvCxnSpPr>
+          <p:spPr>
+            <a:xfrm rot="16200000" flipV="1">
+              <a:off x="9574796" y="2355268"/>
+              <a:ext cx="3393037" cy="467501"/>
+            </a:xfrm>
+            <a:prstGeom prst="bentConnector2">
+              <a:avLst/>
+            </a:prstGeom>
+            <a:ln w="9525">
+              <a:solidFill>
+                <a:schemeClr val="bg2">
+                  <a:lumMod val="25000"/>
+                </a:schemeClr>
+              </a:solidFill>
+              <a:prstDash val="dash"/>
+              <a:headEnd type="triangle" w="med" len="med"/>
+              <a:tailEnd type="none" w="med" len="med"/>
+            </a:ln>
+          </p:spPr>
+          <p:style>
+            <a:lnRef idx="1">
+              <a:schemeClr val="accent1"/>
+            </a:lnRef>
+            <a:fillRef idx="0">
+              <a:schemeClr val="accent1"/>
+            </a:fillRef>
+            <a:effectRef idx="0">
+              <a:schemeClr val="accent1"/>
+            </a:effectRef>
+            <a:fontRef idx="minor">
+              <a:schemeClr val="tx1"/>
+            </a:fontRef>
+          </p:style>
+        </p:cxnSp>
+        <p:cxnSp>
+          <p:nvCxnSpPr>
+            <p:cNvPr id="149" name="직선 화살표 연결선 148"/>
+            <p:cNvCxnSpPr>
+              <a:stCxn id="146" idx="1"/>
+              <a:endCxn id="167" idx="0"/>
+            </p:cNvCxnSpPr>
+            <p:nvPr/>
+          </p:nvCxnSpPr>
+          <p:spPr>
+            <a:xfrm>
+              <a:off x="11505064" y="5024201"/>
+              <a:ext cx="0" cy="1097981"/>
+            </a:xfrm>
+            <a:prstGeom prst="straightConnector1">
+              <a:avLst/>
+            </a:prstGeom>
+            <a:ln w="9525">
+              <a:solidFill>
+                <a:schemeClr val="bg2">
+                  <a:lumMod val="25000"/>
+                </a:schemeClr>
+              </a:solidFill>
+              <a:prstDash val="dash"/>
+              <a:tailEnd type="triangle"/>
+            </a:ln>
+          </p:spPr>
+          <p:style>
+            <a:lnRef idx="1">
+              <a:schemeClr val="accent1"/>
+            </a:lnRef>
+            <a:fillRef idx="0">
+              <a:schemeClr val="accent1"/>
+            </a:fillRef>
+            <a:effectRef idx="0">
+              <a:schemeClr val="accent1"/>
+            </a:effectRef>
+            <a:fontRef idx="minor">
+              <a:schemeClr val="tx1"/>
+            </a:fontRef>
+          </p:style>
+        </p:cxnSp>
+        <p:cxnSp>
+          <p:nvCxnSpPr>
+            <p:cNvPr id="104" name="직선 화살표 연결선 103"/>
+            <p:cNvCxnSpPr>
+              <a:stCxn id="107" idx="3"/>
+              <a:endCxn id="111" idx="1"/>
+            </p:cNvCxnSpPr>
+            <p:nvPr/>
+          </p:nvCxnSpPr>
+          <p:spPr>
+            <a:xfrm>
+              <a:off x="9544086" y="892500"/>
+              <a:ext cx="693258" cy="0"/>
+            </a:xfrm>
+            <a:prstGeom prst="straightConnector1">
+              <a:avLst/>
+            </a:prstGeom>
+            <a:ln w="9525">
+              <a:solidFill>
+                <a:schemeClr val="bg2">
+                  <a:lumMod val="25000"/>
+                </a:schemeClr>
+              </a:solidFill>
+              <a:prstDash val="dash"/>
+              <a:headEnd type="triangle" w="med" len="med"/>
+              <a:tailEnd type="none" w="med" len="med"/>
+            </a:ln>
+          </p:spPr>
+          <p:style>
+            <a:lnRef idx="1">
+              <a:schemeClr val="accent1"/>
+            </a:lnRef>
+            <a:fillRef idx="0">
+              <a:schemeClr val="accent1"/>
+            </a:fillRef>
+            <a:effectRef idx="0">
+              <a:schemeClr val="accent1"/>
+            </a:effectRef>
+            <a:fontRef idx="minor">
+              <a:schemeClr val="tx1"/>
+            </a:fontRef>
+          </p:style>
+        </p:cxnSp>
+        <p:cxnSp>
+          <p:nvCxnSpPr>
+            <p:cNvPr id="115" name="직선 화살표 연결선 114"/>
+            <p:cNvCxnSpPr>
+              <a:stCxn id="112" idx="1"/>
+              <a:endCxn id="109" idx="3"/>
+            </p:cNvCxnSpPr>
+            <p:nvPr/>
+          </p:nvCxnSpPr>
+          <p:spPr>
+            <a:xfrm flipH="1">
+              <a:off x="9544086" y="1044512"/>
+              <a:ext cx="693258" cy="0"/>
+            </a:xfrm>
+            <a:prstGeom prst="straightConnector1">
+              <a:avLst/>
+            </a:prstGeom>
+            <a:ln w="9525">
+              <a:solidFill>
+                <a:schemeClr val="bg2">
+                  <a:lumMod val="25000"/>
+                </a:schemeClr>
+              </a:solidFill>
+              <a:prstDash val="dash"/>
+              <a:headEnd type="triangle" w="med" len="med"/>
+              <a:tailEnd type="none" w="med" len="med"/>
+            </a:ln>
+          </p:spPr>
+          <p:style>
+            <a:lnRef idx="1">
+              <a:schemeClr val="accent1"/>
+            </a:lnRef>
+            <a:fillRef idx="0">
+              <a:schemeClr val="accent1"/>
+            </a:fillRef>
+            <a:effectRef idx="0">
+              <a:schemeClr val="accent1"/>
+            </a:effectRef>
+            <a:fontRef idx="minor">
+              <a:schemeClr val="tx1"/>
+            </a:fontRef>
+          </p:style>
+        </p:cxnSp>
+        <p:cxnSp>
+          <p:nvCxnSpPr>
+            <p:cNvPr id="164" name="꺾인 연결선 163"/>
+            <p:cNvCxnSpPr>
+              <a:stCxn id="157" idx="1"/>
+              <a:endCxn id="162" idx="3"/>
+            </p:cNvCxnSpPr>
+            <p:nvPr/>
+          </p:nvCxnSpPr>
+          <p:spPr>
+            <a:xfrm rot="5400000">
+              <a:off x="7889883" y="-339968"/>
+              <a:ext cx="993758" cy="4349370"/>
+            </a:xfrm>
+            <a:prstGeom prst="bentConnector2">
+              <a:avLst/>
+            </a:prstGeom>
+            <a:ln w="9525">
+              <a:solidFill>
+                <a:schemeClr val="bg2">
+                  <a:lumMod val="25000"/>
+                </a:schemeClr>
+              </a:solidFill>
+              <a:prstDash val="dash"/>
+              <a:tailEnd type="triangle"/>
+            </a:ln>
+          </p:spPr>
+          <p:style>
+            <a:lnRef idx="1">
+              <a:schemeClr val="accent1"/>
+            </a:lnRef>
+            <a:fillRef idx="0">
+              <a:schemeClr val="accent1"/>
+            </a:fillRef>
+            <a:effectRef idx="0">
+              <a:schemeClr val="accent1"/>
+            </a:effectRef>
+            <a:fontRef idx="minor">
+              <a:schemeClr val="tx1"/>
+            </a:fontRef>
+          </p:style>
+        </p:cxnSp>
+        <p:cxnSp>
+          <p:nvCxnSpPr>
+            <p:cNvPr id="168" name="꺾인 연결선 167"/>
+            <p:cNvCxnSpPr>
+              <a:stCxn id="163" idx="3"/>
+              <a:endCxn id="158" idx="1"/>
+            </p:cNvCxnSpPr>
+            <p:nvPr/>
+          </p:nvCxnSpPr>
+          <p:spPr>
+            <a:xfrm flipV="1">
+              <a:off x="6212077" y="1337838"/>
+              <a:ext cx="4501382" cy="1145770"/>
+            </a:xfrm>
+            <a:prstGeom prst="bentConnector2">
+              <a:avLst/>
+            </a:prstGeom>
+            <a:ln w="9525">
+              <a:solidFill>
+                <a:schemeClr val="bg2">
+                  <a:lumMod val="25000"/>
+                </a:schemeClr>
+              </a:solidFill>
+              <a:prstDash val="dash"/>
+              <a:tailEnd type="triangle"/>
+            </a:ln>
+          </p:spPr>
+          <p:style>
+            <a:lnRef idx="1">
+              <a:schemeClr val="accent1"/>
+            </a:lnRef>
+            <a:fillRef idx="0">
+              <a:schemeClr val="accent1"/>
+            </a:fillRef>
+            <a:effectRef idx="0">
+              <a:schemeClr val="accent1"/>
+            </a:effectRef>
+            <a:fontRef idx="minor">
+              <a:schemeClr val="tx1"/>
+            </a:fontRef>
+          </p:style>
+        </p:cxnSp>
+        <p:cxnSp>
+          <p:nvCxnSpPr>
+            <p:cNvPr id="190" name="직선 화살표 연결선 189"/>
+            <p:cNvCxnSpPr>
+              <a:stCxn id="186" idx="1"/>
+              <a:endCxn id="189" idx="3"/>
+            </p:cNvCxnSpPr>
+            <p:nvPr/>
+          </p:nvCxnSpPr>
+          <p:spPr>
+            <a:xfrm flipH="1">
+              <a:off x="7866249" y="1044512"/>
+              <a:ext cx="877618" cy="0"/>
+            </a:xfrm>
+            <a:prstGeom prst="straightConnector1">
+              <a:avLst/>
+            </a:prstGeom>
+            <a:ln w="9525">
+              <a:solidFill>
+                <a:schemeClr val="bg2">
+                  <a:lumMod val="25000"/>
+                </a:schemeClr>
+              </a:solidFill>
+              <a:prstDash val="dash"/>
+              <a:headEnd type="triangle" w="med" len="med"/>
+              <a:tailEnd type="none" w="med" len="med"/>
+            </a:ln>
+          </p:spPr>
+          <p:style>
+            <a:lnRef idx="1">
+              <a:schemeClr val="accent1"/>
+            </a:lnRef>
+            <a:fillRef idx="0">
+              <a:schemeClr val="accent1"/>
+            </a:fillRef>
+            <a:effectRef idx="0">
+              <a:schemeClr val="accent1"/>
+            </a:effectRef>
+            <a:fontRef idx="minor">
+              <a:schemeClr val="tx1"/>
+            </a:fontRef>
+          </p:style>
+        </p:cxnSp>
+        <p:cxnSp>
+          <p:nvCxnSpPr>
+            <p:cNvPr id="195" name="직선 화살표 연결선 194"/>
+            <p:cNvCxnSpPr>
+              <a:stCxn id="88" idx="0"/>
+              <a:endCxn id="126" idx="2"/>
+            </p:cNvCxnSpPr>
+            <p:nvPr/>
+          </p:nvCxnSpPr>
+          <p:spPr>
+            <a:xfrm flipH="1" flipV="1">
+              <a:off x="5709375" y="1763271"/>
+              <a:ext cx="1" cy="274999"/>
+            </a:xfrm>
+            <a:prstGeom prst="straightConnector1">
+              <a:avLst/>
+            </a:prstGeom>
+            <a:ln w="9525">
+              <a:solidFill>
+                <a:schemeClr val="bg2">
+                  <a:lumMod val="25000"/>
+                </a:schemeClr>
+              </a:solidFill>
+              <a:prstDash val="dash"/>
+              <a:tailEnd type="triangle"/>
+            </a:ln>
+          </p:spPr>
+          <p:style>
+            <a:lnRef idx="1">
+              <a:schemeClr val="accent1"/>
+            </a:lnRef>
+            <a:fillRef idx="0">
+              <a:schemeClr val="accent1"/>
+            </a:fillRef>
+            <a:effectRef idx="0">
+              <a:schemeClr val="accent1"/>
+            </a:effectRef>
+            <a:fontRef idx="minor">
+              <a:schemeClr val="tx1"/>
+            </a:fontRef>
+          </p:style>
+        </p:cxnSp>
+        <p:cxnSp>
+          <p:nvCxnSpPr>
+            <p:cNvPr id="209" name="꺾인 연결선 208"/>
+            <p:cNvCxnSpPr>
+              <a:stCxn id="91" idx="2"/>
+              <a:endCxn id="93" idx="1"/>
+            </p:cNvCxnSpPr>
+            <p:nvPr/>
+          </p:nvCxnSpPr>
+          <p:spPr>
+            <a:xfrm rot="16200000" flipH="1">
+              <a:off x="7195673" y="1461372"/>
+              <a:ext cx="422854" cy="175785"/>
+            </a:xfrm>
+            <a:prstGeom prst="bentConnector2">
+              <a:avLst/>
+            </a:prstGeom>
+            <a:ln w="9525">
+              <a:solidFill>
+                <a:schemeClr val="bg2">
+                  <a:lumMod val="25000"/>
+                </a:schemeClr>
+              </a:solidFill>
+              <a:prstDash val="dash"/>
+              <a:tailEnd type="triangle"/>
+            </a:ln>
+          </p:spPr>
+          <p:style>
+            <a:lnRef idx="1">
+              <a:schemeClr val="accent1"/>
+            </a:lnRef>
+            <a:fillRef idx="0">
+              <a:schemeClr val="accent1"/>
+            </a:fillRef>
+            <a:effectRef idx="0">
+              <a:schemeClr val="accent1"/>
+            </a:effectRef>
+            <a:fontRef idx="minor">
+              <a:schemeClr val="tx1"/>
+            </a:fontRef>
+          </p:style>
+        </p:cxnSp>
+      </p:grpSp>
       <p:sp>
         <p:nvSpPr>
           <p:cNvPr id="210" name="TextBox 209"/>
@@ -13853,26 +13869,6 @@
               </a:lnSpc>
             </a:pPr>
             <a:r>
-              <a:rPr lang="ko-KR" altLang="en-US" sz="1000" smtClean="0">
-                <a:solidFill>
-                  <a:schemeClr val="bg1">
-                    <a:lumMod val="50000"/>
-                  </a:schemeClr>
-                </a:solidFill>
-              </a:rPr>
-              <a:t>사용자</a:t>
-            </a:r>
-            <a:r>
-              <a:rPr lang="ko-KR" altLang="en-US" sz="1000" smtClean="0">
-                <a:solidFill>
-                  <a:schemeClr val="bg1">
-                    <a:lumMod val="50000"/>
-                  </a:schemeClr>
-                </a:solidFill>
-              </a:rPr>
-              <a:t> </a:t>
-            </a:r>
-            <a:r>
               <a:rPr lang="ko-KR" altLang="en-US" sz="1000">
                 <a:solidFill>
                   <a:schemeClr val="bg1">
@@ -13880,7 +13876,7 @@
                   </a:schemeClr>
                 </a:solidFill>
               </a:rPr>
-              <a:t>유형</a:t>
+              <a:t>사용자 유형</a:t>
             </a:r>
             <a:endParaRPr lang="en-US" altLang="ko-KR" sz="1000">
               <a:solidFill>
@@ -13899,7 +13895,7 @@
               <a:buChar char="-"/>
             </a:pPr>
             <a:r>
-              <a:rPr lang="en-US" altLang="ko-KR" sz="900" smtClean="0">
+              <a:rPr lang="en-US" altLang="ko-KR" sz="900">
                 <a:solidFill>
                   <a:schemeClr val="bg1">
                     <a:lumMod val="50000"/>
@@ -13908,13 +13904,6 @@
               </a:rPr>
               <a:t>Admin</a:t>
             </a:r>
-            <a:endParaRPr lang="en-US" altLang="ko-KR" sz="900">
-              <a:solidFill>
-                <a:schemeClr val="bg1">
-                  <a:lumMod val="50000"/>
-                </a:schemeClr>
-              </a:solidFill>
-            </a:endParaRPr>
           </a:p>
           <a:p>
             <a:pPr marL="171450" indent="-171450">
@@ -13925,7 +13914,7 @@
               <a:buChar char="-"/>
             </a:pPr>
             <a:r>
-              <a:rPr lang="en-US" altLang="ko-KR" sz="900" smtClean="0">
+              <a:rPr lang="en-US" altLang="ko-KR" sz="900">
                 <a:solidFill>
                   <a:schemeClr val="bg1">
                     <a:lumMod val="50000"/>
@@ -13934,13 +13923,6 @@
               </a:rPr>
               <a:t>Participant</a:t>
             </a:r>
-            <a:endParaRPr lang="en-US" altLang="ko-KR" sz="900">
-              <a:solidFill>
-                <a:schemeClr val="bg1">
-                  <a:lumMod val="50000"/>
-                </a:schemeClr>
-              </a:solidFill>
-            </a:endParaRPr>
           </a:p>
           <a:p>
             <a:pPr marL="171450" indent="-171450">
@@ -13951,7 +13933,7 @@
               <a:buChar char="-"/>
             </a:pPr>
             <a:r>
-              <a:rPr lang="en-US" altLang="ko-KR" sz="900" smtClean="0">
+              <a:rPr lang="en-US" altLang="ko-KR" sz="900">
                 <a:solidFill>
                   <a:schemeClr val="bg1">
                     <a:lumMod val="50000"/>
@@ -14140,7 +14122,7 @@
           <a:lstStyle/>
           <a:p>
             <a:r>
-              <a:rPr lang="en-US" altLang="ko-KR" sz="1050" b="1" smtClean="0"/>
+              <a:rPr lang="en-US" altLang="ko-KR" sz="1050" b="1"/>
               <a:t>Create{T}Profile</a:t>
             </a:r>
             <a:endParaRPr lang="ko-KR" altLang="en-US" sz="1050" b="1"/>
@@ -14215,7 +14197,7 @@
           <p:cNvPr id="3" name="직사각형 2">
             <a:extLst>
               <a:ext uri="{FF2B5EF4-FFF2-40B4-BE49-F238E27FC236}">
-                <a16:creationId xmlns:a16="http://schemas.microsoft.com/office/drawing/2014/main" xmlns="" id="{765F1C10-826E-D67B-D033-A0A4E56C4DF4}"/>
+                <a16:creationId xmlns:a16="http://schemas.microsoft.com/office/drawing/2014/main" id="{765F1C10-826E-D67B-D033-A0A4E56C4DF4}"/>
               </a:ext>
             </a:extLst>
           </p:cNvPr>
@@ -16253,7 +16235,7 @@
           <p:cNvPr id="21" name="직사각형 20">
             <a:extLst>
               <a:ext uri="{FF2B5EF4-FFF2-40B4-BE49-F238E27FC236}">
-                <a16:creationId xmlns:a16="http://schemas.microsoft.com/office/drawing/2014/main" xmlns="" id="{7CD09966-B5C1-6685-DFF3-1F73C09587D9}"/>
+                <a16:creationId xmlns:a16="http://schemas.microsoft.com/office/drawing/2014/main" id="{7CD09966-B5C1-6685-DFF3-1F73C09587D9}"/>
               </a:ext>
             </a:extLst>
           </p:cNvPr>
@@ -16290,7 +16272,7 @@
           <p:cNvPr id="25" name="직사각형 24">
             <a:extLst>
               <a:ext uri="{FF2B5EF4-FFF2-40B4-BE49-F238E27FC236}">
-                <a16:creationId xmlns:a16="http://schemas.microsoft.com/office/drawing/2014/main" xmlns="" id="{C85E4C1E-170A-830C-AB71-2FE39E4CE0F7}"/>
+                <a16:creationId xmlns:a16="http://schemas.microsoft.com/office/drawing/2014/main" id="{C85E4C1E-170A-830C-AB71-2FE39E4CE0F7}"/>
               </a:ext>
             </a:extLst>
           </p:cNvPr>
@@ -16328,7 +16310,7 @@
           <p:cNvPr id="27" name="직사각형 26">
             <a:extLst>
               <a:ext uri="{FF2B5EF4-FFF2-40B4-BE49-F238E27FC236}">
-                <a16:creationId xmlns:a16="http://schemas.microsoft.com/office/drawing/2014/main" xmlns="" id="{A6DD402E-F073-4E41-CE4D-B1B06F7C1A97}"/>
+                <a16:creationId xmlns:a16="http://schemas.microsoft.com/office/drawing/2014/main" id="{A6DD402E-F073-4E41-CE4D-B1B06F7C1A97}"/>
               </a:ext>
             </a:extLst>
           </p:cNvPr>
@@ -16366,7 +16348,7 @@
           <p:cNvPr id="29" name="직사각형 28">
             <a:extLst>
               <a:ext uri="{FF2B5EF4-FFF2-40B4-BE49-F238E27FC236}">
-                <a16:creationId xmlns:a16="http://schemas.microsoft.com/office/drawing/2014/main" xmlns="" id="{3348934F-A19D-0CE3-D10C-939ED42C410D}"/>
+                <a16:creationId xmlns:a16="http://schemas.microsoft.com/office/drawing/2014/main" id="{3348934F-A19D-0CE3-D10C-939ED42C410D}"/>
               </a:ext>
             </a:extLst>
           </p:cNvPr>
@@ -16677,7 +16659,7 @@
           <p:cNvPr id="2" name="TextBox 1">
             <a:extLst>
               <a:ext uri="{FF2B5EF4-FFF2-40B4-BE49-F238E27FC236}">
-                <a16:creationId xmlns:a16="http://schemas.microsoft.com/office/drawing/2014/main" xmlns="" id="{D58CD55F-696A-A211-7699-995E8CE2C799}"/>
+                <a16:creationId xmlns:a16="http://schemas.microsoft.com/office/drawing/2014/main" id="{D58CD55F-696A-A211-7699-995E8CE2C799}"/>
               </a:ext>
             </a:extLst>
           </p:cNvPr>
@@ -16732,7 +16714,7 @@
           <p:cNvPr id="4" name="TextBox 3">
             <a:extLst>
               <a:ext uri="{FF2B5EF4-FFF2-40B4-BE49-F238E27FC236}">
-                <a16:creationId xmlns:a16="http://schemas.microsoft.com/office/drawing/2014/main" xmlns="" id="{3C9414FF-7D36-2E19-62E2-67C2A4276065}"/>
+                <a16:creationId xmlns:a16="http://schemas.microsoft.com/office/drawing/2014/main" id="{3C9414FF-7D36-2E19-62E2-67C2A4276065}"/>
               </a:ext>
             </a:extLst>
           </p:cNvPr>
@@ -16787,7 +16769,7 @@
           <p:cNvPr id="5" name="직선 화살표 연결선 4">
             <a:extLst>
               <a:ext uri="{FF2B5EF4-FFF2-40B4-BE49-F238E27FC236}">
-                <a16:creationId xmlns:a16="http://schemas.microsoft.com/office/drawing/2014/main" xmlns="" id="{79746439-EF3B-F8E3-DE81-6F48384D6469}"/>
+                <a16:creationId xmlns:a16="http://schemas.microsoft.com/office/drawing/2014/main" id="{79746439-EF3B-F8E3-DE81-6F48384D6469}"/>
               </a:ext>
             </a:extLst>
           </p:cNvPr>
@@ -16918,7 +16900,7 @@
           <p:cNvPr id="6" name="직선 화살표 연결선 5">
             <a:extLst>
               <a:ext uri="{FF2B5EF4-FFF2-40B4-BE49-F238E27FC236}">
-                <a16:creationId xmlns:a16="http://schemas.microsoft.com/office/drawing/2014/main" xmlns="" id="{622EB58F-7412-1D6E-59B3-17AD3454222B}"/>
+                <a16:creationId xmlns:a16="http://schemas.microsoft.com/office/drawing/2014/main" id="{622EB58F-7412-1D6E-59B3-17AD3454222B}"/>
               </a:ext>
             </a:extLst>
           </p:cNvPr>
@@ -16967,7 +16949,7 @@
           <p:cNvPr id="22" name="직선 화살표 연결선 21">
             <a:extLst>
               <a:ext uri="{FF2B5EF4-FFF2-40B4-BE49-F238E27FC236}">
-                <a16:creationId xmlns:a16="http://schemas.microsoft.com/office/drawing/2014/main" xmlns="" id="{77B97F0A-A54D-9346-CF8F-0292850B40D5}"/>
+                <a16:creationId xmlns:a16="http://schemas.microsoft.com/office/drawing/2014/main" id="{77B97F0A-A54D-9346-CF8F-0292850B40D5}"/>
               </a:ext>
             </a:extLst>
           </p:cNvPr>
@@ -17015,7 +16997,7 @@
           <p:cNvPr id="40" name="직선 화살표 연결선 39">
             <a:extLst>
               <a:ext uri="{FF2B5EF4-FFF2-40B4-BE49-F238E27FC236}">
-                <a16:creationId xmlns:a16="http://schemas.microsoft.com/office/drawing/2014/main" xmlns="" id="{5FEE82A8-F198-326E-09CE-4E14A41A816E}"/>
+                <a16:creationId xmlns:a16="http://schemas.microsoft.com/office/drawing/2014/main" id="{5FEE82A8-F198-326E-09CE-4E14A41A816E}"/>
               </a:ext>
             </a:extLst>
           </p:cNvPr>
@@ -17063,7 +17045,7 @@
           <p:cNvPr id="74" name="직선 화살표 연결선 73">
             <a:extLst>
               <a:ext uri="{FF2B5EF4-FFF2-40B4-BE49-F238E27FC236}">
-                <a16:creationId xmlns:a16="http://schemas.microsoft.com/office/drawing/2014/main" xmlns="" id="{AC3F902F-A5AF-F9F8-9AE8-CF1F3B1CB53C}"/>
+                <a16:creationId xmlns:a16="http://schemas.microsoft.com/office/drawing/2014/main" id="{AC3F902F-A5AF-F9F8-9AE8-CF1F3B1CB53C}"/>
               </a:ext>
             </a:extLst>
           </p:cNvPr>
@@ -17167,7 +17149,7 @@
           <p:cNvPr id="77" name="직선 화살표 연결선 76">
             <a:extLst>
               <a:ext uri="{FF2B5EF4-FFF2-40B4-BE49-F238E27FC236}">
-                <a16:creationId xmlns:a16="http://schemas.microsoft.com/office/drawing/2014/main" xmlns="" id="{79746439-EF3B-F8E3-DE81-6F48384D6469}"/>
+                <a16:creationId xmlns:a16="http://schemas.microsoft.com/office/drawing/2014/main" id="{79746439-EF3B-F8E3-DE81-6F48384D6469}"/>
               </a:ext>
             </a:extLst>
           </p:cNvPr>
@@ -17246,7 +17228,7 @@
           <p:cNvPr id="55" name="그룹 54">
             <a:extLst>
               <a:ext uri="{FF2B5EF4-FFF2-40B4-BE49-F238E27FC236}">
-                <a16:creationId xmlns:a16="http://schemas.microsoft.com/office/drawing/2014/main" xmlns="" id="{F7126D63-5FD8-E2AB-0501-D7D4A02E493C}"/>
+                <a16:creationId xmlns:a16="http://schemas.microsoft.com/office/drawing/2014/main" id="{F7126D63-5FD8-E2AB-0501-D7D4A02E493C}"/>
               </a:ext>
             </a:extLst>
           </p:cNvPr>
@@ -17266,7 +17248,7 @@
             <p:cNvPr id="5" name="그림 4">
               <a:extLst>
                 <a:ext uri="{FF2B5EF4-FFF2-40B4-BE49-F238E27FC236}">
-                  <a16:creationId xmlns:a16="http://schemas.microsoft.com/office/drawing/2014/main" xmlns="" id="{D74B06D9-F97D-F932-7E16-0E4607396765}"/>
+                  <a16:creationId xmlns:a16="http://schemas.microsoft.com/office/drawing/2014/main" id="{D74B06D9-F97D-F932-7E16-0E4607396765}"/>
                 </a:ext>
               </a:extLst>
             </p:cNvPr>
@@ -17296,7 +17278,7 @@
             <p:cNvPr id="7" name="그림 6">
               <a:extLst>
                 <a:ext uri="{FF2B5EF4-FFF2-40B4-BE49-F238E27FC236}">
-                  <a16:creationId xmlns:a16="http://schemas.microsoft.com/office/drawing/2014/main" xmlns="" id="{D2A7AB12-7F35-61A6-504A-F50EF9B95A81}"/>
+                  <a16:creationId xmlns:a16="http://schemas.microsoft.com/office/drawing/2014/main" id="{D2A7AB12-7F35-61A6-504A-F50EF9B95A81}"/>
                 </a:ext>
               </a:extLst>
             </p:cNvPr>
@@ -17326,7 +17308,7 @@
             <p:cNvPr id="8" name="그림 7">
               <a:extLst>
                 <a:ext uri="{FF2B5EF4-FFF2-40B4-BE49-F238E27FC236}">
-                  <a16:creationId xmlns:a16="http://schemas.microsoft.com/office/drawing/2014/main" xmlns="" id="{D95B96F7-5DE9-CCE7-29CD-A15F2AF14744}"/>
+                  <a16:creationId xmlns:a16="http://schemas.microsoft.com/office/drawing/2014/main" id="{D95B96F7-5DE9-CCE7-29CD-A15F2AF14744}"/>
                 </a:ext>
               </a:extLst>
             </p:cNvPr>
@@ -17356,7 +17338,7 @@
             <p:cNvPr id="15" name="직사각형 14">
               <a:extLst>
                 <a:ext uri="{FF2B5EF4-FFF2-40B4-BE49-F238E27FC236}">
-                  <a16:creationId xmlns:a16="http://schemas.microsoft.com/office/drawing/2014/main" xmlns="" id="{44A00350-2EED-1207-B975-A1B249C9C2CE}"/>
+                  <a16:creationId xmlns:a16="http://schemas.microsoft.com/office/drawing/2014/main" id="{44A00350-2EED-1207-B975-A1B249C9C2CE}"/>
                 </a:ext>
               </a:extLst>
             </p:cNvPr>
@@ -17409,7 +17391,7 @@
             <p:cNvPr id="16" name="직사각형 15">
               <a:extLst>
                 <a:ext uri="{FF2B5EF4-FFF2-40B4-BE49-F238E27FC236}">
-                  <a16:creationId xmlns:a16="http://schemas.microsoft.com/office/drawing/2014/main" xmlns="" id="{0D27BA77-0988-DFA7-2B8B-4CA6CD9258DE}"/>
+                  <a16:creationId xmlns:a16="http://schemas.microsoft.com/office/drawing/2014/main" id="{0D27BA77-0988-DFA7-2B8B-4CA6CD9258DE}"/>
                 </a:ext>
               </a:extLst>
             </p:cNvPr>
@@ -17462,7 +17444,7 @@
             <p:cNvPr id="17" name="직사각형 16">
               <a:extLst>
                 <a:ext uri="{FF2B5EF4-FFF2-40B4-BE49-F238E27FC236}">
-                  <a16:creationId xmlns:a16="http://schemas.microsoft.com/office/drawing/2014/main" xmlns="" id="{47E35CB8-DB93-0F6A-3BFF-29C6417B32FB}"/>
+                  <a16:creationId xmlns:a16="http://schemas.microsoft.com/office/drawing/2014/main" id="{47E35CB8-DB93-0F6A-3BFF-29C6417B32FB}"/>
                 </a:ext>
               </a:extLst>
             </p:cNvPr>
@@ -17515,7 +17497,7 @@
             <p:cNvPr id="18" name="직선 연결선 17">
               <a:extLst>
                 <a:ext uri="{FF2B5EF4-FFF2-40B4-BE49-F238E27FC236}">
-                  <a16:creationId xmlns:a16="http://schemas.microsoft.com/office/drawing/2014/main" xmlns="" id="{DF0B02D2-5A7A-F6A2-C0AC-5A07E3886225}"/>
+                  <a16:creationId xmlns:a16="http://schemas.microsoft.com/office/drawing/2014/main" id="{DF0B02D2-5A7A-F6A2-C0AC-5A07E3886225}"/>
                 </a:ext>
               </a:extLst>
             </p:cNvPr>
@@ -17558,7 +17540,7 @@
             <p:cNvPr id="19" name="직선 연결선 18">
               <a:extLst>
                 <a:ext uri="{FF2B5EF4-FFF2-40B4-BE49-F238E27FC236}">
-                  <a16:creationId xmlns:a16="http://schemas.microsoft.com/office/drawing/2014/main" xmlns="" id="{8A292E93-B87A-394D-8A2D-88BB0751ACE5}"/>
+                  <a16:creationId xmlns:a16="http://schemas.microsoft.com/office/drawing/2014/main" id="{8A292E93-B87A-394D-8A2D-88BB0751ACE5}"/>
                 </a:ext>
               </a:extLst>
             </p:cNvPr>
@@ -17601,7 +17583,7 @@
             <p:cNvPr id="20" name="직선 연결선 19">
               <a:extLst>
                 <a:ext uri="{FF2B5EF4-FFF2-40B4-BE49-F238E27FC236}">
-                  <a16:creationId xmlns:a16="http://schemas.microsoft.com/office/drawing/2014/main" xmlns="" id="{F742C95F-18A5-7283-63BC-679B0AEE841E}"/>
+                  <a16:creationId xmlns:a16="http://schemas.microsoft.com/office/drawing/2014/main" id="{F742C95F-18A5-7283-63BC-679B0AEE841E}"/>
                 </a:ext>
               </a:extLst>
             </p:cNvPr>
@@ -17644,7 +17626,7 @@
             <p:cNvPr id="21" name="직선 연결선 20">
               <a:extLst>
                 <a:ext uri="{FF2B5EF4-FFF2-40B4-BE49-F238E27FC236}">
-                  <a16:creationId xmlns:a16="http://schemas.microsoft.com/office/drawing/2014/main" xmlns="" id="{A6ECB332-533F-48E5-6326-D3E9320AB113}"/>
+                  <a16:creationId xmlns:a16="http://schemas.microsoft.com/office/drawing/2014/main" id="{A6ECB332-533F-48E5-6326-D3E9320AB113}"/>
                 </a:ext>
               </a:extLst>
             </p:cNvPr>
@@ -17687,7 +17669,7 @@
             <p:cNvPr id="22" name="직선 연결선 21">
               <a:extLst>
                 <a:ext uri="{FF2B5EF4-FFF2-40B4-BE49-F238E27FC236}">
-                  <a16:creationId xmlns:a16="http://schemas.microsoft.com/office/drawing/2014/main" xmlns="" id="{1B998782-92A1-07A0-6EE9-D793B1868EA4}"/>
+                  <a16:creationId xmlns:a16="http://schemas.microsoft.com/office/drawing/2014/main" id="{1B998782-92A1-07A0-6EE9-D793B1868EA4}"/>
                 </a:ext>
               </a:extLst>
             </p:cNvPr>
@@ -17730,7 +17712,7 @@
             <p:cNvPr id="23" name="직선 연결선 22">
               <a:extLst>
                 <a:ext uri="{FF2B5EF4-FFF2-40B4-BE49-F238E27FC236}">
-                  <a16:creationId xmlns:a16="http://schemas.microsoft.com/office/drawing/2014/main" xmlns="" id="{BDA37005-DB76-E005-7BB3-1DE19155A8C3}"/>
+                  <a16:creationId xmlns:a16="http://schemas.microsoft.com/office/drawing/2014/main" id="{BDA37005-DB76-E005-7BB3-1DE19155A8C3}"/>
                 </a:ext>
               </a:extLst>
             </p:cNvPr>
@@ -17773,7 +17755,7 @@
             <p:cNvPr id="26" name="직선 화살표 연결선 25">
               <a:extLst>
                 <a:ext uri="{FF2B5EF4-FFF2-40B4-BE49-F238E27FC236}">
-                  <a16:creationId xmlns:a16="http://schemas.microsoft.com/office/drawing/2014/main" xmlns="" id="{DF33ABDE-CBC2-07A2-183E-C976053162D1}"/>
+                  <a16:creationId xmlns:a16="http://schemas.microsoft.com/office/drawing/2014/main" id="{DF33ABDE-CBC2-07A2-183E-C976053162D1}"/>
                 </a:ext>
               </a:extLst>
             </p:cNvPr>
@@ -17824,7 +17806,7 @@
             <p:cNvPr id="27" name="직선 화살표 연결선 26">
               <a:extLst>
                 <a:ext uri="{FF2B5EF4-FFF2-40B4-BE49-F238E27FC236}">
-                  <a16:creationId xmlns:a16="http://schemas.microsoft.com/office/drawing/2014/main" xmlns="" id="{B5C1BC1E-1E17-61A4-3A8E-44E3A1540BF4}"/>
+                  <a16:creationId xmlns:a16="http://schemas.microsoft.com/office/drawing/2014/main" id="{B5C1BC1E-1E17-61A4-3A8E-44E3A1540BF4}"/>
                 </a:ext>
               </a:extLst>
             </p:cNvPr>
@@ -17875,7 +17857,7 @@
             <p:cNvPr id="30" name="직사각형 29">
               <a:extLst>
                 <a:ext uri="{FF2B5EF4-FFF2-40B4-BE49-F238E27FC236}">
-                  <a16:creationId xmlns:a16="http://schemas.microsoft.com/office/drawing/2014/main" xmlns="" id="{55ED66F5-1478-EFE2-D13E-60C1DCAADACC}"/>
+                  <a16:creationId xmlns:a16="http://schemas.microsoft.com/office/drawing/2014/main" id="{55ED66F5-1478-EFE2-D13E-60C1DCAADACC}"/>
                 </a:ext>
               </a:extLst>
             </p:cNvPr>
@@ -17928,7 +17910,7 @@
             <p:cNvPr id="31" name="직선 연결선 30">
               <a:extLst>
                 <a:ext uri="{FF2B5EF4-FFF2-40B4-BE49-F238E27FC236}">
-                  <a16:creationId xmlns:a16="http://schemas.microsoft.com/office/drawing/2014/main" xmlns="" id="{F3BE8123-4994-926A-BEBD-D4FCEE053DF5}"/>
+                  <a16:creationId xmlns:a16="http://schemas.microsoft.com/office/drawing/2014/main" id="{F3BE8123-4994-926A-BEBD-D4FCEE053DF5}"/>
                 </a:ext>
               </a:extLst>
             </p:cNvPr>
@@ -17971,7 +17953,7 @@
             <p:cNvPr id="34" name="그림 33">
               <a:extLst>
                 <a:ext uri="{FF2B5EF4-FFF2-40B4-BE49-F238E27FC236}">
-                  <a16:creationId xmlns:a16="http://schemas.microsoft.com/office/drawing/2014/main" xmlns="" id="{76BFD087-1464-697E-3C36-8578E74FE30C}"/>
+                  <a16:creationId xmlns:a16="http://schemas.microsoft.com/office/drawing/2014/main" id="{76BFD087-1464-697E-3C36-8578E74FE30C}"/>
                 </a:ext>
               </a:extLst>
             </p:cNvPr>
@@ -18006,7 +17988,7 @@
             <p:cNvPr id="35" name="TextBox 34">
               <a:extLst>
                 <a:ext uri="{FF2B5EF4-FFF2-40B4-BE49-F238E27FC236}">
-                  <a16:creationId xmlns:a16="http://schemas.microsoft.com/office/drawing/2014/main" xmlns="" id="{D8830B79-09BC-8CDB-9727-E5943BB6FE89}"/>
+                  <a16:creationId xmlns:a16="http://schemas.microsoft.com/office/drawing/2014/main" id="{D8830B79-09BC-8CDB-9727-E5943BB6FE89}"/>
                 </a:ext>
               </a:extLst>
             </p:cNvPr>
@@ -18046,7 +18028,7 @@
             <p:cNvPr id="36" name="TextBox 35">
               <a:extLst>
                 <a:ext uri="{FF2B5EF4-FFF2-40B4-BE49-F238E27FC236}">
-                  <a16:creationId xmlns:a16="http://schemas.microsoft.com/office/drawing/2014/main" xmlns="" id="{7498B629-74C3-E041-3949-937534EA26C5}"/>
+                  <a16:creationId xmlns:a16="http://schemas.microsoft.com/office/drawing/2014/main" id="{7498B629-74C3-E041-3949-937534EA26C5}"/>
                 </a:ext>
               </a:extLst>
             </p:cNvPr>
@@ -18086,7 +18068,7 @@
             <p:cNvPr id="37" name="TextBox 36">
               <a:extLst>
                 <a:ext uri="{FF2B5EF4-FFF2-40B4-BE49-F238E27FC236}">
-                  <a16:creationId xmlns:a16="http://schemas.microsoft.com/office/drawing/2014/main" xmlns="" id="{9FDE914C-5FA3-AFA6-259A-04E5A8F34950}"/>
+                  <a16:creationId xmlns:a16="http://schemas.microsoft.com/office/drawing/2014/main" id="{9FDE914C-5FA3-AFA6-259A-04E5A8F34950}"/>
                 </a:ext>
               </a:extLst>
             </p:cNvPr>
@@ -18126,7 +18108,7 @@
             <p:cNvPr id="38" name="TextBox 37">
               <a:extLst>
                 <a:ext uri="{FF2B5EF4-FFF2-40B4-BE49-F238E27FC236}">
-                  <a16:creationId xmlns:a16="http://schemas.microsoft.com/office/drawing/2014/main" xmlns="" id="{113F581A-0233-2534-6D93-86E29AEDE4CC}"/>
+                  <a16:creationId xmlns:a16="http://schemas.microsoft.com/office/drawing/2014/main" id="{113F581A-0233-2534-6D93-86E29AEDE4CC}"/>
                 </a:ext>
               </a:extLst>
             </p:cNvPr>
@@ -18166,7 +18148,7 @@
             <p:cNvPr id="39" name="TextBox 38">
               <a:extLst>
                 <a:ext uri="{FF2B5EF4-FFF2-40B4-BE49-F238E27FC236}">
-                  <a16:creationId xmlns:a16="http://schemas.microsoft.com/office/drawing/2014/main" xmlns="" id="{F25C8F7E-30D4-B9FE-AEB9-A77ADB4D298F}"/>
+                  <a16:creationId xmlns:a16="http://schemas.microsoft.com/office/drawing/2014/main" id="{F25C8F7E-30D4-B9FE-AEB9-A77ADB4D298F}"/>
                 </a:ext>
               </a:extLst>
             </p:cNvPr>
@@ -18206,7 +18188,7 @@
             <p:cNvPr id="40" name="TextBox 39">
               <a:extLst>
                 <a:ext uri="{FF2B5EF4-FFF2-40B4-BE49-F238E27FC236}">
-                  <a16:creationId xmlns:a16="http://schemas.microsoft.com/office/drawing/2014/main" xmlns="" id="{4B4EE0E5-4F34-6D6E-9AFA-A99ACF0C4844}"/>
+                  <a16:creationId xmlns:a16="http://schemas.microsoft.com/office/drawing/2014/main" id="{4B4EE0E5-4F34-6D6E-9AFA-A99ACF0C4844}"/>
                 </a:ext>
               </a:extLst>
             </p:cNvPr>
@@ -18246,7 +18228,7 @@
             <p:cNvPr id="42" name="연결선: 꺾임 41">
               <a:extLst>
                 <a:ext uri="{FF2B5EF4-FFF2-40B4-BE49-F238E27FC236}">
-                  <a16:creationId xmlns:a16="http://schemas.microsoft.com/office/drawing/2014/main" xmlns="" id="{74F507FB-9E49-E4EE-ED10-DCDC4C41B089}"/>
+                  <a16:creationId xmlns:a16="http://schemas.microsoft.com/office/drawing/2014/main" id="{74F507FB-9E49-E4EE-ED10-DCDC4C41B089}"/>
                 </a:ext>
               </a:extLst>
             </p:cNvPr>
@@ -18292,7 +18274,7 @@
             <p:cNvPr id="44" name="직사각형 43">
               <a:extLst>
                 <a:ext uri="{FF2B5EF4-FFF2-40B4-BE49-F238E27FC236}">
-                  <a16:creationId xmlns:a16="http://schemas.microsoft.com/office/drawing/2014/main" xmlns="" id="{C0FDBE82-B2E2-7FD9-EC54-A0E99099BEA6}"/>
+                  <a16:creationId xmlns:a16="http://schemas.microsoft.com/office/drawing/2014/main" id="{C0FDBE82-B2E2-7FD9-EC54-A0E99099BEA6}"/>
                 </a:ext>
               </a:extLst>
             </p:cNvPr>
@@ -18342,7 +18324,7 @@
             <p:cNvPr id="49" name="직사각형 48">
               <a:extLst>
                 <a:ext uri="{FF2B5EF4-FFF2-40B4-BE49-F238E27FC236}">
-                  <a16:creationId xmlns:a16="http://schemas.microsoft.com/office/drawing/2014/main" xmlns="" id="{F07CCA64-B34C-9731-7082-801539A20B90}"/>
+                  <a16:creationId xmlns:a16="http://schemas.microsoft.com/office/drawing/2014/main" id="{F07CCA64-B34C-9731-7082-801539A20B90}"/>
                 </a:ext>
               </a:extLst>
             </p:cNvPr>
@@ -18392,7 +18374,7 @@
             <p:cNvPr id="53" name="TextBox 52">
               <a:extLst>
                 <a:ext uri="{FF2B5EF4-FFF2-40B4-BE49-F238E27FC236}">
-                  <a16:creationId xmlns:a16="http://schemas.microsoft.com/office/drawing/2014/main" xmlns="" id="{90CE65EC-1C12-738C-BF13-925A288D2CDE}"/>
+                  <a16:creationId xmlns:a16="http://schemas.microsoft.com/office/drawing/2014/main" id="{90CE65EC-1C12-738C-BF13-925A288D2CDE}"/>
                 </a:ext>
               </a:extLst>
             </p:cNvPr>
@@ -18431,7 +18413,7 @@
             <p:cNvPr id="54" name="TextBox 53">
               <a:extLst>
                 <a:ext uri="{FF2B5EF4-FFF2-40B4-BE49-F238E27FC236}">
-                  <a16:creationId xmlns:a16="http://schemas.microsoft.com/office/drawing/2014/main" xmlns="" id="{968600CA-6562-FDDF-0699-E17F13B97103}"/>
+                  <a16:creationId xmlns:a16="http://schemas.microsoft.com/office/drawing/2014/main" id="{968600CA-6562-FDDF-0699-E17F13B97103}"/>
                 </a:ext>
               </a:extLst>
             </p:cNvPr>
@@ -18501,7 +18483,7 @@
           <p:cNvPr id="3" name="직사각형 2">
             <a:extLst>
               <a:ext uri="{FF2B5EF4-FFF2-40B4-BE49-F238E27FC236}">
-                <a16:creationId xmlns:a16="http://schemas.microsoft.com/office/drawing/2014/main" xmlns="" id="{765F1C10-826E-D67B-D033-A0A4E56C4DF4}"/>
+                <a16:creationId xmlns:a16="http://schemas.microsoft.com/office/drawing/2014/main" id="{765F1C10-826E-D67B-D033-A0A4E56C4DF4}"/>
               </a:ext>
             </a:extLst>
           </p:cNvPr>
@@ -20539,7 +20521,7 @@
           <p:cNvPr id="21" name="직사각형 20">
             <a:extLst>
               <a:ext uri="{FF2B5EF4-FFF2-40B4-BE49-F238E27FC236}">
-                <a16:creationId xmlns:a16="http://schemas.microsoft.com/office/drawing/2014/main" xmlns="" id="{7CD09966-B5C1-6685-DFF3-1F73C09587D9}"/>
+                <a16:creationId xmlns:a16="http://schemas.microsoft.com/office/drawing/2014/main" id="{7CD09966-B5C1-6685-DFF3-1F73C09587D9}"/>
               </a:ext>
             </a:extLst>
           </p:cNvPr>
@@ -20576,7 +20558,7 @@
           <p:cNvPr id="25" name="직사각형 24">
             <a:extLst>
               <a:ext uri="{FF2B5EF4-FFF2-40B4-BE49-F238E27FC236}">
-                <a16:creationId xmlns:a16="http://schemas.microsoft.com/office/drawing/2014/main" xmlns="" id="{C85E4C1E-170A-830C-AB71-2FE39E4CE0F7}"/>
+                <a16:creationId xmlns:a16="http://schemas.microsoft.com/office/drawing/2014/main" id="{C85E4C1E-170A-830C-AB71-2FE39E4CE0F7}"/>
               </a:ext>
             </a:extLst>
           </p:cNvPr>
@@ -20614,7 +20596,7 @@
           <p:cNvPr id="27" name="직사각형 26">
             <a:extLst>
               <a:ext uri="{FF2B5EF4-FFF2-40B4-BE49-F238E27FC236}">
-                <a16:creationId xmlns:a16="http://schemas.microsoft.com/office/drawing/2014/main" xmlns="" id="{A6DD402E-F073-4E41-CE4D-B1B06F7C1A97}"/>
+                <a16:creationId xmlns:a16="http://schemas.microsoft.com/office/drawing/2014/main" id="{A6DD402E-F073-4E41-CE4D-B1B06F7C1A97}"/>
               </a:ext>
             </a:extLst>
           </p:cNvPr>
@@ -20652,7 +20634,7 @@
           <p:cNvPr id="29" name="직사각형 28">
             <a:extLst>
               <a:ext uri="{FF2B5EF4-FFF2-40B4-BE49-F238E27FC236}">
-                <a16:creationId xmlns:a16="http://schemas.microsoft.com/office/drawing/2014/main" xmlns="" id="{3348934F-A19D-0CE3-D10C-939ED42C410D}"/>
+                <a16:creationId xmlns:a16="http://schemas.microsoft.com/office/drawing/2014/main" id="{3348934F-A19D-0CE3-D10C-939ED42C410D}"/>
               </a:ext>
             </a:extLst>
           </p:cNvPr>
@@ -20963,7 +20945,7 @@
           <p:cNvPr id="2" name="TextBox 1">
             <a:extLst>
               <a:ext uri="{FF2B5EF4-FFF2-40B4-BE49-F238E27FC236}">
-                <a16:creationId xmlns:a16="http://schemas.microsoft.com/office/drawing/2014/main" xmlns="" id="{D58CD55F-696A-A211-7699-995E8CE2C799}"/>
+                <a16:creationId xmlns:a16="http://schemas.microsoft.com/office/drawing/2014/main" id="{D58CD55F-696A-A211-7699-995E8CE2C799}"/>
               </a:ext>
             </a:extLst>
           </p:cNvPr>
@@ -21018,7 +21000,7 @@
           <p:cNvPr id="5" name="직선 화살표 연결선 4">
             <a:extLst>
               <a:ext uri="{FF2B5EF4-FFF2-40B4-BE49-F238E27FC236}">
-                <a16:creationId xmlns:a16="http://schemas.microsoft.com/office/drawing/2014/main" xmlns="" id="{79746439-EF3B-F8E3-DE81-6F48384D6469}"/>
+                <a16:creationId xmlns:a16="http://schemas.microsoft.com/office/drawing/2014/main" id="{79746439-EF3B-F8E3-DE81-6F48384D6469}"/>
               </a:ext>
             </a:extLst>
           </p:cNvPr>
@@ -21149,7 +21131,7 @@
           <p:cNvPr id="6" name="직선 화살표 연결선 5">
             <a:extLst>
               <a:ext uri="{FF2B5EF4-FFF2-40B4-BE49-F238E27FC236}">
-                <a16:creationId xmlns:a16="http://schemas.microsoft.com/office/drawing/2014/main" xmlns="" id="{622EB58F-7412-1D6E-59B3-17AD3454222B}"/>
+                <a16:creationId xmlns:a16="http://schemas.microsoft.com/office/drawing/2014/main" id="{622EB58F-7412-1D6E-59B3-17AD3454222B}"/>
               </a:ext>
             </a:extLst>
           </p:cNvPr>
@@ -21198,7 +21180,7 @@
           <p:cNvPr id="22" name="직선 화살표 연결선 21">
             <a:extLst>
               <a:ext uri="{FF2B5EF4-FFF2-40B4-BE49-F238E27FC236}">
-                <a16:creationId xmlns:a16="http://schemas.microsoft.com/office/drawing/2014/main" xmlns="" id="{77B97F0A-A54D-9346-CF8F-0292850B40D5}"/>
+                <a16:creationId xmlns:a16="http://schemas.microsoft.com/office/drawing/2014/main" id="{77B97F0A-A54D-9346-CF8F-0292850B40D5}"/>
               </a:ext>
             </a:extLst>
           </p:cNvPr>
@@ -21246,7 +21228,7 @@
           <p:cNvPr id="40" name="직선 화살표 연결선 39">
             <a:extLst>
               <a:ext uri="{FF2B5EF4-FFF2-40B4-BE49-F238E27FC236}">
-                <a16:creationId xmlns:a16="http://schemas.microsoft.com/office/drawing/2014/main" xmlns="" id="{5FEE82A8-F198-326E-09CE-4E14A41A816E}"/>
+                <a16:creationId xmlns:a16="http://schemas.microsoft.com/office/drawing/2014/main" id="{5FEE82A8-F198-326E-09CE-4E14A41A816E}"/>
               </a:ext>
             </a:extLst>
           </p:cNvPr>
@@ -21294,7 +21276,7 @@
           <p:cNvPr id="74" name="직선 화살표 연결선 73">
             <a:extLst>
               <a:ext uri="{FF2B5EF4-FFF2-40B4-BE49-F238E27FC236}">
-                <a16:creationId xmlns:a16="http://schemas.microsoft.com/office/drawing/2014/main" xmlns="" id="{AC3F902F-A5AF-F9F8-9AE8-CF1F3B1CB53C}"/>
+                <a16:creationId xmlns:a16="http://schemas.microsoft.com/office/drawing/2014/main" id="{AC3F902F-A5AF-F9F8-9AE8-CF1F3B1CB53C}"/>
               </a:ext>
             </a:extLst>
           </p:cNvPr>
@@ -21378,7 +21360,7 @@
           <p:cNvPr id="76" name="TextBox 75">
             <a:extLst>
               <a:ext uri="{FF2B5EF4-FFF2-40B4-BE49-F238E27FC236}">
-                <a16:creationId xmlns:a16="http://schemas.microsoft.com/office/drawing/2014/main" xmlns="" id="{3C9414FF-7D36-2E19-62E2-67C2A4276065}"/>
+                <a16:creationId xmlns:a16="http://schemas.microsoft.com/office/drawing/2014/main" id="{3C9414FF-7D36-2E19-62E2-67C2A4276065}"/>
               </a:ext>
             </a:extLst>
           </p:cNvPr>
@@ -21489,7 +21471,7 @@
           <p:cNvPr id="81" name="직선 화살표 연결선 80">
             <a:extLst>
               <a:ext uri="{FF2B5EF4-FFF2-40B4-BE49-F238E27FC236}">
-                <a16:creationId xmlns:a16="http://schemas.microsoft.com/office/drawing/2014/main" xmlns="" id="{79746439-EF3B-F8E3-DE81-6F48384D6469}"/>
+                <a16:creationId xmlns:a16="http://schemas.microsoft.com/office/drawing/2014/main" id="{79746439-EF3B-F8E3-DE81-6F48384D6469}"/>
               </a:ext>
             </a:extLst>
           </p:cNvPr>
@@ -21585,7 +21567,7 @@
               <a:buChar char="-"/>
             </a:pPr>
             <a:r>
-              <a:rPr lang="en-US" altLang="ko-KR" b="1" smtClean="0">
+              <a:rPr lang="en-US" altLang="ko-KR" b="1">
                 <a:solidFill>
                   <a:srgbClr val="0070C0"/>
                 </a:solidFill>
@@ -21599,7 +21581,7 @@
               <a:buChar char="-"/>
             </a:pPr>
             <a:r>
-              <a:rPr lang="en-US" altLang="ko-KR" b="1" smtClean="0">
+              <a:rPr lang="en-US" altLang="ko-KR" b="1">
                 <a:solidFill>
                   <a:srgbClr val="0070C0"/>
                 </a:solidFill>
@@ -21613,7 +21595,7 @@
               <a:buChar char="-"/>
             </a:pPr>
             <a:r>
-              <a:rPr lang="en-US" altLang="ko-KR" b="1" smtClean="0">
+              <a:rPr lang="en-US" altLang="ko-KR" b="1">
                 <a:solidFill>
                   <a:srgbClr val="0070C0"/>
                 </a:solidFill>
@@ -21627,7 +21609,7 @@
               <a:buChar char="-"/>
             </a:pPr>
             <a:r>
-              <a:rPr lang="en-US" altLang="ko-KR" b="1" smtClean="0">
+              <a:rPr lang="en-US" altLang="ko-KR" b="1">
                 <a:solidFill>
                   <a:srgbClr val="0070C0"/>
                 </a:solidFill>
@@ -21641,7 +21623,7 @@
               <a:buChar char="-"/>
             </a:pPr>
             <a:r>
-              <a:rPr lang="en-US" altLang="ko-KR" b="1" smtClean="0">
+              <a:rPr lang="en-US" altLang="ko-KR" b="1">
                 <a:solidFill>
                   <a:srgbClr val="0070C0"/>
                 </a:solidFill>
@@ -21684,7 +21666,7 @@
               </a:lnSpc>
             </a:pPr>
             <a:r>
-              <a:rPr lang="ko-KR" altLang="en-US" sz="1600" b="1" smtClean="0">
+              <a:rPr lang="ko-KR" altLang="en-US" sz="1600" b="1">
                 <a:solidFill>
                   <a:srgbClr val="0070C0"/>
                 </a:solidFill>
@@ -21704,7 +21686,7 @@
               </a:lnSpc>
             </a:pPr>
             <a:r>
-              <a:rPr lang="en-US" altLang="ko-KR" sz="1200" b="1" smtClean="0">
+              <a:rPr lang="en-US" altLang="ko-KR" sz="1200" b="1">
                 <a:solidFill>
                   <a:srgbClr val="0070C0"/>
                 </a:solidFill>
@@ -21724,7 +21706,7 @@
           <p:cNvPr id="84" name="직선 화살표 연결선 83">
             <a:extLst>
               <a:ext uri="{FF2B5EF4-FFF2-40B4-BE49-F238E27FC236}">
-                <a16:creationId xmlns:a16="http://schemas.microsoft.com/office/drawing/2014/main" xmlns="" id="{5FEE82A8-F198-326E-09CE-4E14A41A816E}"/>
+                <a16:creationId xmlns:a16="http://schemas.microsoft.com/office/drawing/2014/main" id="{5FEE82A8-F198-326E-09CE-4E14A41A816E}"/>
               </a:ext>
             </a:extLst>
           </p:cNvPr>
@@ -21770,7 +21752,7 @@
           <p:cNvPr id="85" name="직선 화살표 연결선 84">
             <a:extLst>
               <a:ext uri="{FF2B5EF4-FFF2-40B4-BE49-F238E27FC236}">
-                <a16:creationId xmlns:a16="http://schemas.microsoft.com/office/drawing/2014/main" xmlns="" id="{5FEE82A8-F198-326E-09CE-4E14A41A816E}"/>
+                <a16:creationId xmlns:a16="http://schemas.microsoft.com/office/drawing/2014/main" id="{5FEE82A8-F198-326E-09CE-4E14A41A816E}"/>
               </a:ext>
             </a:extLst>
           </p:cNvPr>

--- a/03-tutorial/ddd-basic/README.pptx
+++ b/03-tutorial/ddd-basic/README.pptx
@@ -13,7 +13,7 @@
     <p:sldId id="262" r:id="rId7"/>
   </p:sldIdLst>
   <p:sldSz cx="12192000" cy="6858000"/>
-  <p:notesSz cx="6858000" cy="9144000"/>
+  <p:notesSz cx="6807200" cy="9939338"/>
   <p:defaultTextStyle>
     <a:defPPr>
       <a:defRPr lang="ko-KR"/>
@@ -264,7 +264,7 @@
           <a:p>
             <a:fld id="{7C942374-54D0-46CC-9FD3-64DEB9F3020F}" type="datetimeFigureOut">
               <a:rPr lang="ko-KR" altLang="en-US" smtClean="0"/>
-              <a:t>2025-02-23</a:t>
+              <a:t>2025-03-04</a:t>
             </a:fld>
             <a:endParaRPr lang="ko-KR" altLang="en-US"/>
           </a:p>
@@ -432,7 +432,7 @@
           <a:p>
             <a:fld id="{7C942374-54D0-46CC-9FD3-64DEB9F3020F}" type="datetimeFigureOut">
               <a:rPr lang="ko-KR" altLang="en-US" smtClean="0"/>
-              <a:t>2025-02-23</a:t>
+              <a:t>2025-03-04</a:t>
             </a:fld>
             <a:endParaRPr lang="ko-KR" altLang="en-US"/>
           </a:p>
@@ -610,7 +610,7 @@
           <a:p>
             <a:fld id="{7C942374-54D0-46CC-9FD3-64DEB9F3020F}" type="datetimeFigureOut">
               <a:rPr lang="ko-KR" altLang="en-US" smtClean="0"/>
-              <a:t>2025-02-23</a:t>
+              <a:t>2025-03-04</a:t>
             </a:fld>
             <a:endParaRPr lang="ko-KR" altLang="en-US"/>
           </a:p>
@@ -778,7 +778,7 @@
           <a:p>
             <a:fld id="{7C942374-54D0-46CC-9FD3-64DEB9F3020F}" type="datetimeFigureOut">
               <a:rPr lang="ko-KR" altLang="en-US" smtClean="0"/>
-              <a:t>2025-02-23</a:t>
+              <a:t>2025-03-04</a:t>
             </a:fld>
             <a:endParaRPr lang="ko-KR" altLang="en-US"/>
           </a:p>
@@ -1023,7 +1023,7 @@
           <a:p>
             <a:fld id="{7C942374-54D0-46CC-9FD3-64DEB9F3020F}" type="datetimeFigureOut">
               <a:rPr lang="ko-KR" altLang="en-US" smtClean="0"/>
-              <a:t>2025-02-23</a:t>
+              <a:t>2025-03-04</a:t>
             </a:fld>
             <a:endParaRPr lang="ko-KR" altLang="en-US"/>
           </a:p>
@@ -1252,7 +1252,7 @@
           <a:p>
             <a:fld id="{7C942374-54D0-46CC-9FD3-64DEB9F3020F}" type="datetimeFigureOut">
               <a:rPr lang="ko-KR" altLang="en-US" smtClean="0"/>
-              <a:t>2025-02-23</a:t>
+              <a:t>2025-03-04</a:t>
             </a:fld>
             <a:endParaRPr lang="ko-KR" altLang="en-US"/>
           </a:p>
@@ -1616,7 +1616,7 @@
           <a:p>
             <a:fld id="{7C942374-54D0-46CC-9FD3-64DEB9F3020F}" type="datetimeFigureOut">
               <a:rPr lang="ko-KR" altLang="en-US" smtClean="0"/>
-              <a:t>2025-02-23</a:t>
+              <a:t>2025-03-04</a:t>
             </a:fld>
             <a:endParaRPr lang="ko-KR" altLang="en-US"/>
           </a:p>
@@ -1733,7 +1733,7 @@
           <a:p>
             <a:fld id="{7C942374-54D0-46CC-9FD3-64DEB9F3020F}" type="datetimeFigureOut">
               <a:rPr lang="ko-KR" altLang="en-US" smtClean="0"/>
-              <a:t>2025-02-23</a:t>
+              <a:t>2025-03-04</a:t>
             </a:fld>
             <a:endParaRPr lang="ko-KR" altLang="en-US"/>
           </a:p>
@@ -1828,7 +1828,7 @@
           <a:p>
             <a:fld id="{7C942374-54D0-46CC-9FD3-64DEB9F3020F}" type="datetimeFigureOut">
               <a:rPr lang="ko-KR" altLang="en-US" smtClean="0"/>
-              <a:t>2025-02-23</a:t>
+              <a:t>2025-03-04</a:t>
             </a:fld>
             <a:endParaRPr lang="ko-KR" altLang="en-US"/>
           </a:p>
@@ -2103,7 +2103,7 @@
           <a:p>
             <a:fld id="{7C942374-54D0-46CC-9FD3-64DEB9F3020F}" type="datetimeFigureOut">
               <a:rPr lang="ko-KR" altLang="en-US" smtClean="0"/>
-              <a:t>2025-02-23</a:t>
+              <a:t>2025-03-04</a:t>
             </a:fld>
             <a:endParaRPr lang="ko-KR" altLang="en-US"/>
           </a:p>
@@ -2355,7 +2355,7 @@
           <a:p>
             <a:fld id="{7C942374-54D0-46CC-9FD3-64DEB9F3020F}" type="datetimeFigureOut">
               <a:rPr lang="ko-KR" altLang="en-US" smtClean="0"/>
-              <a:t>2025-02-23</a:t>
+              <a:t>2025-03-04</a:t>
             </a:fld>
             <a:endParaRPr lang="ko-KR" altLang="en-US"/>
           </a:p>
@@ -2566,7 +2566,7 @@
           <a:p>
             <a:fld id="{7C942374-54D0-46CC-9FD3-64DEB9F3020F}" type="datetimeFigureOut">
               <a:rPr lang="ko-KR" altLang="en-US" smtClean="0"/>
-              <a:t>2025-02-23</a:t>
+              <a:t>2025-03-04</a:t>
             </a:fld>
             <a:endParaRPr lang="ko-KR" altLang="en-US"/>
           </a:p>
@@ -2990,7 +2990,7 @@
             <p:cNvPr id="7" name="그림 6">
               <a:extLst>
                 <a:ext uri="{FF2B5EF4-FFF2-40B4-BE49-F238E27FC236}">
-                  <a16:creationId xmlns:a16="http://schemas.microsoft.com/office/drawing/2014/main" id="{D2A7AB12-7F35-61A6-504A-F50EF9B95A81}"/>
+                  <a16:creationId xmlns:a16="http://schemas.microsoft.com/office/drawing/2014/main" xmlns="" id="{D2A7AB12-7F35-61A6-504A-F50EF9B95A81}"/>
                 </a:ext>
               </a:extLst>
             </p:cNvPr>
@@ -3020,7 +3020,7 @@
             <p:cNvPr id="30" name="직사각형 29">
               <a:extLst>
                 <a:ext uri="{FF2B5EF4-FFF2-40B4-BE49-F238E27FC236}">
-                  <a16:creationId xmlns:a16="http://schemas.microsoft.com/office/drawing/2014/main" id="{55ED66F5-1478-EFE2-D13E-60C1DCAADACC}"/>
+                  <a16:creationId xmlns:a16="http://schemas.microsoft.com/office/drawing/2014/main" xmlns="" id="{55ED66F5-1478-EFE2-D13E-60C1DCAADACC}"/>
                 </a:ext>
               </a:extLst>
             </p:cNvPr>
@@ -3073,7 +3073,7 @@
             <p:cNvPr id="31" name="직선 연결선 30">
               <a:extLst>
                 <a:ext uri="{FF2B5EF4-FFF2-40B4-BE49-F238E27FC236}">
-                  <a16:creationId xmlns:a16="http://schemas.microsoft.com/office/drawing/2014/main" id="{F3BE8123-4994-926A-BEBD-D4FCEE053DF5}"/>
+                  <a16:creationId xmlns:a16="http://schemas.microsoft.com/office/drawing/2014/main" xmlns="" id="{F3BE8123-4994-926A-BEBD-D4FCEE053DF5}"/>
                 </a:ext>
               </a:extLst>
             </p:cNvPr>
@@ -3116,7 +3116,7 @@
             <p:cNvPr id="34" name="그림 33">
               <a:extLst>
                 <a:ext uri="{FF2B5EF4-FFF2-40B4-BE49-F238E27FC236}">
-                  <a16:creationId xmlns:a16="http://schemas.microsoft.com/office/drawing/2014/main" id="{76BFD087-1464-697E-3C36-8578E74FE30C}"/>
+                  <a16:creationId xmlns:a16="http://schemas.microsoft.com/office/drawing/2014/main" xmlns="" id="{76BFD087-1464-697E-3C36-8578E74FE30C}"/>
                 </a:ext>
               </a:extLst>
             </p:cNvPr>
@@ -3151,7 +3151,7 @@
             <p:cNvPr id="42" name="연결선: 꺾임 41">
               <a:extLst>
                 <a:ext uri="{FF2B5EF4-FFF2-40B4-BE49-F238E27FC236}">
-                  <a16:creationId xmlns:a16="http://schemas.microsoft.com/office/drawing/2014/main" id="{74F507FB-9E49-E4EE-ED10-DCDC4C41B089}"/>
+                  <a16:creationId xmlns:a16="http://schemas.microsoft.com/office/drawing/2014/main" xmlns="" id="{74F507FB-9E49-E4EE-ED10-DCDC4C41B089}"/>
                 </a:ext>
               </a:extLst>
             </p:cNvPr>
@@ -3197,7 +3197,7 @@
             <p:cNvPr id="49" name="직사각형 48">
               <a:extLst>
                 <a:ext uri="{FF2B5EF4-FFF2-40B4-BE49-F238E27FC236}">
-                  <a16:creationId xmlns:a16="http://schemas.microsoft.com/office/drawing/2014/main" id="{F07CCA64-B34C-9731-7082-801539A20B90}"/>
+                  <a16:creationId xmlns:a16="http://schemas.microsoft.com/office/drawing/2014/main" xmlns="" id="{F07CCA64-B34C-9731-7082-801539A20B90}"/>
                 </a:ext>
               </a:extLst>
             </p:cNvPr>
@@ -3247,7 +3247,7 @@
             <p:cNvPr id="54" name="TextBox 53">
               <a:extLst>
                 <a:ext uri="{FF2B5EF4-FFF2-40B4-BE49-F238E27FC236}">
-                  <a16:creationId xmlns:a16="http://schemas.microsoft.com/office/drawing/2014/main" id="{968600CA-6562-FDDF-0699-E17F13B97103}"/>
+                  <a16:creationId xmlns:a16="http://schemas.microsoft.com/office/drawing/2014/main" xmlns="" id="{968600CA-6562-FDDF-0699-E17F13B97103}"/>
                 </a:ext>
               </a:extLst>
             </p:cNvPr>
@@ -3310,7 +3310,7 @@
             <p:cNvPr id="8" name="그림 7">
               <a:extLst>
                 <a:ext uri="{FF2B5EF4-FFF2-40B4-BE49-F238E27FC236}">
-                  <a16:creationId xmlns:a16="http://schemas.microsoft.com/office/drawing/2014/main" id="{D95B96F7-5DE9-CCE7-29CD-A15F2AF14744}"/>
+                  <a16:creationId xmlns:a16="http://schemas.microsoft.com/office/drawing/2014/main" xmlns="" id="{D95B96F7-5DE9-CCE7-29CD-A15F2AF14744}"/>
                 </a:ext>
               </a:extLst>
             </p:cNvPr>
@@ -3340,7 +3340,7 @@
             <p:cNvPr id="15" name="직사각형 14">
               <a:extLst>
                 <a:ext uri="{FF2B5EF4-FFF2-40B4-BE49-F238E27FC236}">
-                  <a16:creationId xmlns:a16="http://schemas.microsoft.com/office/drawing/2014/main" id="{44A00350-2EED-1207-B975-A1B249C9C2CE}"/>
+                  <a16:creationId xmlns:a16="http://schemas.microsoft.com/office/drawing/2014/main" xmlns="" id="{44A00350-2EED-1207-B975-A1B249C9C2CE}"/>
                 </a:ext>
               </a:extLst>
             </p:cNvPr>
@@ -3393,7 +3393,7 @@
             <p:cNvPr id="16" name="직사각형 15">
               <a:extLst>
                 <a:ext uri="{FF2B5EF4-FFF2-40B4-BE49-F238E27FC236}">
-                  <a16:creationId xmlns:a16="http://schemas.microsoft.com/office/drawing/2014/main" id="{0D27BA77-0988-DFA7-2B8B-4CA6CD9258DE}"/>
+                  <a16:creationId xmlns:a16="http://schemas.microsoft.com/office/drawing/2014/main" xmlns="" id="{0D27BA77-0988-DFA7-2B8B-4CA6CD9258DE}"/>
                 </a:ext>
               </a:extLst>
             </p:cNvPr>
@@ -3446,7 +3446,7 @@
             <p:cNvPr id="17" name="직사각형 16">
               <a:extLst>
                 <a:ext uri="{FF2B5EF4-FFF2-40B4-BE49-F238E27FC236}">
-                  <a16:creationId xmlns:a16="http://schemas.microsoft.com/office/drawing/2014/main" id="{47E35CB8-DB93-0F6A-3BFF-29C6417B32FB}"/>
+                  <a16:creationId xmlns:a16="http://schemas.microsoft.com/office/drawing/2014/main" xmlns="" id="{47E35CB8-DB93-0F6A-3BFF-29C6417B32FB}"/>
                 </a:ext>
               </a:extLst>
             </p:cNvPr>
@@ -3499,7 +3499,7 @@
             <p:cNvPr id="18" name="직선 연결선 17">
               <a:extLst>
                 <a:ext uri="{FF2B5EF4-FFF2-40B4-BE49-F238E27FC236}">
-                  <a16:creationId xmlns:a16="http://schemas.microsoft.com/office/drawing/2014/main" id="{DF0B02D2-5A7A-F6A2-C0AC-5A07E3886225}"/>
+                  <a16:creationId xmlns:a16="http://schemas.microsoft.com/office/drawing/2014/main" xmlns="" id="{DF0B02D2-5A7A-F6A2-C0AC-5A07E3886225}"/>
                 </a:ext>
               </a:extLst>
             </p:cNvPr>
@@ -3542,7 +3542,7 @@
             <p:cNvPr id="19" name="직선 연결선 18">
               <a:extLst>
                 <a:ext uri="{FF2B5EF4-FFF2-40B4-BE49-F238E27FC236}">
-                  <a16:creationId xmlns:a16="http://schemas.microsoft.com/office/drawing/2014/main" id="{8A292E93-B87A-394D-8A2D-88BB0751ACE5}"/>
+                  <a16:creationId xmlns:a16="http://schemas.microsoft.com/office/drawing/2014/main" xmlns="" id="{8A292E93-B87A-394D-8A2D-88BB0751ACE5}"/>
                 </a:ext>
               </a:extLst>
             </p:cNvPr>
@@ -3585,7 +3585,7 @@
             <p:cNvPr id="20" name="직선 연결선 19">
               <a:extLst>
                 <a:ext uri="{FF2B5EF4-FFF2-40B4-BE49-F238E27FC236}">
-                  <a16:creationId xmlns:a16="http://schemas.microsoft.com/office/drawing/2014/main" id="{F742C95F-18A5-7283-63BC-679B0AEE841E}"/>
+                  <a16:creationId xmlns:a16="http://schemas.microsoft.com/office/drawing/2014/main" xmlns="" id="{F742C95F-18A5-7283-63BC-679B0AEE841E}"/>
                 </a:ext>
               </a:extLst>
             </p:cNvPr>
@@ -3628,7 +3628,7 @@
             <p:cNvPr id="21" name="직선 연결선 20">
               <a:extLst>
                 <a:ext uri="{FF2B5EF4-FFF2-40B4-BE49-F238E27FC236}">
-                  <a16:creationId xmlns:a16="http://schemas.microsoft.com/office/drawing/2014/main" id="{A6ECB332-533F-48E5-6326-D3E9320AB113}"/>
+                  <a16:creationId xmlns:a16="http://schemas.microsoft.com/office/drawing/2014/main" xmlns="" id="{A6ECB332-533F-48E5-6326-D3E9320AB113}"/>
                 </a:ext>
               </a:extLst>
             </p:cNvPr>
@@ -3671,7 +3671,7 @@
             <p:cNvPr id="22" name="직선 연결선 21">
               <a:extLst>
                 <a:ext uri="{FF2B5EF4-FFF2-40B4-BE49-F238E27FC236}">
-                  <a16:creationId xmlns:a16="http://schemas.microsoft.com/office/drawing/2014/main" id="{1B998782-92A1-07A0-6EE9-D793B1868EA4}"/>
+                  <a16:creationId xmlns:a16="http://schemas.microsoft.com/office/drawing/2014/main" xmlns="" id="{1B998782-92A1-07A0-6EE9-D793B1868EA4}"/>
                 </a:ext>
               </a:extLst>
             </p:cNvPr>
@@ -3714,7 +3714,7 @@
             <p:cNvPr id="23" name="직선 연결선 22">
               <a:extLst>
                 <a:ext uri="{FF2B5EF4-FFF2-40B4-BE49-F238E27FC236}">
-                  <a16:creationId xmlns:a16="http://schemas.microsoft.com/office/drawing/2014/main" id="{BDA37005-DB76-E005-7BB3-1DE19155A8C3}"/>
+                  <a16:creationId xmlns:a16="http://schemas.microsoft.com/office/drawing/2014/main" xmlns="" id="{BDA37005-DB76-E005-7BB3-1DE19155A8C3}"/>
                 </a:ext>
               </a:extLst>
             </p:cNvPr>
@@ -3757,7 +3757,7 @@
             <p:cNvPr id="26" name="직선 화살표 연결선 25">
               <a:extLst>
                 <a:ext uri="{FF2B5EF4-FFF2-40B4-BE49-F238E27FC236}">
-                  <a16:creationId xmlns:a16="http://schemas.microsoft.com/office/drawing/2014/main" id="{DF33ABDE-CBC2-07A2-183E-C976053162D1}"/>
+                  <a16:creationId xmlns:a16="http://schemas.microsoft.com/office/drawing/2014/main" xmlns="" id="{DF33ABDE-CBC2-07A2-183E-C976053162D1}"/>
                 </a:ext>
               </a:extLst>
             </p:cNvPr>
@@ -3808,7 +3808,7 @@
             <p:cNvPr id="27" name="직선 화살표 연결선 26">
               <a:extLst>
                 <a:ext uri="{FF2B5EF4-FFF2-40B4-BE49-F238E27FC236}">
-                  <a16:creationId xmlns:a16="http://schemas.microsoft.com/office/drawing/2014/main" id="{B5C1BC1E-1E17-61A4-3A8E-44E3A1540BF4}"/>
+                  <a16:creationId xmlns:a16="http://schemas.microsoft.com/office/drawing/2014/main" xmlns="" id="{B5C1BC1E-1E17-61A4-3A8E-44E3A1540BF4}"/>
                 </a:ext>
               </a:extLst>
             </p:cNvPr>
@@ -3859,7 +3859,7 @@
             <p:cNvPr id="35" name="TextBox 34">
               <a:extLst>
                 <a:ext uri="{FF2B5EF4-FFF2-40B4-BE49-F238E27FC236}">
-                  <a16:creationId xmlns:a16="http://schemas.microsoft.com/office/drawing/2014/main" id="{D8830B79-09BC-8CDB-9727-E5943BB6FE89}"/>
+                  <a16:creationId xmlns:a16="http://schemas.microsoft.com/office/drawing/2014/main" xmlns="" id="{D8830B79-09BC-8CDB-9727-E5943BB6FE89}"/>
                 </a:ext>
               </a:extLst>
             </p:cNvPr>
@@ -3899,7 +3899,7 @@
             <p:cNvPr id="36" name="TextBox 35">
               <a:extLst>
                 <a:ext uri="{FF2B5EF4-FFF2-40B4-BE49-F238E27FC236}">
-                  <a16:creationId xmlns:a16="http://schemas.microsoft.com/office/drawing/2014/main" id="{7498B629-74C3-E041-3949-937534EA26C5}"/>
+                  <a16:creationId xmlns:a16="http://schemas.microsoft.com/office/drawing/2014/main" xmlns="" id="{7498B629-74C3-E041-3949-937534EA26C5}"/>
                 </a:ext>
               </a:extLst>
             </p:cNvPr>
@@ -3939,7 +3939,7 @@
             <p:cNvPr id="37" name="TextBox 36">
               <a:extLst>
                 <a:ext uri="{FF2B5EF4-FFF2-40B4-BE49-F238E27FC236}">
-                  <a16:creationId xmlns:a16="http://schemas.microsoft.com/office/drawing/2014/main" id="{9FDE914C-5FA3-AFA6-259A-04E5A8F34950}"/>
+                  <a16:creationId xmlns:a16="http://schemas.microsoft.com/office/drawing/2014/main" xmlns="" id="{9FDE914C-5FA3-AFA6-259A-04E5A8F34950}"/>
                 </a:ext>
               </a:extLst>
             </p:cNvPr>
@@ -3979,7 +3979,7 @@
             <p:cNvPr id="38" name="TextBox 37">
               <a:extLst>
                 <a:ext uri="{FF2B5EF4-FFF2-40B4-BE49-F238E27FC236}">
-                  <a16:creationId xmlns:a16="http://schemas.microsoft.com/office/drawing/2014/main" id="{113F581A-0233-2534-6D93-86E29AEDE4CC}"/>
+                  <a16:creationId xmlns:a16="http://schemas.microsoft.com/office/drawing/2014/main" xmlns="" id="{113F581A-0233-2534-6D93-86E29AEDE4CC}"/>
                 </a:ext>
               </a:extLst>
             </p:cNvPr>
@@ -4019,7 +4019,7 @@
             <p:cNvPr id="39" name="TextBox 38">
               <a:extLst>
                 <a:ext uri="{FF2B5EF4-FFF2-40B4-BE49-F238E27FC236}">
-                  <a16:creationId xmlns:a16="http://schemas.microsoft.com/office/drawing/2014/main" id="{F25C8F7E-30D4-B9FE-AEB9-A77ADB4D298F}"/>
+                  <a16:creationId xmlns:a16="http://schemas.microsoft.com/office/drawing/2014/main" xmlns="" id="{F25C8F7E-30D4-B9FE-AEB9-A77ADB4D298F}"/>
                 </a:ext>
               </a:extLst>
             </p:cNvPr>
@@ -4059,7 +4059,7 @@
             <p:cNvPr id="40" name="TextBox 39">
               <a:extLst>
                 <a:ext uri="{FF2B5EF4-FFF2-40B4-BE49-F238E27FC236}">
-                  <a16:creationId xmlns:a16="http://schemas.microsoft.com/office/drawing/2014/main" id="{4B4EE0E5-4F34-6D6E-9AFA-A99ACF0C4844}"/>
+                  <a16:creationId xmlns:a16="http://schemas.microsoft.com/office/drawing/2014/main" xmlns="" id="{4B4EE0E5-4F34-6D6E-9AFA-A99ACF0C4844}"/>
                 </a:ext>
               </a:extLst>
             </p:cNvPr>
@@ -4099,7 +4099,7 @@
             <p:cNvPr id="44" name="직사각형 43">
               <a:extLst>
                 <a:ext uri="{FF2B5EF4-FFF2-40B4-BE49-F238E27FC236}">
-                  <a16:creationId xmlns:a16="http://schemas.microsoft.com/office/drawing/2014/main" id="{C0FDBE82-B2E2-7FD9-EC54-A0E99099BEA6}"/>
+                  <a16:creationId xmlns:a16="http://schemas.microsoft.com/office/drawing/2014/main" xmlns="" id="{C0FDBE82-B2E2-7FD9-EC54-A0E99099BEA6}"/>
                 </a:ext>
               </a:extLst>
             </p:cNvPr>
@@ -4149,7 +4149,7 @@
             <p:cNvPr id="53" name="TextBox 52">
               <a:extLst>
                 <a:ext uri="{FF2B5EF4-FFF2-40B4-BE49-F238E27FC236}">
-                  <a16:creationId xmlns:a16="http://schemas.microsoft.com/office/drawing/2014/main" id="{90CE65EC-1C12-738C-BF13-925A288D2CDE}"/>
+                  <a16:creationId xmlns:a16="http://schemas.microsoft.com/office/drawing/2014/main" xmlns="" id="{90CE65EC-1C12-738C-BF13-925A288D2CDE}"/>
                 </a:ext>
               </a:extLst>
             </p:cNvPr>
@@ -4188,7 +4188,7 @@
             <p:cNvPr id="41" name="TextBox 40">
               <a:extLst>
                 <a:ext uri="{FF2B5EF4-FFF2-40B4-BE49-F238E27FC236}">
-                  <a16:creationId xmlns:a16="http://schemas.microsoft.com/office/drawing/2014/main" id="{90CE65EC-1C12-738C-BF13-925A288D2CDE}"/>
+                  <a16:creationId xmlns:a16="http://schemas.microsoft.com/office/drawing/2014/main" xmlns="" id="{90CE65EC-1C12-738C-BF13-925A288D2CDE}"/>
                 </a:ext>
               </a:extLst>
             </p:cNvPr>
@@ -4272,7 +4272,7 @@
             <p:cNvPr id="3" name="직사각형 2">
               <a:extLst>
                 <a:ext uri="{FF2B5EF4-FFF2-40B4-BE49-F238E27FC236}">
-                  <a16:creationId xmlns:a16="http://schemas.microsoft.com/office/drawing/2014/main" id="{765F1C10-826E-D67B-D033-A0A4E56C4DF4}"/>
+                  <a16:creationId xmlns:a16="http://schemas.microsoft.com/office/drawing/2014/main" xmlns="" id="{765F1C10-826E-D67B-D033-A0A4E56C4DF4}"/>
                 </a:ext>
               </a:extLst>
             </p:cNvPr>
@@ -6584,7 +6584,7 @@
             <p:cNvPr id="208" name="직사각형 207">
               <a:extLst>
                 <a:ext uri="{FF2B5EF4-FFF2-40B4-BE49-F238E27FC236}">
-                  <a16:creationId xmlns:a16="http://schemas.microsoft.com/office/drawing/2014/main" id="{C85E4C1E-170A-830C-AB71-2FE39E4CE0F7}"/>
+                  <a16:creationId xmlns:a16="http://schemas.microsoft.com/office/drawing/2014/main" xmlns="" id="{C85E4C1E-170A-830C-AB71-2FE39E4CE0F7}"/>
                 </a:ext>
               </a:extLst>
             </p:cNvPr>
@@ -6767,7 +6767,7 @@
             <p:cNvPr id="224" name="직사각형 223">
               <a:extLst>
                 <a:ext uri="{FF2B5EF4-FFF2-40B4-BE49-F238E27FC236}">
-                  <a16:creationId xmlns:a16="http://schemas.microsoft.com/office/drawing/2014/main" id="{7CD09966-B5C1-6685-DFF3-1F73C09587D9}"/>
+                  <a16:creationId xmlns:a16="http://schemas.microsoft.com/office/drawing/2014/main" xmlns="" id="{7CD09966-B5C1-6685-DFF3-1F73C09587D9}"/>
                 </a:ext>
               </a:extLst>
             </p:cNvPr>
@@ -6972,7 +6972,7 @@
             <p:cNvPr id="240" name="직사각형 239">
               <a:extLst>
                 <a:ext uri="{FF2B5EF4-FFF2-40B4-BE49-F238E27FC236}">
-                  <a16:creationId xmlns:a16="http://schemas.microsoft.com/office/drawing/2014/main" id="{A6DD402E-F073-4E41-CE4D-B1B06F7C1A97}"/>
+                  <a16:creationId xmlns:a16="http://schemas.microsoft.com/office/drawing/2014/main" xmlns="" id="{A6DD402E-F073-4E41-CE4D-B1B06F7C1A97}"/>
                 </a:ext>
               </a:extLst>
             </p:cNvPr>
@@ -7449,7 +7449,7 @@
             <p:cNvPr id="221" name="직사각형 220">
               <a:extLst>
                 <a:ext uri="{FF2B5EF4-FFF2-40B4-BE49-F238E27FC236}">
-                  <a16:creationId xmlns:a16="http://schemas.microsoft.com/office/drawing/2014/main" id="{3348934F-A19D-0CE3-D10C-939ED42C410D}"/>
+                  <a16:creationId xmlns:a16="http://schemas.microsoft.com/office/drawing/2014/main" xmlns="" id="{3348934F-A19D-0CE3-D10C-939ED42C410D}"/>
                 </a:ext>
               </a:extLst>
             </p:cNvPr>
@@ -8301,7 +8301,7 @@
           <p:cNvPr id="3" name="직사각형 2">
             <a:extLst>
               <a:ext uri="{FF2B5EF4-FFF2-40B4-BE49-F238E27FC236}">
-                <a16:creationId xmlns:a16="http://schemas.microsoft.com/office/drawing/2014/main" id="{765F1C10-826E-D67B-D033-A0A4E56C4DF4}"/>
+                <a16:creationId xmlns:a16="http://schemas.microsoft.com/office/drawing/2014/main" xmlns="" id="{765F1C10-826E-D67B-D033-A0A4E56C4DF4}"/>
               </a:ext>
             </a:extLst>
           </p:cNvPr>
@@ -10252,7 +10252,7 @@
           <p:cNvPr id="208" name="직사각형 207">
             <a:extLst>
               <a:ext uri="{FF2B5EF4-FFF2-40B4-BE49-F238E27FC236}">
-                <a16:creationId xmlns:a16="http://schemas.microsoft.com/office/drawing/2014/main" id="{C85E4C1E-170A-830C-AB71-2FE39E4CE0F7}"/>
+                <a16:creationId xmlns:a16="http://schemas.microsoft.com/office/drawing/2014/main" xmlns="" id="{C85E4C1E-170A-830C-AB71-2FE39E4CE0F7}"/>
               </a:ext>
             </a:extLst>
           </p:cNvPr>
@@ -10435,7 +10435,7 @@
           <p:cNvPr id="224" name="직사각형 223">
             <a:extLst>
               <a:ext uri="{FF2B5EF4-FFF2-40B4-BE49-F238E27FC236}">
-                <a16:creationId xmlns:a16="http://schemas.microsoft.com/office/drawing/2014/main" id="{7CD09966-B5C1-6685-DFF3-1F73C09587D9}"/>
+                <a16:creationId xmlns:a16="http://schemas.microsoft.com/office/drawing/2014/main" xmlns="" id="{7CD09966-B5C1-6685-DFF3-1F73C09587D9}"/>
               </a:ext>
             </a:extLst>
           </p:cNvPr>
@@ -10672,7 +10672,7 @@
           <p:cNvPr id="240" name="직사각형 239">
             <a:extLst>
               <a:ext uri="{FF2B5EF4-FFF2-40B4-BE49-F238E27FC236}">
-                <a16:creationId xmlns:a16="http://schemas.microsoft.com/office/drawing/2014/main" id="{A6DD402E-F073-4E41-CE4D-B1B06F7C1A97}"/>
+                <a16:creationId xmlns:a16="http://schemas.microsoft.com/office/drawing/2014/main" xmlns="" id="{A6DD402E-F073-4E41-CE4D-B1B06F7C1A97}"/>
               </a:ext>
             </a:extLst>
           </p:cNvPr>
@@ -11149,7 +11149,7 @@
           <p:cNvPr id="221" name="직사각형 220">
             <a:extLst>
               <a:ext uri="{FF2B5EF4-FFF2-40B4-BE49-F238E27FC236}">
-                <a16:creationId xmlns:a16="http://schemas.microsoft.com/office/drawing/2014/main" id="{3348934F-A19D-0CE3-D10C-939ED42C410D}"/>
+                <a16:creationId xmlns:a16="http://schemas.microsoft.com/office/drawing/2014/main" xmlns="" id="{3348934F-A19D-0CE3-D10C-939ED42C410D}"/>
               </a:ext>
             </a:extLst>
           </p:cNvPr>
@@ -13019,7 +13019,7 @@
           <p:cNvPr id="2" name="그룹 1">
             <a:extLst>
               <a:ext uri="{FF2B5EF4-FFF2-40B4-BE49-F238E27FC236}">
-                <a16:creationId xmlns:a16="http://schemas.microsoft.com/office/drawing/2014/main" id="{3C8420F1-9EA7-9B12-4585-7148F2BBEBA8}"/>
+                <a16:creationId xmlns:a16="http://schemas.microsoft.com/office/drawing/2014/main" xmlns="" id="{3C8420F1-9EA7-9B12-4585-7148F2BBEBA8}"/>
               </a:ext>
             </a:extLst>
           </p:cNvPr>
@@ -14197,7 +14197,7 @@
           <p:cNvPr id="3" name="직사각형 2">
             <a:extLst>
               <a:ext uri="{FF2B5EF4-FFF2-40B4-BE49-F238E27FC236}">
-                <a16:creationId xmlns:a16="http://schemas.microsoft.com/office/drawing/2014/main" id="{765F1C10-826E-D67B-D033-A0A4E56C4DF4}"/>
+                <a16:creationId xmlns:a16="http://schemas.microsoft.com/office/drawing/2014/main" xmlns="" id="{765F1C10-826E-D67B-D033-A0A4E56C4DF4}"/>
               </a:ext>
             </a:extLst>
           </p:cNvPr>
@@ -16235,7 +16235,7 @@
           <p:cNvPr id="21" name="직사각형 20">
             <a:extLst>
               <a:ext uri="{FF2B5EF4-FFF2-40B4-BE49-F238E27FC236}">
-                <a16:creationId xmlns:a16="http://schemas.microsoft.com/office/drawing/2014/main" id="{7CD09966-B5C1-6685-DFF3-1F73C09587D9}"/>
+                <a16:creationId xmlns:a16="http://schemas.microsoft.com/office/drawing/2014/main" xmlns="" id="{7CD09966-B5C1-6685-DFF3-1F73C09587D9}"/>
               </a:ext>
             </a:extLst>
           </p:cNvPr>
@@ -16272,7 +16272,7 @@
           <p:cNvPr id="25" name="직사각형 24">
             <a:extLst>
               <a:ext uri="{FF2B5EF4-FFF2-40B4-BE49-F238E27FC236}">
-                <a16:creationId xmlns:a16="http://schemas.microsoft.com/office/drawing/2014/main" id="{C85E4C1E-170A-830C-AB71-2FE39E4CE0F7}"/>
+                <a16:creationId xmlns:a16="http://schemas.microsoft.com/office/drawing/2014/main" xmlns="" id="{C85E4C1E-170A-830C-AB71-2FE39E4CE0F7}"/>
               </a:ext>
             </a:extLst>
           </p:cNvPr>
@@ -16310,7 +16310,7 @@
           <p:cNvPr id="27" name="직사각형 26">
             <a:extLst>
               <a:ext uri="{FF2B5EF4-FFF2-40B4-BE49-F238E27FC236}">
-                <a16:creationId xmlns:a16="http://schemas.microsoft.com/office/drawing/2014/main" id="{A6DD402E-F073-4E41-CE4D-B1B06F7C1A97}"/>
+                <a16:creationId xmlns:a16="http://schemas.microsoft.com/office/drawing/2014/main" xmlns="" id="{A6DD402E-F073-4E41-CE4D-B1B06F7C1A97}"/>
               </a:ext>
             </a:extLst>
           </p:cNvPr>
@@ -16348,7 +16348,7 @@
           <p:cNvPr id="29" name="직사각형 28">
             <a:extLst>
               <a:ext uri="{FF2B5EF4-FFF2-40B4-BE49-F238E27FC236}">
-                <a16:creationId xmlns:a16="http://schemas.microsoft.com/office/drawing/2014/main" id="{3348934F-A19D-0CE3-D10C-939ED42C410D}"/>
+                <a16:creationId xmlns:a16="http://schemas.microsoft.com/office/drawing/2014/main" xmlns="" id="{3348934F-A19D-0CE3-D10C-939ED42C410D}"/>
               </a:ext>
             </a:extLst>
           </p:cNvPr>
@@ -16659,7 +16659,7 @@
           <p:cNvPr id="2" name="TextBox 1">
             <a:extLst>
               <a:ext uri="{FF2B5EF4-FFF2-40B4-BE49-F238E27FC236}">
-                <a16:creationId xmlns:a16="http://schemas.microsoft.com/office/drawing/2014/main" id="{D58CD55F-696A-A211-7699-995E8CE2C799}"/>
+                <a16:creationId xmlns:a16="http://schemas.microsoft.com/office/drawing/2014/main" xmlns="" id="{D58CD55F-696A-A211-7699-995E8CE2C799}"/>
               </a:ext>
             </a:extLst>
           </p:cNvPr>
@@ -16714,7 +16714,7 @@
           <p:cNvPr id="4" name="TextBox 3">
             <a:extLst>
               <a:ext uri="{FF2B5EF4-FFF2-40B4-BE49-F238E27FC236}">
-                <a16:creationId xmlns:a16="http://schemas.microsoft.com/office/drawing/2014/main" id="{3C9414FF-7D36-2E19-62E2-67C2A4276065}"/>
+                <a16:creationId xmlns:a16="http://schemas.microsoft.com/office/drawing/2014/main" xmlns="" id="{3C9414FF-7D36-2E19-62E2-67C2A4276065}"/>
               </a:ext>
             </a:extLst>
           </p:cNvPr>
@@ -16769,7 +16769,7 @@
           <p:cNvPr id="5" name="직선 화살표 연결선 4">
             <a:extLst>
               <a:ext uri="{FF2B5EF4-FFF2-40B4-BE49-F238E27FC236}">
-                <a16:creationId xmlns:a16="http://schemas.microsoft.com/office/drawing/2014/main" id="{79746439-EF3B-F8E3-DE81-6F48384D6469}"/>
+                <a16:creationId xmlns:a16="http://schemas.microsoft.com/office/drawing/2014/main" xmlns="" id="{79746439-EF3B-F8E3-DE81-6F48384D6469}"/>
               </a:ext>
             </a:extLst>
           </p:cNvPr>
@@ -16900,7 +16900,7 @@
           <p:cNvPr id="6" name="직선 화살표 연결선 5">
             <a:extLst>
               <a:ext uri="{FF2B5EF4-FFF2-40B4-BE49-F238E27FC236}">
-                <a16:creationId xmlns:a16="http://schemas.microsoft.com/office/drawing/2014/main" id="{622EB58F-7412-1D6E-59B3-17AD3454222B}"/>
+                <a16:creationId xmlns:a16="http://schemas.microsoft.com/office/drawing/2014/main" xmlns="" id="{622EB58F-7412-1D6E-59B3-17AD3454222B}"/>
               </a:ext>
             </a:extLst>
           </p:cNvPr>
@@ -16949,7 +16949,7 @@
           <p:cNvPr id="22" name="직선 화살표 연결선 21">
             <a:extLst>
               <a:ext uri="{FF2B5EF4-FFF2-40B4-BE49-F238E27FC236}">
-                <a16:creationId xmlns:a16="http://schemas.microsoft.com/office/drawing/2014/main" id="{77B97F0A-A54D-9346-CF8F-0292850B40D5}"/>
+                <a16:creationId xmlns:a16="http://schemas.microsoft.com/office/drawing/2014/main" xmlns="" id="{77B97F0A-A54D-9346-CF8F-0292850B40D5}"/>
               </a:ext>
             </a:extLst>
           </p:cNvPr>
@@ -16997,7 +16997,7 @@
           <p:cNvPr id="40" name="직선 화살표 연결선 39">
             <a:extLst>
               <a:ext uri="{FF2B5EF4-FFF2-40B4-BE49-F238E27FC236}">
-                <a16:creationId xmlns:a16="http://schemas.microsoft.com/office/drawing/2014/main" id="{5FEE82A8-F198-326E-09CE-4E14A41A816E}"/>
+                <a16:creationId xmlns:a16="http://schemas.microsoft.com/office/drawing/2014/main" xmlns="" id="{5FEE82A8-F198-326E-09CE-4E14A41A816E}"/>
               </a:ext>
             </a:extLst>
           </p:cNvPr>
@@ -17045,7 +17045,7 @@
           <p:cNvPr id="74" name="직선 화살표 연결선 73">
             <a:extLst>
               <a:ext uri="{FF2B5EF4-FFF2-40B4-BE49-F238E27FC236}">
-                <a16:creationId xmlns:a16="http://schemas.microsoft.com/office/drawing/2014/main" id="{AC3F902F-A5AF-F9F8-9AE8-CF1F3B1CB53C}"/>
+                <a16:creationId xmlns:a16="http://schemas.microsoft.com/office/drawing/2014/main" xmlns="" id="{AC3F902F-A5AF-F9F8-9AE8-CF1F3B1CB53C}"/>
               </a:ext>
             </a:extLst>
           </p:cNvPr>
@@ -17149,7 +17149,7 @@
           <p:cNvPr id="77" name="직선 화살표 연결선 76">
             <a:extLst>
               <a:ext uri="{FF2B5EF4-FFF2-40B4-BE49-F238E27FC236}">
-                <a16:creationId xmlns:a16="http://schemas.microsoft.com/office/drawing/2014/main" id="{79746439-EF3B-F8E3-DE81-6F48384D6469}"/>
+                <a16:creationId xmlns:a16="http://schemas.microsoft.com/office/drawing/2014/main" xmlns="" id="{79746439-EF3B-F8E3-DE81-6F48384D6469}"/>
               </a:ext>
             </a:extLst>
           </p:cNvPr>
@@ -17228,7 +17228,7 @@
           <p:cNvPr id="55" name="그룹 54">
             <a:extLst>
               <a:ext uri="{FF2B5EF4-FFF2-40B4-BE49-F238E27FC236}">
-                <a16:creationId xmlns:a16="http://schemas.microsoft.com/office/drawing/2014/main" id="{F7126D63-5FD8-E2AB-0501-D7D4A02E493C}"/>
+                <a16:creationId xmlns:a16="http://schemas.microsoft.com/office/drawing/2014/main" xmlns="" id="{F7126D63-5FD8-E2AB-0501-D7D4A02E493C}"/>
               </a:ext>
             </a:extLst>
           </p:cNvPr>
@@ -17248,7 +17248,7 @@
             <p:cNvPr id="5" name="그림 4">
               <a:extLst>
                 <a:ext uri="{FF2B5EF4-FFF2-40B4-BE49-F238E27FC236}">
-                  <a16:creationId xmlns:a16="http://schemas.microsoft.com/office/drawing/2014/main" id="{D74B06D9-F97D-F932-7E16-0E4607396765}"/>
+                  <a16:creationId xmlns:a16="http://schemas.microsoft.com/office/drawing/2014/main" xmlns="" id="{D74B06D9-F97D-F932-7E16-0E4607396765}"/>
                 </a:ext>
               </a:extLst>
             </p:cNvPr>
@@ -17278,7 +17278,7 @@
             <p:cNvPr id="7" name="그림 6">
               <a:extLst>
                 <a:ext uri="{FF2B5EF4-FFF2-40B4-BE49-F238E27FC236}">
-                  <a16:creationId xmlns:a16="http://schemas.microsoft.com/office/drawing/2014/main" id="{D2A7AB12-7F35-61A6-504A-F50EF9B95A81}"/>
+                  <a16:creationId xmlns:a16="http://schemas.microsoft.com/office/drawing/2014/main" xmlns="" id="{D2A7AB12-7F35-61A6-504A-F50EF9B95A81}"/>
                 </a:ext>
               </a:extLst>
             </p:cNvPr>
@@ -17308,7 +17308,7 @@
             <p:cNvPr id="8" name="그림 7">
               <a:extLst>
                 <a:ext uri="{FF2B5EF4-FFF2-40B4-BE49-F238E27FC236}">
-                  <a16:creationId xmlns:a16="http://schemas.microsoft.com/office/drawing/2014/main" id="{D95B96F7-5DE9-CCE7-29CD-A15F2AF14744}"/>
+                  <a16:creationId xmlns:a16="http://schemas.microsoft.com/office/drawing/2014/main" xmlns="" id="{D95B96F7-5DE9-CCE7-29CD-A15F2AF14744}"/>
                 </a:ext>
               </a:extLst>
             </p:cNvPr>
@@ -17338,7 +17338,7 @@
             <p:cNvPr id="15" name="직사각형 14">
               <a:extLst>
                 <a:ext uri="{FF2B5EF4-FFF2-40B4-BE49-F238E27FC236}">
-                  <a16:creationId xmlns:a16="http://schemas.microsoft.com/office/drawing/2014/main" id="{44A00350-2EED-1207-B975-A1B249C9C2CE}"/>
+                  <a16:creationId xmlns:a16="http://schemas.microsoft.com/office/drawing/2014/main" xmlns="" id="{44A00350-2EED-1207-B975-A1B249C9C2CE}"/>
                 </a:ext>
               </a:extLst>
             </p:cNvPr>
@@ -17391,7 +17391,7 @@
             <p:cNvPr id="16" name="직사각형 15">
               <a:extLst>
                 <a:ext uri="{FF2B5EF4-FFF2-40B4-BE49-F238E27FC236}">
-                  <a16:creationId xmlns:a16="http://schemas.microsoft.com/office/drawing/2014/main" id="{0D27BA77-0988-DFA7-2B8B-4CA6CD9258DE}"/>
+                  <a16:creationId xmlns:a16="http://schemas.microsoft.com/office/drawing/2014/main" xmlns="" id="{0D27BA77-0988-DFA7-2B8B-4CA6CD9258DE}"/>
                 </a:ext>
               </a:extLst>
             </p:cNvPr>
@@ -17444,7 +17444,7 @@
             <p:cNvPr id="17" name="직사각형 16">
               <a:extLst>
                 <a:ext uri="{FF2B5EF4-FFF2-40B4-BE49-F238E27FC236}">
-                  <a16:creationId xmlns:a16="http://schemas.microsoft.com/office/drawing/2014/main" id="{47E35CB8-DB93-0F6A-3BFF-29C6417B32FB}"/>
+                  <a16:creationId xmlns:a16="http://schemas.microsoft.com/office/drawing/2014/main" xmlns="" id="{47E35CB8-DB93-0F6A-3BFF-29C6417B32FB}"/>
                 </a:ext>
               </a:extLst>
             </p:cNvPr>
@@ -17497,7 +17497,7 @@
             <p:cNvPr id="18" name="직선 연결선 17">
               <a:extLst>
                 <a:ext uri="{FF2B5EF4-FFF2-40B4-BE49-F238E27FC236}">
-                  <a16:creationId xmlns:a16="http://schemas.microsoft.com/office/drawing/2014/main" id="{DF0B02D2-5A7A-F6A2-C0AC-5A07E3886225}"/>
+                  <a16:creationId xmlns:a16="http://schemas.microsoft.com/office/drawing/2014/main" xmlns="" id="{DF0B02D2-5A7A-F6A2-C0AC-5A07E3886225}"/>
                 </a:ext>
               </a:extLst>
             </p:cNvPr>
@@ -17540,7 +17540,7 @@
             <p:cNvPr id="19" name="직선 연결선 18">
               <a:extLst>
                 <a:ext uri="{FF2B5EF4-FFF2-40B4-BE49-F238E27FC236}">
-                  <a16:creationId xmlns:a16="http://schemas.microsoft.com/office/drawing/2014/main" id="{8A292E93-B87A-394D-8A2D-88BB0751ACE5}"/>
+                  <a16:creationId xmlns:a16="http://schemas.microsoft.com/office/drawing/2014/main" xmlns="" id="{8A292E93-B87A-394D-8A2D-88BB0751ACE5}"/>
                 </a:ext>
               </a:extLst>
             </p:cNvPr>
@@ -17583,7 +17583,7 @@
             <p:cNvPr id="20" name="직선 연결선 19">
               <a:extLst>
                 <a:ext uri="{FF2B5EF4-FFF2-40B4-BE49-F238E27FC236}">
-                  <a16:creationId xmlns:a16="http://schemas.microsoft.com/office/drawing/2014/main" id="{F742C95F-18A5-7283-63BC-679B0AEE841E}"/>
+                  <a16:creationId xmlns:a16="http://schemas.microsoft.com/office/drawing/2014/main" xmlns="" id="{F742C95F-18A5-7283-63BC-679B0AEE841E}"/>
                 </a:ext>
               </a:extLst>
             </p:cNvPr>
@@ -17626,7 +17626,7 @@
             <p:cNvPr id="21" name="직선 연결선 20">
               <a:extLst>
                 <a:ext uri="{FF2B5EF4-FFF2-40B4-BE49-F238E27FC236}">
-                  <a16:creationId xmlns:a16="http://schemas.microsoft.com/office/drawing/2014/main" id="{A6ECB332-533F-48E5-6326-D3E9320AB113}"/>
+                  <a16:creationId xmlns:a16="http://schemas.microsoft.com/office/drawing/2014/main" xmlns="" id="{A6ECB332-533F-48E5-6326-D3E9320AB113}"/>
                 </a:ext>
               </a:extLst>
             </p:cNvPr>
@@ -17669,7 +17669,7 @@
             <p:cNvPr id="22" name="직선 연결선 21">
               <a:extLst>
                 <a:ext uri="{FF2B5EF4-FFF2-40B4-BE49-F238E27FC236}">
-                  <a16:creationId xmlns:a16="http://schemas.microsoft.com/office/drawing/2014/main" id="{1B998782-92A1-07A0-6EE9-D793B1868EA4}"/>
+                  <a16:creationId xmlns:a16="http://schemas.microsoft.com/office/drawing/2014/main" xmlns="" id="{1B998782-92A1-07A0-6EE9-D793B1868EA4}"/>
                 </a:ext>
               </a:extLst>
             </p:cNvPr>
@@ -17712,7 +17712,7 @@
             <p:cNvPr id="23" name="직선 연결선 22">
               <a:extLst>
                 <a:ext uri="{FF2B5EF4-FFF2-40B4-BE49-F238E27FC236}">
-                  <a16:creationId xmlns:a16="http://schemas.microsoft.com/office/drawing/2014/main" id="{BDA37005-DB76-E005-7BB3-1DE19155A8C3}"/>
+                  <a16:creationId xmlns:a16="http://schemas.microsoft.com/office/drawing/2014/main" xmlns="" id="{BDA37005-DB76-E005-7BB3-1DE19155A8C3}"/>
                 </a:ext>
               </a:extLst>
             </p:cNvPr>
@@ -17755,7 +17755,7 @@
             <p:cNvPr id="26" name="직선 화살표 연결선 25">
               <a:extLst>
                 <a:ext uri="{FF2B5EF4-FFF2-40B4-BE49-F238E27FC236}">
-                  <a16:creationId xmlns:a16="http://schemas.microsoft.com/office/drawing/2014/main" id="{DF33ABDE-CBC2-07A2-183E-C976053162D1}"/>
+                  <a16:creationId xmlns:a16="http://schemas.microsoft.com/office/drawing/2014/main" xmlns="" id="{DF33ABDE-CBC2-07A2-183E-C976053162D1}"/>
                 </a:ext>
               </a:extLst>
             </p:cNvPr>
@@ -17806,7 +17806,7 @@
             <p:cNvPr id="27" name="직선 화살표 연결선 26">
               <a:extLst>
                 <a:ext uri="{FF2B5EF4-FFF2-40B4-BE49-F238E27FC236}">
-                  <a16:creationId xmlns:a16="http://schemas.microsoft.com/office/drawing/2014/main" id="{B5C1BC1E-1E17-61A4-3A8E-44E3A1540BF4}"/>
+                  <a16:creationId xmlns:a16="http://schemas.microsoft.com/office/drawing/2014/main" xmlns="" id="{B5C1BC1E-1E17-61A4-3A8E-44E3A1540BF4}"/>
                 </a:ext>
               </a:extLst>
             </p:cNvPr>
@@ -17857,7 +17857,7 @@
             <p:cNvPr id="30" name="직사각형 29">
               <a:extLst>
                 <a:ext uri="{FF2B5EF4-FFF2-40B4-BE49-F238E27FC236}">
-                  <a16:creationId xmlns:a16="http://schemas.microsoft.com/office/drawing/2014/main" id="{55ED66F5-1478-EFE2-D13E-60C1DCAADACC}"/>
+                  <a16:creationId xmlns:a16="http://schemas.microsoft.com/office/drawing/2014/main" xmlns="" id="{55ED66F5-1478-EFE2-D13E-60C1DCAADACC}"/>
                 </a:ext>
               </a:extLst>
             </p:cNvPr>
@@ -17910,7 +17910,7 @@
             <p:cNvPr id="31" name="직선 연결선 30">
               <a:extLst>
                 <a:ext uri="{FF2B5EF4-FFF2-40B4-BE49-F238E27FC236}">
-                  <a16:creationId xmlns:a16="http://schemas.microsoft.com/office/drawing/2014/main" id="{F3BE8123-4994-926A-BEBD-D4FCEE053DF5}"/>
+                  <a16:creationId xmlns:a16="http://schemas.microsoft.com/office/drawing/2014/main" xmlns="" id="{F3BE8123-4994-926A-BEBD-D4FCEE053DF5}"/>
                 </a:ext>
               </a:extLst>
             </p:cNvPr>
@@ -17953,7 +17953,7 @@
             <p:cNvPr id="34" name="그림 33">
               <a:extLst>
                 <a:ext uri="{FF2B5EF4-FFF2-40B4-BE49-F238E27FC236}">
-                  <a16:creationId xmlns:a16="http://schemas.microsoft.com/office/drawing/2014/main" id="{76BFD087-1464-697E-3C36-8578E74FE30C}"/>
+                  <a16:creationId xmlns:a16="http://schemas.microsoft.com/office/drawing/2014/main" xmlns="" id="{76BFD087-1464-697E-3C36-8578E74FE30C}"/>
                 </a:ext>
               </a:extLst>
             </p:cNvPr>
@@ -17988,7 +17988,7 @@
             <p:cNvPr id="35" name="TextBox 34">
               <a:extLst>
                 <a:ext uri="{FF2B5EF4-FFF2-40B4-BE49-F238E27FC236}">
-                  <a16:creationId xmlns:a16="http://schemas.microsoft.com/office/drawing/2014/main" id="{D8830B79-09BC-8CDB-9727-E5943BB6FE89}"/>
+                  <a16:creationId xmlns:a16="http://schemas.microsoft.com/office/drawing/2014/main" xmlns="" id="{D8830B79-09BC-8CDB-9727-E5943BB6FE89}"/>
                 </a:ext>
               </a:extLst>
             </p:cNvPr>
@@ -18028,7 +18028,7 @@
             <p:cNvPr id="36" name="TextBox 35">
               <a:extLst>
                 <a:ext uri="{FF2B5EF4-FFF2-40B4-BE49-F238E27FC236}">
-                  <a16:creationId xmlns:a16="http://schemas.microsoft.com/office/drawing/2014/main" id="{7498B629-74C3-E041-3949-937534EA26C5}"/>
+                  <a16:creationId xmlns:a16="http://schemas.microsoft.com/office/drawing/2014/main" xmlns="" id="{7498B629-74C3-E041-3949-937534EA26C5}"/>
                 </a:ext>
               </a:extLst>
             </p:cNvPr>
@@ -18068,7 +18068,7 @@
             <p:cNvPr id="37" name="TextBox 36">
               <a:extLst>
                 <a:ext uri="{FF2B5EF4-FFF2-40B4-BE49-F238E27FC236}">
-                  <a16:creationId xmlns:a16="http://schemas.microsoft.com/office/drawing/2014/main" id="{9FDE914C-5FA3-AFA6-259A-04E5A8F34950}"/>
+                  <a16:creationId xmlns:a16="http://schemas.microsoft.com/office/drawing/2014/main" xmlns="" id="{9FDE914C-5FA3-AFA6-259A-04E5A8F34950}"/>
                 </a:ext>
               </a:extLst>
             </p:cNvPr>
@@ -18108,7 +18108,7 @@
             <p:cNvPr id="38" name="TextBox 37">
               <a:extLst>
                 <a:ext uri="{FF2B5EF4-FFF2-40B4-BE49-F238E27FC236}">
-                  <a16:creationId xmlns:a16="http://schemas.microsoft.com/office/drawing/2014/main" id="{113F581A-0233-2534-6D93-86E29AEDE4CC}"/>
+                  <a16:creationId xmlns:a16="http://schemas.microsoft.com/office/drawing/2014/main" xmlns="" id="{113F581A-0233-2534-6D93-86E29AEDE4CC}"/>
                 </a:ext>
               </a:extLst>
             </p:cNvPr>
@@ -18148,7 +18148,7 @@
             <p:cNvPr id="39" name="TextBox 38">
               <a:extLst>
                 <a:ext uri="{FF2B5EF4-FFF2-40B4-BE49-F238E27FC236}">
-                  <a16:creationId xmlns:a16="http://schemas.microsoft.com/office/drawing/2014/main" id="{F25C8F7E-30D4-B9FE-AEB9-A77ADB4D298F}"/>
+                  <a16:creationId xmlns:a16="http://schemas.microsoft.com/office/drawing/2014/main" xmlns="" id="{F25C8F7E-30D4-B9FE-AEB9-A77ADB4D298F}"/>
                 </a:ext>
               </a:extLst>
             </p:cNvPr>
@@ -18188,7 +18188,7 @@
             <p:cNvPr id="40" name="TextBox 39">
               <a:extLst>
                 <a:ext uri="{FF2B5EF4-FFF2-40B4-BE49-F238E27FC236}">
-                  <a16:creationId xmlns:a16="http://schemas.microsoft.com/office/drawing/2014/main" id="{4B4EE0E5-4F34-6D6E-9AFA-A99ACF0C4844}"/>
+                  <a16:creationId xmlns:a16="http://schemas.microsoft.com/office/drawing/2014/main" xmlns="" id="{4B4EE0E5-4F34-6D6E-9AFA-A99ACF0C4844}"/>
                 </a:ext>
               </a:extLst>
             </p:cNvPr>
@@ -18228,7 +18228,7 @@
             <p:cNvPr id="42" name="연결선: 꺾임 41">
               <a:extLst>
                 <a:ext uri="{FF2B5EF4-FFF2-40B4-BE49-F238E27FC236}">
-                  <a16:creationId xmlns:a16="http://schemas.microsoft.com/office/drawing/2014/main" id="{74F507FB-9E49-E4EE-ED10-DCDC4C41B089}"/>
+                  <a16:creationId xmlns:a16="http://schemas.microsoft.com/office/drawing/2014/main" xmlns="" id="{74F507FB-9E49-E4EE-ED10-DCDC4C41B089}"/>
                 </a:ext>
               </a:extLst>
             </p:cNvPr>
@@ -18274,7 +18274,7 @@
             <p:cNvPr id="44" name="직사각형 43">
               <a:extLst>
                 <a:ext uri="{FF2B5EF4-FFF2-40B4-BE49-F238E27FC236}">
-                  <a16:creationId xmlns:a16="http://schemas.microsoft.com/office/drawing/2014/main" id="{C0FDBE82-B2E2-7FD9-EC54-A0E99099BEA6}"/>
+                  <a16:creationId xmlns:a16="http://schemas.microsoft.com/office/drawing/2014/main" xmlns="" id="{C0FDBE82-B2E2-7FD9-EC54-A0E99099BEA6}"/>
                 </a:ext>
               </a:extLst>
             </p:cNvPr>
@@ -18324,7 +18324,7 @@
             <p:cNvPr id="49" name="직사각형 48">
               <a:extLst>
                 <a:ext uri="{FF2B5EF4-FFF2-40B4-BE49-F238E27FC236}">
-                  <a16:creationId xmlns:a16="http://schemas.microsoft.com/office/drawing/2014/main" id="{F07CCA64-B34C-9731-7082-801539A20B90}"/>
+                  <a16:creationId xmlns:a16="http://schemas.microsoft.com/office/drawing/2014/main" xmlns="" id="{F07CCA64-B34C-9731-7082-801539A20B90}"/>
                 </a:ext>
               </a:extLst>
             </p:cNvPr>
@@ -18374,7 +18374,7 @@
             <p:cNvPr id="53" name="TextBox 52">
               <a:extLst>
                 <a:ext uri="{FF2B5EF4-FFF2-40B4-BE49-F238E27FC236}">
-                  <a16:creationId xmlns:a16="http://schemas.microsoft.com/office/drawing/2014/main" id="{90CE65EC-1C12-738C-BF13-925A288D2CDE}"/>
+                  <a16:creationId xmlns:a16="http://schemas.microsoft.com/office/drawing/2014/main" xmlns="" id="{90CE65EC-1C12-738C-BF13-925A288D2CDE}"/>
                 </a:ext>
               </a:extLst>
             </p:cNvPr>
@@ -18413,7 +18413,7 @@
             <p:cNvPr id="54" name="TextBox 53">
               <a:extLst>
                 <a:ext uri="{FF2B5EF4-FFF2-40B4-BE49-F238E27FC236}">
-                  <a16:creationId xmlns:a16="http://schemas.microsoft.com/office/drawing/2014/main" id="{968600CA-6562-FDDF-0699-E17F13B97103}"/>
+                  <a16:creationId xmlns:a16="http://schemas.microsoft.com/office/drawing/2014/main" xmlns="" id="{968600CA-6562-FDDF-0699-E17F13B97103}"/>
                 </a:ext>
               </a:extLst>
             </p:cNvPr>
@@ -18483,7 +18483,7 @@
           <p:cNvPr id="3" name="직사각형 2">
             <a:extLst>
               <a:ext uri="{FF2B5EF4-FFF2-40B4-BE49-F238E27FC236}">
-                <a16:creationId xmlns:a16="http://schemas.microsoft.com/office/drawing/2014/main" id="{765F1C10-826E-D67B-D033-A0A4E56C4DF4}"/>
+                <a16:creationId xmlns:a16="http://schemas.microsoft.com/office/drawing/2014/main" xmlns="" id="{765F1C10-826E-D67B-D033-A0A4E56C4DF4}"/>
               </a:ext>
             </a:extLst>
           </p:cNvPr>
@@ -20521,7 +20521,7 @@
           <p:cNvPr id="21" name="직사각형 20">
             <a:extLst>
               <a:ext uri="{FF2B5EF4-FFF2-40B4-BE49-F238E27FC236}">
-                <a16:creationId xmlns:a16="http://schemas.microsoft.com/office/drawing/2014/main" id="{7CD09966-B5C1-6685-DFF3-1F73C09587D9}"/>
+                <a16:creationId xmlns:a16="http://schemas.microsoft.com/office/drawing/2014/main" xmlns="" id="{7CD09966-B5C1-6685-DFF3-1F73C09587D9}"/>
               </a:ext>
             </a:extLst>
           </p:cNvPr>
@@ -20558,7 +20558,7 @@
           <p:cNvPr id="25" name="직사각형 24">
             <a:extLst>
               <a:ext uri="{FF2B5EF4-FFF2-40B4-BE49-F238E27FC236}">
-                <a16:creationId xmlns:a16="http://schemas.microsoft.com/office/drawing/2014/main" id="{C85E4C1E-170A-830C-AB71-2FE39E4CE0F7}"/>
+                <a16:creationId xmlns:a16="http://schemas.microsoft.com/office/drawing/2014/main" xmlns="" id="{C85E4C1E-170A-830C-AB71-2FE39E4CE0F7}"/>
               </a:ext>
             </a:extLst>
           </p:cNvPr>
@@ -20596,7 +20596,7 @@
           <p:cNvPr id="27" name="직사각형 26">
             <a:extLst>
               <a:ext uri="{FF2B5EF4-FFF2-40B4-BE49-F238E27FC236}">
-                <a16:creationId xmlns:a16="http://schemas.microsoft.com/office/drawing/2014/main" id="{A6DD402E-F073-4E41-CE4D-B1B06F7C1A97}"/>
+                <a16:creationId xmlns:a16="http://schemas.microsoft.com/office/drawing/2014/main" xmlns="" id="{A6DD402E-F073-4E41-CE4D-B1B06F7C1A97}"/>
               </a:ext>
             </a:extLst>
           </p:cNvPr>
@@ -20634,7 +20634,7 @@
           <p:cNvPr id="29" name="직사각형 28">
             <a:extLst>
               <a:ext uri="{FF2B5EF4-FFF2-40B4-BE49-F238E27FC236}">
-                <a16:creationId xmlns:a16="http://schemas.microsoft.com/office/drawing/2014/main" id="{3348934F-A19D-0CE3-D10C-939ED42C410D}"/>
+                <a16:creationId xmlns:a16="http://schemas.microsoft.com/office/drawing/2014/main" xmlns="" id="{3348934F-A19D-0CE3-D10C-939ED42C410D}"/>
               </a:ext>
             </a:extLst>
           </p:cNvPr>
@@ -20945,7 +20945,7 @@
           <p:cNvPr id="2" name="TextBox 1">
             <a:extLst>
               <a:ext uri="{FF2B5EF4-FFF2-40B4-BE49-F238E27FC236}">
-                <a16:creationId xmlns:a16="http://schemas.microsoft.com/office/drawing/2014/main" id="{D58CD55F-696A-A211-7699-995E8CE2C799}"/>
+                <a16:creationId xmlns:a16="http://schemas.microsoft.com/office/drawing/2014/main" xmlns="" id="{D58CD55F-696A-A211-7699-995E8CE2C799}"/>
               </a:ext>
             </a:extLst>
           </p:cNvPr>
@@ -21000,7 +21000,7 @@
           <p:cNvPr id="5" name="직선 화살표 연결선 4">
             <a:extLst>
               <a:ext uri="{FF2B5EF4-FFF2-40B4-BE49-F238E27FC236}">
-                <a16:creationId xmlns:a16="http://schemas.microsoft.com/office/drawing/2014/main" id="{79746439-EF3B-F8E3-DE81-6F48384D6469}"/>
+                <a16:creationId xmlns:a16="http://schemas.microsoft.com/office/drawing/2014/main" xmlns="" id="{79746439-EF3B-F8E3-DE81-6F48384D6469}"/>
               </a:ext>
             </a:extLst>
           </p:cNvPr>
@@ -21131,7 +21131,7 @@
           <p:cNvPr id="6" name="직선 화살표 연결선 5">
             <a:extLst>
               <a:ext uri="{FF2B5EF4-FFF2-40B4-BE49-F238E27FC236}">
-                <a16:creationId xmlns:a16="http://schemas.microsoft.com/office/drawing/2014/main" id="{622EB58F-7412-1D6E-59B3-17AD3454222B}"/>
+                <a16:creationId xmlns:a16="http://schemas.microsoft.com/office/drawing/2014/main" xmlns="" id="{622EB58F-7412-1D6E-59B3-17AD3454222B}"/>
               </a:ext>
             </a:extLst>
           </p:cNvPr>
@@ -21180,7 +21180,7 @@
           <p:cNvPr id="22" name="직선 화살표 연결선 21">
             <a:extLst>
               <a:ext uri="{FF2B5EF4-FFF2-40B4-BE49-F238E27FC236}">
-                <a16:creationId xmlns:a16="http://schemas.microsoft.com/office/drawing/2014/main" id="{77B97F0A-A54D-9346-CF8F-0292850B40D5}"/>
+                <a16:creationId xmlns:a16="http://schemas.microsoft.com/office/drawing/2014/main" xmlns="" id="{77B97F0A-A54D-9346-CF8F-0292850B40D5}"/>
               </a:ext>
             </a:extLst>
           </p:cNvPr>
@@ -21228,7 +21228,7 @@
           <p:cNvPr id="40" name="직선 화살표 연결선 39">
             <a:extLst>
               <a:ext uri="{FF2B5EF4-FFF2-40B4-BE49-F238E27FC236}">
-                <a16:creationId xmlns:a16="http://schemas.microsoft.com/office/drawing/2014/main" id="{5FEE82A8-F198-326E-09CE-4E14A41A816E}"/>
+                <a16:creationId xmlns:a16="http://schemas.microsoft.com/office/drawing/2014/main" xmlns="" id="{5FEE82A8-F198-326E-09CE-4E14A41A816E}"/>
               </a:ext>
             </a:extLst>
           </p:cNvPr>
@@ -21276,7 +21276,7 @@
           <p:cNvPr id="74" name="직선 화살표 연결선 73">
             <a:extLst>
               <a:ext uri="{FF2B5EF4-FFF2-40B4-BE49-F238E27FC236}">
-                <a16:creationId xmlns:a16="http://schemas.microsoft.com/office/drawing/2014/main" id="{AC3F902F-A5AF-F9F8-9AE8-CF1F3B1CB53C}"/>
+                <a16:creationId xmlns:a16="http://schemas.microsoft.com/office/drawing/2014/main" xmlns="" id="{AC3F902F-A5AF-F9F8-9AE8-CF1F3B1CB53C}"/>
               </a:ext>
             </a:extLst>
           </p:cNvPr>
@@ -21360,7 +21360,7 @@
           <p:cNvPr id="76" name="TextBox 75">
             <a:extLst>
               <a:ext uri="{FF2B5EF4-FFF2-40B4-BE49-F238E27FC236}">
-                <a16:creationId xmlns:a16="http://schemas.microsoft.com/office/drawing/2014/main" id="{3C9414FF-7D36-2E19-62E2-67C2A4276065}"/>
+                <a16:creationId xmlns:a16="http://schemas.microsoft.com/office/drawing/2014/main" xmlns="" id="{3C9414FF-7D36-2E19-62E2-67C2A4276065}"/>
               </a:ext>
             </a:extLst>
           </p:cNvPr>
@@ -21471,7 +21471,7 @@
           <p:cNvPr id="81" name="직선 화살표 연결선 80">
             <a:extLst>
               <a:ext uri="{FF2B5EF4-FFF2-40B4-BE49-F238E27FC236}">
-                <a16:creationId xmlns:a16="http://schemas.microsoft.com/office/drawing/2014/main" id="{79746439-EF3B-F8E3-DE81-6F48384D6469}"/>
+                <a16:creationId xmlns:a16="http://schemas.microsoft.com/office/drawing/2014/main" xmlns="" id="{79746439-EF3B-F8E3-DE81-6F48384D6469}"/>
               </a:ext>
             </a:extLst>
           </p:cNvPr>
@@ -21706,7 +21706,7 @@
           <p:cNvPr id="84" name="직선 화살표 연결선 83">
             <a:extLst>
               <a:ext uri="{FF2B5EF4-FFF2-40B4-BE49-F238E27FC236}">
-                <a16:creationId xmlns:a16="http://schemas.microsoft.com/office/drawing/2014/main" id="{5FEE82A8-F198-326E-09CE-4E14A41A816E}"/>
+                <a16:creationId xmlns:a16="http://schemas.microsoft.com/office/drawing/2014/main" xmlns="" id="{5FEE82A8-F198-326E-09CE-4E14A41A816E}"/>
               </a:ext>
             </a:extLst>
           </p:cNvPr>
@@ -21752,7 +21752,7 @@
           <p:cNvPr id="85" name="직선 화살표 연결선 84">
             <a:extLst>
               <a:ext uri="{FF2B5EF4-FFF2-40B4-BE49-F238E27FC236}">
-                <a16:creationId xmlns:a16="http://schemas.microsoft.com/office/drawing/2014/main" id="{5FEE82A8-F198-326E-09CE-4E14A41A816E}"/>
+                <a16:creationId xmlns:a16="http://schemas.microsoft.com/office/drawing/2014/main" xmlns="" id="{5FEE82A8-F198-326E-09CE-4E14A41A816E}"/>
               </a:ext>
             </a:extLst>
           </p:cNvPr>
